--- a/MSc Thesis/images/tipSphereExample.pptx
+++ b/MSc Thesis/images/tipSphereExample.pptx
@@ -104,6 +104,11 @@
       </a:defRPr>
     </a:lvl9pPr>
   </p:defaultTextStyle>
+  <p:extLst>
+    <p:ext uri="{EFAFB233-063F-42B5-8137-9DF3F51BA10A}">
+      <p15:sldGuideLst xmlns:p15="http://schemas.microsoft.com/office/powerpoint/2012/main"/>
+    </p:ext>
+  </p:extLst>
 </p:presentation>
 </file>
 
@@ -238,7 +243,7 @@
           <a:p>
             <a:fld id="{EC9E7B29-D1E0-4AEC-B995-ABDEBDA8B4E5}" type="datetimeFigureOut">
               <a:rPr lang="en-GB" smtClean="0"/>
-              <a:t>08/09/2016</a:t>
+              <a:t>06/10/2016</a:t>
             </a:fld>
             <a:endParaRPr lang="en-GB"/>
           </a:p>
@@ -408,7 +413,7 @@
           <a:p>
             <a:fld id="{EC9E7B29-D1E0-4AEC-B995-ABDEBDA8B4E5}" type="datetimeFigureOut">
               <a:rPr lang="en-GB" smtClean="0"/>
-              <a:t>08/09/2016</a:t>
+              <a:t>06/10/2016</a:t>
             </a:fld>
             <a:endParaRPr lang="en-GB"/>
           </a:p>
@@ -588,7 +593,7 @@
           <a:p>
             <a:fld id="{EC9E7B29-D1E0-4AEC-B995-ABDEBDA8B4E5}" type="datetimeFigureOut">
               <a:rPr lang="en-GB" smtClean="0"/>
-              <a:t>08/09/2016</a:t>
+              <a:t>06/10/2016</a:t>
             </a:fld>
             <a:endParaRPr lang="en-GB"/>
           </a:p>
@@ -758,7 +763,7 @@
           <a:p>
             <a:fld id="{EC9E7B29-D1E0-4AEC-B995-ABDEBDA8B4E5}" type="datetimeFigureOut">
               <a:rPr lang="en-GB" smtClean="0"/>
-              <a:t>08/09/2016</a:t>
+              <a:t>06/10/2016</a:t>
             </a:fld>
             <a:endParaRPr lang="en-GB"/>
           </a:p>
@@ -1004,7 +1009,7 @@
           <a:p>
             <a:fld id="{EC9E7B29-D1E0-4AEC-B995-ABDEBDA8B4E5}" type="datetimeFigureOut">
               <a:rPr lang="en-GB" smtClean="0"/>
-              <a:t>08/09/2016</a:t>
+              <a:t>06/10/2016</a:t>
             </a:fld>
             <a:endParaRPr lang="en-GB"/>
           </a:p>
@@ -1236,7 +1241,7 @@
           <a:p>
             <a:fld id="{EC9E7B29-D1E0-4AEC-B995-ABDEBDA8B4E5}" type="datetimeFigureOut">
               <a:rPr lang="en-GB" smtClean="0"/>
-              <a:t>08/09/2016</a:t>
+              <a:t>06/10/2016</a:t>
             </a:fld>
             <a:endParaRPr lang="en-GB"/>
           </a:p>
@@ -1603,7 +1608,7 @@
           <a:p>
             <a:fld id="{EC9E7B29-D1E0-4AEC-B995-ABDEBDA8B4E5}" type="datetimeFigureOut">
               <a:rPr lang="en-GB" smtClean="0"/>
-              <a:t>08/09/2016</a:t>
+              <a:t>06/10/2016</a:t>
             </a:fld>
             <a:endParaRPr lang="en-GB"/>
           </a:p>
@@ -1721,7 +1726,7 @@
           <a:p>
             <a:fld id="{EC9E7B29-D1E0-4AEC-B995-ABDEBDA8B4E5}" type="datetimeFigureOut">
               <a:rPr lang="en-GB" smtClean="0"/>
-              <a:t>08/09/2016</a:t>
+              <a:t>06/10/2016</a:t>
             </a:fld>
             <a:endParaRPr lang="en-GB"/>
           </a:p>
@@ -1816,7 +1821,7 @@
           <a:p>
             <a:fld id="{EC9E7B29-D1E0-4AEC-B995-ABDEBDA8B4E5}" type="datetimeFigureOut">
               <a:rPr lang="en-GB" smtClean="0"/>
-              <a:t>08/09/2016</a:t>
+              <a:t>06/10/2016</a:t>
             </a:fld>
             <a:endParaRPr lang="en-GB"/>
           </a:p>
@@ -2093,7 +2098,7 @@
           <a:p>
             <a:fld id="{EC9E7B29-D1E0-4AEC-B995-ABDEBDA8B4E5}" type="datetimeFigureOut">
               <a:rPr lang="en-GB" smtClean="0"/>
-              <a:t>08/09/2016</a:t>
+              <a:t>06/10/2016</a:t>
             </a:fld>
             <a:endParaRPr lang="en-GB"/>
           </a:p>
@@ -2350,7 +2355,7 @@
           <a:p>
             <a:fld id="{EC9E7B29-D1E0-4AEC-B995-ABDEBDA8B4E5}" type="datetimeFigureOut">
               <a:rPr lang="en-GB" smtClean="0"/>
-              <a:t>08/09/2016</a:t>
+              <a:t>06/10/2016</a:t>
             </a:fld>
             <a:endParaRPr lang="en-GB"/>
           </a:p>
@@ -2563,7 +2568,7 @@
           <a:p>
             <a:fld id="{EC9E7B29-D1E0-4AEC-B995-ABDEBDA8B4E5}" type="datetimeFigureOut">
               <a:rPr lang="en-GB" smtClean="0"/>
-              <a:t>08/09/2016</a:t>
+              <a:t>06/10/2016</a:t>
             </a:fld>
             <a:endParaRPr lang="en-GB"/>
           </a:p>
@@ -2976,10 +2981,10 @@
         </p:nvGrpSpPr>
         <p:grpSpPr>
           <a:xfrm>
-            <a:off x="2853459" y="272658"/>
-            <a:ext cx="6835458" cy="6239086"/>
-            <a:chOff x="2853459" y="272658"/>
-            <a:chExt cx="6835458" cy="6239086"/>
+            <a:off x="2877577" y="272658"/>
+            <a:ext cx="6811340" cy="6239086"/>
+            <a:chOff x="2877577" y="272658"/>
+            <a:chExt cx="6811340" cy="6239086"/>
           </a:xfrm>
         </p:grpSpPr>
         <p:grpSp>
@@ -3262,9 +3267,9 @@
           <p:grpSpPr>
             <a:xfrm>
               <a:off x="4131211" y="2119085"/>
-              <a:ext cx="3503304" cy="1963226"/>
+              <a:ext cx="3485408" cy="1967453"/>
               <a:chOff x="3579667" y="2409755"/>
-              <a:chExt cx="4872811" cy="2761128"/>
+              <a:chExt cx="4847919" cy="2767073"/>
             </a:xfrm>
           </p:grpSpPr>
           <p:sp>
@@ -3315,12 +3320,52 @@
             </p:nvGrpSpPr>
             <p:grpSpPr>
               <a:xfrm rot="18266766">
-                <a:off x="6736673" y="3455079"/>
-                <a:ext cx="2064579" cy="1367030"/>
-                <a:chOff x="6432308" y="4442018"/>
-                <a:chExt cx="2064579" cy="1367030"/>
+                <a:off x="6716474" y="3465715"/>
+                <a:ext cx="2078240" cy="1343985"/>
+                <a:chOff x="6418647" y="4442015"/>
+                <a:chExt cx="2078240" cy="1343985"/>
               </a:xfrm>
             </p:grpSpPr>
+            <p:sp>
+              <p:nvSpPr>
+                <p:cNvPr id="18" name="Rectangle 17"/>
+                <p:cNvSpPr/>
+                <p:nvPr/>
+              </p:nvSpPr>
+              <p:spPr>
+                <a:xfrm rot="5400000" flipV="1">
+                  <a:off x="5778804" y="5081858"/>
+                  <a:ext cx="1343985" cy="64300"/>
+                </a:xfrm>
+                <a:prstGeom prst="rect">
+                  <a:avLst/>
+                </a:prstGeom>
+              </p:spPr>
+              <p:style>
+                <a:lnRef idx="2">
+                  <a:schemeClr val="accent1">
+                    <a:shade val="50000"/>
+                  </a:schemeClr>
+                </a:lnRef>
+                <a:fillRef idx="1">
+                  <a:schemeClr val="accent1"/>
+                </a:fillRef>
+                <a:effectRef idx="0">
+                  <a:schemeClr val="accent1"/>
+                </a:effectRef>
+                <a:fontRef idx="minor">
+                  <a:schemeClr val="lt1"/>
+                </a:fontRef>
+              </p:style>
+              <p:txBody>
+                <a:bodyPr rtlCol="0" anchor="ctr"/>
+                <a:lstStyle/>
+                <a:p>
+                  <a:pPr algn="ctr"/>
+                  <a:endParaRPr lang="en-GB"/>
+                </a:p>
+              </p:txBody>
+            </p:sp>
             <p:sp>
               <p:nvSpPr>
                 <p:cNvPr id="17" name="Rectangle 16"/>
@@ -3363,54 +3408,14 @@
             </p:sp>
             <p:sp>
               <p:nvSpPr>
-                <p:cNvPr id="18" name="Rectangle 17"/>
-                <p:cNvSpPr/>
-                <p:nvPr/>
-              </p:nvSpPr>
-              <p:spPr>
-                <a:xfrm rot="5400000" flipV="1">
-                  <a:off x="5801118" y="5078126"/>
-                  <a:ext cx="1317936" cy="45719"/>
-                </a:xfrm>
-                <a:prstGeom prst="rect">
-                  <a:avLst/>
-                </a:prstGeom>
-              </p:spPr>
-              <p:style>
-                <a:lnRef idx="2">
-                  <a:schemeClr val="accent1">
-                    <a:shade val="50000"/>
-                  </a:schemeClr>
-                </a:lnRef>
-                <a:fillRef idx="1">
-                  <a:schemeClr val="accent1"/>
-                </a:fillRef>
-                <a:effectRef idx="0">
-                  <a:schemeClr val="accent1"/>
-                </a:effectRef>
-                <a:fontRef idx="minor">
-                  <a:schemeClr val="lt1"/>
-                </a:fontRef>
-              </p:style>
-              <p:txBody>
-                <a:bodyPr rtlCol="0" anchor="ctr"/>
-                <a:lstStyle/>
-                <a:p>
-                  <a:pPr algn="ctr"/>
-                  <a:endParaRPr lang="en-GB"/>
-                </a:p>
-              </p:txBody>
-            </p:sp>
-            <p:sp>
-              <p:nvSpPr>
                 <p:cNvPr id="19" name="Rectangle 18"/>
                 <p:cNvSpPr/>
                 <p:nvPr/>
               </p:nvSpPr>
               <p:spPr>
                 <a:xfrm rot="5400000" flipV="1">
-                  <a:off x="7809002" y="5127220"/>
-                  <a:ext cx="1317936" cy="45719"/>
+                  <a:off x="7816383" y="5101261"/>
+                  <a:ext cx="1284597" cy="64300"/>
                 </a:xfrm>
                 <a:prstGeom prst="rect">
                   <a:avLst/>
@@ -3529,8 +3534,8 @@
           </p:nvSpPr>
           <p:spPr>
             <a:xfrm>
-              <a:off x="2853459" y="4806621"/>
-              <a:ext cx="108000" cy="108000"/>
+              <a:off x="2877577" y="4758320"/>
+              <a:ext cx="213199" cy="213199"/>
             </a:xfrm>
             <a:prstGeom prst="ellipse">
               <a:avLst/>
@@ -3565,49 +3570,10 @@
             <a:lstStyle/>
             <a:p>
               <a:pPr algn="ctr"/>
-              <a:endParaRPr lang="en-GB"/>
+              <a:endParaRPr lang="en-GB" sz="5400"/>
             </a:p>
           </p:txBody>
         </p:sp>
-        <p:cxnSp>
-          <p:nvCxnSpPr>
-            <p:cNvPr id="13" name="Straight Connector 12"/>
-            <p:cNvCxnSpPr>
-              <a:stCxn id="12" idx="6"/>
-            </p:cNvCxnSpPr>
-            <p:nvPr/>
-          </p:nvCxnSpPr>
-          <p:spPr>
-            <a:xfrm flipV="1">
-              <a:off x="2961459" y="3087225"/>
-              <a:ext cx="3767887" cy="1773396"/>
-            </a:xfrm>
-            <a:prstGeom prst="line">
-              <a:avLst/>
-            </a:prstGeom>
-            <a:ln w="12700">
-              <a:solidFill>
-                <a:schemeClr val="tx1"/>
-              </a:solidFill>
-              <a:headEnd type="triangle" w="med" len="med"/>
-              <a:tailEnd type="oval" w="lg" len="lg"/>
-            </a:ln>
-          </p:spPr>
-          <p:style>
-            <a:lnRef idx="1">
-              <a:schemeClr val="accent1"/>
-            </a:lnRef>
-            <a:fillRef idx="0">
-              <a:schemeClr val="accent1"/>
-            </a:fillRef>
-            <a:effectRef idx="0">
-              <a:schemeClr val="accent1"/>
-            </a:effectRef>
-            <a:fontRef idx="minor">
-              <a:schemeClr val="tx1"/>
-            </a:fontRef>
-          </p:style>
-        </p:cxnSp>
         <p:sp>
           <p:nvSpPr>
             <p:cNvPr id="14" name="TextBox 13"/>
@@ -3646,561 +3612,9 @@
             </a:p>
           </p:txBody>
         </p:sp>
-      </p:grpSp>
-      <p:grpSp>
-        <p:nvGrpSpPr>
-          <p:cNvPr id="22" name="Group 21"/>
-          <p:cNvGrpSpPr/>
-          <p:nvPr/>
-        </p:nvGrpSpPr>
-        <p:grpSpPr>
-          <a:xfrm>
-            <a:off x="9477201" y="311794"/>
-            <a:ext cx="7778511" cy="6619369"/>
-            <a:chOff x="2853459" y="272658"/>
-            <a:chExt cx="7778511" cy="6619369"/>
-          </a:xfrm>
-        </p:grpSpPr>
-        <p:grpSp>
-          <p:nvGrpSpPr>
-            <p:cNvPr id="23" name="Group 22"/>
-            <p:cNvGrpSpPr/>
-            <p:nvPr/>
-          </p:nvGrpSpPr>
-          <p:grpSpPr>
-            <a:xfrm>
-              <a:off x="3830633" y="312696"/>
-              <a:ext cx="5671389" cy="5566493"/>
-              <a:chOff x="6624633" y="1923288"/>
-              <a:chExt cx="5671389" cy="5566493"/>
-            </a:xfrm>
-          </p:grpSpPr>
-          <p:sp>
-            <p:nvSpPr>
-              <p:cNvPr id="40" name="Oval 39"/>
-              <p:cNvSpPr/>
-              <p:nvPr/>
-            </p:nvSpPr>
-            <p:spPr>
-              <a:xfrm>
-                <a:off x="6624633" y="1923288"/>
-                <a:ext cx="5671389" cy="5566493"/>
-              </a:xfrm>
-              <a:prstGeom prst="ellipse">
-                <a:avLst/>
-              </a:prstGeom>
-              <a:solidFill>
-                <a:schemeClr val="accent1">
-                  <a:lumMod val="40000"/>
-                  <a:lumOff val="60000"/>
-                </a:schemeClr>
-              </a:solidFill>
-              <a:ln w="22225">
-                <a:noFill/>
-                <a:prstDash val="lgDash"/>
-              </a:ln>
-            </p:spPr>
-            <p:style>
-              <a:lnRef idx="2">
-                <a:schemeClr val="accent1">
-                  <a:shade val="50000"/>
-                </a:schemeClr>
-              </a:lnRef>
-              <a:fillRef idx="1">
-                <a:schemeClr val="accent1"/>
-              </a:fillRef>
-              <a:effectRef idx="0">
-                <a:schemeClr val="accent1"/>
-              </a:effectRef>
-              <a:fontRef idx="minor">
-                <a:schemeClr val="lt1"/>
-              </a:fontRef>
-            </p:style>
-            <p:txBody>
-              <a:bodyPr rtlCol="0" anchor="ctr"/>
-              <a:lstStyle/>
-              <a:p>
-                <a:pPr algn="ctr"/>
-                <a:endParaRPr lang="en-GB"/>
-              </a:p>
-            </p:txBody>
-          </p:sp>
-          <p:sp>
-            <p:nvSpPr>
-              <p:cNvPr id="41" name="Oval 40"/>
-              <p:cNvSpPr>
-                <a:spLocks noChangeAspect="1"/>
-              </p:cNvSpPr>
-              <p:nvPr/>
-            </p:nvSpPr>
-            <p:spPr>
-              <a:xfrm>
-                <a:off x="6966194" y="2258534"/>
-                <a:ext cx="4988268" cy="4896000"/>
-              </a:xfrm>
-              <a:prstGeom prst="ellipse">
-                <a:avLst/>
-              </a:prstGeom>
-              <a:solidFill>
-                <a:schemeClr val="bg1"/>
-              </a:solidFill>
-              <a:ln w="22225">
-                <a:noFill/>
-                <a:prstDash val="lgDash"/>
-              </a:ln>
-            </p:spPr>
-            <p:style>
-              <a:lnRef idx="2">
-                <a:schemeClr val="accent1">
-                  <a:shade val="50000"/>
-                </a:schemeClr>
-              </a:lnRef>
-              <a:fillRef idx="1">
-                <a:schemeClr val="accent1"/>
-              </a:fillRef>
-              <a:effectRef idx="0">
-                <a:schemeClr val="accent1"/>
-              </a:effectRef>
-              <a:fontRef idx="minor">
-                <a:schemeClr val="lt1"/>
-              </a:fontRef>
-            </p:style>
-            <p:txBody>
-              <a:bodyPr rtlCol="0" anchor="ctr"/>
-              <a:lstStyle/>
-              <a:p>
-                <a:pPr algn="ctr"/>
-                <a:endParaRPr lang="en-GB"/>
-              </a:p>
-            </p:txBody>
-          </p:sp>
-        </p:grpSp>
         <p:sp>
           <p:nvSpPr>
-            <p:cNvPr id="24" name="Oval 23"/>
-            <p:cNvSpPr/>
-            <p:nvPr/>
-          </p:nvSpPr>
-          <p:spPr>
-            <a:xfrm>
-              <a:off x="3835468" y="311794"/>
-              <a:ext cx="5671389" cy="5566493"/>
-            </a:xfrm>
-            <a:prstGeom prst="ellipse">
-              <a:avLst/>
-            </a:prstGeom>
-            <a:noFill/>
-            <a:ln w="22225">
-              <a:solidFill>
-                <a:schemeClr val="accent6"/>
-              </a:solidFill>
-              <a:prstDash val="lgDash"/>
-            </a:ln>
-          </p:spPr>
-          <p:style>
-            <a:lnRef idx="2">
-              <a:schemeClr val="accent1">
-                <a:shade val="50000"/>
-              </a:schemeClr>
-            </a:lnRef>
-            <a:fillRef idx="1">
-              <a:schemeClr val="accent1"/>
-            </a:fillRef>
-            <a:effectRef idx="0">
-              <a:schemeClr val="accent1"/>
-            </a:effectRef>
-            <a:fontRef idx="minor">
-              <a:schemeClr val="lt1"/>
-            </a:fontRef>
-          </p:style>
-          <p:txBody>
-            <a:bodyPr rtlCol="0" anchor="ctr"/>
-            <a:lstStyle/>
-            <a:p>
-              <a:pPr algn="ctr"/>
-              <a:endParaRPr lang="en-GB"/>
-            </a:p>
-          </p:txBody>
-        </p:sp>
-        <p:sp>
-          <p:nvSpPr>
-            <p:cNvPr id="25" name="Pie 24"/>
-            <p:cNvSpPr/>
-            <p:nvPr/>
-          </p:nvSpPr>
-          <p:spPr>
-            <a:xfrm rot="10632034">
-              <a:off x="3831113" y="272658"/>
-              <a:ext cx="5857804" cy="5688335"/>
-            </a:xfrm>
-            <a:prstGeom prst="pie">
-              <a:avLst>
-                <a:gd name="adj1" fmla="val 0"/>
-                <a:gd name="adj2" fmla="val 4494618"/>
-              </a:avLst>
-            </a:prstGeom>
-            <a:solidFill>
-              <a:schemeClr val="accent6">
-                <a:lumMod val="40000"/>
-                <a:lumOff val="60000"/>
-              </a:schemeClr>
-            </a:solidFill>
-            <a:ln w="19050">
-              <a:prstDash val="lgDash"/>
-            </a:ln>
-          </p:spPr>
-          <p:style>
-            <a:lnRef idx="2">
-              <a:schemeClr val="accent1">
-                <a:shade val="50000"/>
-              </a:schemeClr>
-            </a:lnRef>
-            <a:fillRef idx="1">
-              <a:schemeClr val="accent1"/>
-            </a:fillRef>
-            <a:effectRef idx="0">
-              <a:schemeClr val="accent1"/>
-            </a:effectRef>
-            <a:fontRef idx="minor">
-              <a:schemeClr val="lt1"/>
-            </a:fontRef>
-          </p:style>
-          <p:txBody>
-            <a:bodyPr rtlCol="0" anchor="ctr"/>
-            <a:lstStyle/>
-            <a:p>
-              <a:pPr algn="ctr"/>
-              <a:endParaRPr lang="en-GB">
-                <a:solidFill>
-                  <a:schemeClr val="tx1"/>
-                </a:solidFill>
-              </a:endParaRPr>
-            </a:p>
-          </p:txBody>
-        </p:sp>
-        <p:sp>
-          <p:nvSpPr>
-            <p:cNvPr id="26" name="Pie 25"/>
-            <p:cNvSpPr/>
-            <p:nvPr/>
-          </p:nvSpPr>
-          <p:spPr>
-            <a:xfrm rot="10632034">
-              <a:off x="4184834" y="606763"/>
-              <a:ext cx="5127122" cy="5020124"/>
-            </a:xfrm>
-            <a:prstGeom prst="pie">
-              <a:avLst>
-                <a:gd name="adj1" fmla="val 20428"/>
-                <a:gd name="adj2" fmla="val 4494618"/>
-              </a:avLst>
-            </a:prstGeom>
-            <a:solidFill>
-              <a:schemeClr val="bg1"/>
-            </a:solidFill>
-            <a:ln w="19050">
-              <a:noFill/>
-              <a:prstDash val="lgDash"/>
-            </a:ln>
-          </p:spPr>
-          <p:style>
-            <a:lnRef idx="2">
-              <a:schemeClr val="accent1">
-                <a:shade val="50000"/>
-              </a:schemeClr>
-            </a:lnRef>
-            <a:fillRef idx="1">
-              <a:schemeClr val="accent1"/>
-            </a:fillRef>
-            <a:effectRef idx="0">
-              <a:schemeClr val="accent1"/>
-            </a:effectRef>
-            <a:fontRef idx="minor">
-              <a:schemeClr val="lt1"/>
-            </a:fontRef>
-          </p:style>
-          <p:txBody>
-            <a:bodyPr rtlCol="0" anchor="ctr"/>
-            <a:lstStyle/>
-            <a:p>
-              <a:pPr algn="ctr"/>
-              <a:endParaRPr lang="en-GB">
-                <a:solidFill>
-                  <a:schemeClr val="tx1"/>
-                </a:solidFill>
-              </a:endParaRPr>
-            </a:p>
-          </p:txBody>
-        </p:sp>
-        <p:grpSp>
-          <p:nvGrpSpPr>
-            <p:cNvPr id="27" name="Group 26"/>
-            <p:cNvGrpSpPr/>
-            <p:nvPr/>
-          </p:nvGrpSpPr>
-          <p:grpSpPr>
-            <a:xfrm>
-              <a:off x="4131211" y="2119085"/>
-              <a:ext cx="3503304" cy="1963226"/>
-              <a:chOff x="3579667" y="2409755"/>
-              <a:chExt cx="4872811" cy="2761128"/>
-            </a:xfrm>
-          </p:grpSpPr>
-          <p:sp>
-            <p:nvSpPr>
-              <p:cNvPr id="35" name="Rectangle 34"/>
-              <p:cNvSpPr/>
-              <p:nvPr/>
-            </p:nvSpPr>
-            <p:spPr>
-              <a:xfrm rot="2052924">
-                <a:off x="3579667" y="2409755"/>
-                <a:ext cx="3985147" cy="477672"/>
-              </a:xfrm>
-              <a:prstGeom prst="rect">
-                <a:avLst/>
-              </a:prstGeom>
-            </p:spPr>
-            <p:style>
-              <a:lnRef idx="2">
-                <a:schemeClr val="accent1">
-                  <a:shade val="50000"/>
-                </a:schemeClr>
-              </a:lnRef>
-              <a:fillRef idx="1">
-                <a:schemeClr val="accent1"/>
-              </a:fillRef>
-              <a:effectRef idx="0">
-                <a:schemeClr val="accent1"/>
-              </a:effectRef>
-              <a:fontRef idx="minor">
-                <a:schemeClr val="lt1"/>
-              </a:fontRef>
-            </p:style>
-            <p:txBody>
-              <a:bodyPr rtlCol="0" anchor="ctr"/>
-              <a:lstStyle/>
-              <a:p>
-                <a:pPr algn="ctr"/>
-                <a:endParaRPr lang="en-GB"/>
-              </a:p>
-            </p:txBody>
-          </p:sp>
-          <p:grpSp>
-            <p:nvGrpSpPr>
-              <p:cNvPr id="36" name="Group 35"/>
-              <p:cNvGrpSpPr/>
-              <p:nvPr/>
-            </p:nvGrpSpPr>
-            <p:grpSpPr>
-              <a:xfrm rot="18266766">
-                <a:off x="6736673" y="3455079"/>
-                <a:ext cx="2064579" cy="1367030"/>
-                <a:chOff x="6432308" y="4442018"/>
-                <a:chExt cx="2064579" cy="1367030"/>
-              </a:xfrm>
-            </p:grpSpPr>
-            <p:sp>
-              <p:nvSpPr>
-                <p:cNvPr id="37" name="Rectangle 36"/>
-                <p:cNvSpPr/>
-                <p:nvPr/>
-              </p:nvSpPr>
-              <p:spPr>
-                <a:xfrm>
-                  <a:off x="6432308" y="4445391"/>
-                  <a:ext cx="2064579" cy="45719"/>
-                </a:xfrm>
-                <a:prstGeom prst="rect">
-                  <a:avLst/>
-                </a:prstGeom>
-              </p:spPr>
-              <p:style>
-                <a:lnRef idx="2">
-                  <a:schemeClr val="accent1">
-                    <a:shade val="50000"/>
-                  </a:schemeClr>
-                </a:lnRef>
-                <a:fillRef idx="1">
-                  <a:schemeClr val="accent1"/>
-                </a:fillRef>
-                <a:effectRef idx="0">
-                  <a:schemeClr val="accent1"/>
-                </a:effectRef>
-                <a:fontRef idx="minor">
-                  <a:schemeClr val="lt1"/>
-                </a:fontRef>
-              </p:style>
-              <p:txBody>
-                <a:bodyPr rtlCol="0" anchor="ctr"/>
-                <a:lstStyle/>
-                <a:p>
-                  <a:pPr algn="ctr"/>
-                  <a:endParaRPr lang="en-GB"/>
-                </a:p>
-              </p:txBody>
-            </p:sp>
-            <p:sp>
-              <p:nvSpPr>
-                <p:cNvPr id="38" name="Rectangle 37"/>
-                <p:cNvSpPr/>
-                <p:nvPr/>
-              </p:nvSpPr>
-              <p:spPr>
-                <a:xfrm rot="5400000" flipV="1">
-                  <a:off x="5801118" y="5078126"/>
-                  <a:ext cx="1317936" cy="45719"/>
-                </a:xfrm>
-                <a:prstGeom prst="rect">
-                  <a:avLst/>
-                </a:prstGeom>
-              </p:spPr>
-              <p:style>
-                <a:lnRef idx="2">
-                  <a:schemeClr val="accent1">
-                    <a:shade val="50000"/>
-                  </a:schemeClr>
-                </a:lnRef>
-                <a:fillRef idx="1">
-                  <a:schemeClr val="accent1"/>
-                </a:fillRef>
-                <a:effectRef idx="0">
-                  <a:schemeClr val="accent1"/>
-                </a:effectRef>
-                <a:fontRef idx="minor">
-                  <a:schemeClr val="lt1"/>
-                </a:fontRef>
-              </p:style>
-              <p:txBody>
-                <a:bodyPr rtlCol="0" anchor="ctr"/>
-                <a:lstStyle/>
-                <a:p>
-                  <a:pPr algn="ctr"/>
-                  <a:endParaRPr lang="en-GB"/>
-                </a:p>
-              </p:txBody>
-            </p:sp>
-            <p:sp>
-              <p:nvSpPr>
-                <p:cNvPr id="39" name="Rectangle 38"/>
-                <p:cNvSpPr/>
-                <p:nvPr/>
-              </p:nvSpPr>
-              <p:spPr>
-                <a:xfrm rot="5400000" flipV="1">
-                  <a:off x="7809002" y="5127220"/>
-                  <a:ext cx="1317936" cy="45719"/>
-                </a:xfrm>
-                <a:prstGeom prst="rect">
-                  <a:avLst/>
-                </a:prstGeom>
-              </p:spPr>
-              <p:style>
-                <a:lnRef idx="2">
-                  <a:schemeClr val="accent1">
-                    <a:shade val="50000"/>
-                  </a:schemeClr>
-                </a:lnRef>
-                <a:fillRef idx="1">
-                  <a:schemeClr val="accent1"/>
-                </a:fillRef>
-                <a:effectRef idx="0">
-                  <a:schemeClr val="accent1"/>
-                </a:effectRef>
-                <a:fontRef idx="minor">
-                  <a:schemeClr val="lt1"/>
-                </a:fontRef>
-              </p:style>
-              <p:txBody>
-                <a:bodyPr rtlCol="0" anchor="ctr"/>
-                <a:lstStyle/>
-                <a:p>
-                  <a:pPr algn="ctr"/>
-                  <a:endParaRPr lang="en-GB"/>
-                </a:p>
-              </p:txBody>
-            </p:sp>
-          </p:grpSp>
-        </p:grpSp>
-        <p:sp>
-          <p:nvSpPr>
-            <p:cNvPr id="28" name="TextBox 27"/>
-            <p:cNvSpPr txBox="1"/>
-            <p:nvPr/>
-          </p:nvSpPr>
-          <p:spPr>
-            <a:xfrm>
-              <a:off x="7415131" y="2366200"/>
-              <a:ext cx="625492" cy="369332"/>
-            </a:xfrm>
-            <a:prstGeom prst="rect">
-              <a:avLst/>
-            </a:prstGeom>
-            <a:noFill/>
-          </p:spPr>
-          <p:txBody>
-            <a:bodyPr wrap="none" rtlCol="0">
-              <a:spAutoFit/>
-            </a:bodyPr>
-            <a:lstStyle/>
-            <a:p>
-              <a:r>
-                <a:rPr lang="en-GB" dirty="0" smtClean="0">
-                  <a:solidFill>
-                    <a:schemeClr val="accent5"/>
-                  </a:solidFill>
-                </a:rPr>
-                <a:t>Base</a:t>
-              </a:r>
-              <a:endParaRPr lang="en-GB" dirty="0">
-                <a:solidFill>
-                  <a:schemeClr val="accent5"/>
-                </a:solidFill>
-              </a:endParaRPr>
-            </a:p>
-          </p:txBody>
-        </p:sp>
-        <p:sp>
-          <p:nvSpPr>
-            <p:cNvPr id="29" name="TextBox 28"/>
-            <p:cNvSpPr txBox="1"/>
-            <p:nvPr/>
-          </p:nvSpPr>
-          <p:spPr>
-            <a:xfrm rot="1974035">
-              <a:off x="5350623" y="2156080"/>
-              <a:ext cx="582211" cy="369332"/>
-            </a:xfrm>
-            <a:prstGeom prst="rect">
-              <a:avLst/>
-            </a:prstGeom>
-            <a:noFill/>
-          </p:spPr>
-          <p:txBody>
-            <a:bodyPr wrap="none" rtlCol="0">
-              <a:spAutoFit/>
-            </a:bodyPr>
-            <a:lstStyle/>
-            <a:p>
-              <a:r>
-                <a:rPr lang="en-GB" dirty="0" smtClean="0">
-                  <a:solidFill>
-                    <a:schemeClr val="bg1"/>
-                  </a:solidFill>
-                </a:rPr>
-                <a:t>Arm</a:t>
-              </a:r>
-              <a:endParaRPr lang="en-GB" dirty="0">
-                <a:solidFill>
-                  <a:schemeClr val="bg1"/>
-                </a:solidFill>
-              </a:endParaRPr>
-            </a:p>
-          </p:txBody>
-        </p:sp>
-        <p:sp>
-          <p:nvSpPr>
-            <p:cNvPr id="30" name="Oval 29"/>
+            <p:cNvPr id="66" name="Oval 65"/>
             <p:cNvSpPr>
               <a:spLocks noChangeAspect="1"/>
             </p:cNvSpPr>
@@ -4208,8 +3622,8 @@
           </p:nvSpPr>
           <p:spPr>
             <a:xfrm>
-              <a:off x="2853459" y="4806621"/>
-              <a:ext cx="108000" cy="108000"/>
+              <a:off x="9416158" y="4844685"/>
+              <a:ext cx="213199" cy="213199"/>
             </a:xfrm>
             <a:prstGeom prst="ellipse">
               <a:avLst/>
@@ -4244,32 +3658,29 @@
             <a:lstStyle/>
             <a:p>
               <a:pPr algn="ctr"/>
-              <a:endParaRPr lang="en-GB"/>
+              <a:endParaRPr lang="en-GB" sz="5400"/>
             </a:p>
           </p:txBody>
         </p:sp>
         <p:cxnSp>
           <p:nvCxnSpPr>
-            <p:cNvPr id="31" name="Straight Connector 30"/>
-            <p:cNvCxnSpPr>
-              <a:stCxn id="30" idx="6"/>
-            </p:cNvCxnSpPr>
+            <p:cNvPr id="13" name="Straight Connector 12"/>
+            <p:cNvCxnSpPr/>
             <p:nvPr/>
           </p:nvCxnSpPr>
           <p:spPr>
             <a:xfrm flipV="1">
-              <a:off x="2961459" y="3087225"/>
-              <a:ext cx="3767887" cy="1773396"/>
+              <a:off x="3090776" y="3155961"/>
+              <a:ext cx="3590689" cy="1678685"/>
             </a:xfrm>
             <a:prstGeom prst="line">
               <a:avLst/>
             </a:prstGeom>
-            <a:ln w="3175">
+            <a:ln w="12700">
               <a:solidFill>
                 <a:schemeClr val="tx1"/>
               </a:solidFill>
-              <a:prstDash val="sysDash"/>
-              <a:headEnd type="none" w="med" len="med"/>
+              <a:headEnd type="triangle" w="med" len="med"/>
               <a:tailEnd type="oval" w="lg" len="lg"/>
             </a:ln>
           </p:spPr>
@@ -4288,128 +3699,6 @@
             </a:fontRef>
           </p:style>
         </p:cxnSp>
-        <p:cxnSp>
-          <p:nvCxnSpPr>
-            <p:cNvPr id="32" name="Straight Connector 31"/>
-            <p:cNvCxnSpPr/>
-            <p:nvPr/>
-          </p:nvCxnSpPr>
-          <p:spPr>
-            <a:xfrm flipV="1">
-              <a:off x="2977140" y="4361498"/>
-              <a:ext cx="1088162" cy="511890"/>
-            </a:xfrm>
-            <a:prstGeom prst="line">
-              <a:avLst/>
-            </a:prstGeom>
-            <a:ln w="19050">
-              <a:headEnd type="none"/>
-              <a:tailEnd type="triangle" w="lg" len="med"/>
-            </a:ln>
-          </p:spPr>
-          <p:style>
-            <a:lnRef idx="1">
-              <a:schemeClr val="accent1"/>
-            </a:lnRef>
-            <a:fillRef idx="0">
-              <a:schemeClr val="accent1"/>
-            </a:fillRef>
-            <a:effectRef idx="0">
-              <a:schemeClr val="accent1"/>
-            </a:effectRef>
-            <a:fontRef idx="minor">
-              <a:schemeClr val="tx1"/>
-            </a:fontRef>
-          </p:style>
-        </p:cxnSp>
-        <p:sp>
-          <p:nvSpPr>
-            <p:cNvPr id="33" name="TextBox 32"/>
-            <p:cNvSpPr txBox="1"/>
-            <p:nvPr/>
-          </p:nvSpPr>
-          <p:spPr>
-            <a:xfrm>
-              <a:off x="4035132" y="5876364"/>
-              <a:ext cx="6596838" cy="1015663"/>
-            </a:xfrm>
-            <a:prstGeom prst="rect">
-              <a:avLst/>
-            </a:prstGeom>
-            <a:noFill/>
-          </p:spPr>
-          <p:txBody>
-            <a:bodyPr wrap="square" rtlCol="0">
-              <a:spAutoFit/>
-            </a:bodyPr>
-            <a:lstStyle/>
-            <a:p>
-              <a:r>
-                <a:rPr lang="en-GB" sz="3000" dirty="0" smtClean="0">
-                  <a:solidFill>
-                    <a:schemeClr val="accent5"/>
-                  </a:solidFill>
-                </a:rPr>
-                <a:t>New equivalent shifted point, still disregarded</a:t>
-              </a:r>
-              <a:endParaRPr lang="en-GB" sz="3000" dirty="0">
-                <a:solidFill>
-                  <a:schemeClr val="accent5"/>
-                </a:solidFill>
-              </a:endParaRPr>
-            </a:p>
-          </p:txBody>
-        </p:sp>
-        <p:sp>
-          <p:nvSpPr>
-            <p:cNvPr id="34" name="Oval 33"/>
-            <p:cNvSpPr>
-              <a:spLocks noChangeAspect="1"/>
-            </p:cNvSpPr>
-            <p:nvPr/>
-          </p:nvSpPr>
-          <p:spPr>
-            <a:xfrm>
-              <a:off x="4070163" y="4260171"/>
-              <a:ext cx="108000" cy="108000"/>
-            </a:xfrm>
-            <a:prstGeom prst="ellipse">
-              <a:avLst/>
-            </a:prstGeom>
-            <a:solidFill>
-              <a:schemeClr val="accent2"/>
-            </a:solidFill>
-            <a:ln>
-              <a:solidFill>
-                <a:schemeClr val="accent2"/>
-              </a:solidFill>
-            </a:ln>
-          </p:spPr>
-          <p:style>
-            <a:lnRef idx="2">
-              <a:schemeClr val="accent1">
-                <a:shade val="50000"/>
-              </a:schemeClr>
-            </a:lnRef>
-            <a:fillRef idx="1">
-              <a:schemeClr val="accent1"/>
-            </a:fillRef>
-            <a:effectRef idx="0">
-              <a:schemeClr val="accent1"/>
-            </a:effectRef>
-            <a:fontRef idx="minor">
-              <a:schemeClr val="lt1"/>
-            </a:fontRef>
-          </p:style>
-          <p:txBody>
-            <a:bodyPr rtlCol="0" anchor="ctr"/>
-            <a:lstStyle/>
-            <a:p>
-              <a:pPr algn="ctr"/>
-              <a:endParaRPr lang="en-GB"/>
-            </a:p>
-          </p:txBody>
-        </p:sp>
       </p:grpSp>
       <p:grpSp>
         <p:nvGrpSpPr>
@@ -4705,9 +3994,9 @@
           <p:grpSpPr>
             <a:xfrm>
               <a:off x="4131211" y="2119085"/>
-              <a:ext cx="3503304" cy="1963226"/>
+              <a:ext cx="3482872" cy="1966674"/>
               <a:chOff x="3579667" y="2409755"/>
-              <a:chExt cx="4872811" cy="2761128"/>
+              <a:chExt cx="4844392" cy="2765978"/>
             </a:xfrm>
           </p:grpSpPr>
           <p:sp>
@@ -4758,10 +4047,10 @@
             </p:nvGrpSpPr>
             <p:grpSpPr>
               <a:xfrm rot="18266766">
-                <a:off x="6736673" y="3455079"/>
-                <a:ext cx="2064579" cy="1367030"/>
-                <a:chOff x="6432308" y="4442018"/>
-                <a:chExt cx="2064579" cy="1367030"/>
+                <a:off x="6714882" y="3466555"/>
+                <a:ext cx="2078238" cy="1340117"/>
+                <a:chOff x="6418649" y="4442016"/>
+                <a:chExt cx="2078238" cy="1340117"/>
               </a:xfrm>
             </p:grpSpPr>
             <p:sp>
@@ -4812,8 +4101,8 @@
               </p:nvSpPr>
               <p:spPr>
                 <a:xfrm rot="5400000" flipV="1">
-                  <a:off x="5801118" y="5078126"/>
-                  <a:ext cx="1317936" cy="45719"/>
+                  <a:off x="5780740" y="5079925"/>
+                  <a:ext cx="1340117" cy="64300"/>
                 </a:xfrm>
                 <a:prstGeom prst="rect">
                   <a:avLst/>
@@ -4852,8 +4141,8 @@
               </p:nvSpPr>
               <p:spPr>
                 <a:xfrm rot="5400000" flipV="1">
-                  <a:off x="7809002" y="5127220"/>
-                  <a:ext cx="1317936" cy="45719"/>
+                  <a:off x="7813904" y="5103739"/>
+                  <a:ext cx="1289555" cy="64300"/>
                 </a:xfrm>
                 <a:prstGeom prst="rect">
                   <a:avLst/>
@@ -5243,6 +4532,57 @@
       </p:grpSp>
       <p:sp>
         <p:nvSpPr>
+          <p:cNvPr id="70" name="Rectangle 69"/>
+          <p:cNvSpPr/>
+          <p:nvPr/>
+        </p:nvSpPr>
+        <p:spPr>
+          <a:xfrm rot="18238242">
+            <a:off x="6453221" y="2891021"/>
+            <a:ext cx="1384005" cy="930620"/>
+          </a:xfrm>
+          <a:prstGeom prst="rect">
+            <a:avLst/>
+          </a:prstGeom>
+          <a:pattFill prst="wdUpDiag">
+            <a:fgClr>
+              <a:schemeClr val="accent1"/>
+            </a:fgClr>
+            <a:bgClr>
+              <a:schemeClr val="bg1"/>
+            </a:bgClr>
+          </a:pattFill>
+          <a:ln>
+            <a:noFill/>
+          </a:ln>
+        </p:spPr>
+        <p:style>
+          <a:lnRef idx="2">
+            <a:schemeClr val="accent1">
+              <a:shade val="50000"/>
+            </a:schemeClr>
+          </a:lnRef>
+          <a:fillRef idx="1">
+            <a:schemeClr val="accent1"/>
+          </a:fillRef>
+          <a:effectRef idx="0">
+            <a:schemeClr val="accent1"/>
+          </a:effectRef>
+          <a:fontRef idx="minor">
+            <a:schemeClr val="lt1"/>
+          </a:fontRef>
+        </p:style>
+        <p:txBody>
+          <a:bodyPr rtlCol="0" anchor="ctr"/>
+          <a:lstStyle/>
+          <a:p>
+            <a:pPr algn="ctr"/>
+            <a:endParaRPr lang="en-GB"/>
+          </a:p>
+        </p:txBody>
+      </p:sp>
+      <p:sp>
+        <p:nvSpPr>
           <p:cNvPr id="63" name="TextBox 62"/>
           <p:cNvSpPr txBox="1"/>
           <p:nvPr/>
@@ -5368,6 +4708,870 @@
                 <a:schemeClr val="accent1"/>
               </a:solidFill>
             </a:endParaRPr>
+          </a:p>
+        </p:txBody>
+      </p:sp>
+      <p:sp>
+        <p:nvSpPr>
+          <p:cNvPr id="72" name="Rectangle 71"/>
+          <p:cNvSpPr/>
+          <p:nvPr/>
+        </p:nvSpPr>
+        <p:spPr>
+          <a:xfrm rot="18264910">
+            <a:off x="19974942" y="2976184"/>
+            <a:ext cx="1380575" cy="930620"/>
+          </a:xfrm>
+          <a:prstGeom prst="rect">
+            <a:avLst/>
+          </a:prstGeom>
+          <a:pattFill prst="wdUpDiag">
+            <a:fgClr>
+              <a:schemeClr val="accent1"/>
+            </a:fgClr>
+            <a:bgClr>
+              <a:schemeClr val="bg1"/>
+            </a:bgClr>
+          </a:pattFill>
+          <a:ln>
+            <a:noFill/>
+          </a:ln>
+        </p:spPr>
+        <p:style>
+          <a:lnRef idx="2">
+            <a:schemeClr val="accent1">
+              <a:shade val="50000"/>
+            </a:schemeClr>
+          </a:lnRef>
+          <a:fillRef idx="1">
+            <a:schemeClr val="accent1"/>
+          </a:fillRef>
+          <a:effectRef idx="0">
+            <a:schemeClr val="accent1"/>
+          </a:effectRef>
+          <a:fontRef idx="minor">
+            <a:schemeClr val="lt1"/>
+          </a:fontRef>
+        </p:style>
+        <p:txBody>
+          <a:bodyPr rtlCol="0" anchor="ctr"/>
+          <a:lstStyle/>
+          <a:p>
+            <a:pPr algn="ctr"/>
+            <a:endParaRPr lang="en-GB"/>
+          </a:p>
+        </p:txBody>
+      </p:sp>
+      <p:grpSp>
+        <p:nvGrpSpPr>
+          <p:cNvPr id="22" name="Group 21"/>
+          <p:cNvGrpSpPr/>
+          <p:nvPr/>
+        </p:nvGrpSpPr>
+        <p:grpSpPr>
+          <a:xfrm>
+            <a:off x="9600882" y="311794"/>
+            <a:ext cx="8134605" cy="6619369"/>
+            <a:chOff x="2977140" y="272658"/>
+            <a:chExt cx="8134605" cy="6619369"/>
+          </a:xfrm>
+        </p:grpSpPr>
+        <p:cxnSp>
+          <p:nvCxnSpPr>
+            <p:cNvPr id="32" name="Straight Connector 31"/>
+            <p:cNvCxnSpPr/>
+            <p:nvPr/>
+          </p:nvCxnSpPr>
+          <p:spPr>
+            <a:xfrm flipV="1">
+              <a:off x="2977140" y="4361498"/>
+              <a:ext cx="1088162" cy="511890"/>
+            </a:xfrm>
+            <a:prstGeom prst="line">
+              <a:avLst/>
+            </a:prstGeom>
+            <a:ln w="19050">
+              <a:headEnd type="none"/>
+              <a:tailEnd type="triangle" w="lg" len="med"/>
+            </a:ln>
+          </p:spPr>
+          <p:style>
+            <a:lnRef idx="1">
+              <a:schemeClr val="accent1"/>
+            </a:lnRef>
+            <a:fillRef idx="0">
+              <a:schemeClr val="accent1"/>
+            </a:fillRef>
+            <a:effectRef idx="0">
+              <a:schemeClr val="accent1"/>
+            </a:effectRef>
+            <a:fontRef idx="minor">
+              <a:schemeClr val="tx1"/>
+            </a:fontRef>
+          </p:style>
+        </p:cxnSp>
+        <p:grpSp>
+          <p:nvGrpSpPr>
+            <p:cNvPr id="23" name="Group 22"/>
+            <p:cNvGrpSpPr/>
+            <p:nvPr/>
+          </p:nvGrpSpPr>
+          <p:grpSpPr>
+            <a:xfrm>
+              <a:off x="3830633" y="312696"/>
+              <a:ext cx="5671389" cy="5566493"/>
+              <a:chOff x="6624633" y="1923288"/>
+              <a:chExt cx="5671389" cy="5566493"/>
+            </a:xfrm>
+          </p:grpSpPr>
+          <p:sp>
+            <p:nvSpPr>
+              <p:cNvPr id="40" name="Oval 39"/>
+              <p:cNvSpPr/>
+              <p:nvPr/>
+            </p:nvSpPr>
+            <p:spPr>
+              <a:xfrm>
+                <a:off x="6624633" y="1923288"/>
+                <a:ext cx="5671389" cy="5566493"/>
+              </a:xfrm>
+              <a:prstGeom prst="ellipse">
+                <a:avLst/>
+              </a:prstGeom>
+              <a:solidFill>
+                <a:schemeClr val="accent1">
+                  <a:lumMod val="40000"/>
+                  <a:lumOff val="60000"/>
+                </a:schemeClr>
+              </a:solidFill>
+              <a:ln w="22225">
+                <a:noFill/>
+                <a:prstDash val="lgDash"/>
+              </a:ln>
+            </p:spPr>
+            <p:style>
+              <a:lnRef idx="2">
+                <a:schemeClr val="accent1">
+                  <a:shade val="50000"/>
+                </a:schemeClr>
+              </a:lnRef>
+              <a:fillRef idx="1">
+                <a:schemeClr val="accent1"/>
+              </a:fillRef>
+              <a:effectRef idx="0">
+                <a:schemeClr val="accent1"/>
+              </a:effectRef>
+              <a:fontRef idx="minor">
+                <a:schemeClr val="lt1"/>
+              </a:fontRef>
+            </p:style>
+            <p:txBody>
+              <a:bodyPr rtlCol="0" anchor="ctr"/>
+              <a:lstStyle/>
+              <a:p>
+                <a:pPr algn="ctr"/>
+                <a:endParaRPr lang="en-GB"/>
+              </a:p>
+            </p:txBody>
+          </p:sp>
+          <p:sp>
+            <p:nvSpPr>
+              <p:cNvPr id="41" name="Oval 40"/>
+              <p:cNvSpPr>
+                <a:spLocks noChangeAspect="1"/>
+              </p:cNvSpPr>
+              <p:nvPr/>
+            </p:nvSpPr>
+            <p:spPr>
+              <a:xfrm>
+                <a:off x="6966194" y="2258534"/>
+                <a:ext cx="4988268" cy="4896000"/>
+              </a:xfrm>
+              <a:prstGeom prst="ellipse">
+                <a:avLst/>
+              </a:prstGeom>
+              <a:solidFill>
+                <a:schemeClr val="bg1"/>
+              </a:solidFill>
+              <a:ln w="22225">
+                <a:noFill/>
+                <a:prstDash val="lgDash"/>
+              </a:ln>
+            </p:spPr>
+            <p:style>
+              <a:lnRef idx="2">
+                <a:schemeClr val="accent1">
+                  <a:shade val="50000"/>
+                </a:schemeClr>
+              </a:lnRef>
+              <a:fillRef idx="1">
+                <a:schemeClr val="accent1"/>
+              </a:fillRef>
+              <a:effectRef idx="0">
+                <a:schemeClr val="accent1"/>
+              </a:effectRef>
+              <a:fontRef idx="minor">
+                <a:schemeClr val="lt1"/>
+              </a:fontRef>
+            </p:style>
+            <p:txBody>
+              <a:bodyPr rtlCol="0" anchor="ctr"/>
+              <a:lstStyle/>
+              <a:p>
+                <a:pPr algn="ctr"/>
+                <a:endParaRPr lang="en-GB"/>
+              </a:p>
+            </p:txBody>
+          </p:sp>
+        </p:grpSp>
+        <p:sp>
+          <p:nvSpPr>
+            <p:cNvPr id="24" name="Oval 23"/>
+            <p:cNvSpPr/>
+            <p:nvPr/>
+          </p:nvSpPr>
+          <p:spPr>
+            <a:xfrm>
+              <a:off x="3835468" y="311794"/>
+              <a:ext cx="5671389" cy="5566493"/>
+            </a:xfrm>
+            <a:prstGeom prst="ellipse">
+              <a:avLst/>
+            </a:prstGeom>
+            <a:noFill/>
+            <a:ln w="22225">
+              <a:solidFill>
+                <a:schemeClr val="accent6"/>
+              </a:solidFill>
+              <a:prstDash val="lgDash"/>
+            </a:ln>
+          </p:spPr>
+          <p:style>
+            <a:lnRef idx="2">
+              <a:schemeClr val="accent1">
+                <a:shade val="50000"/>
+              </a:schemeClr>
+            </a:lnRef>
+            <a:fillRef idx="1">
+              <a:schemeClr val="accent1"/>
+            </a:fillRef>
+            <a:effectRef idx="0">
+              <a:schemeClr val="accent1"/>
+            </a:effectRef>
+            <a:fontRef idx="minor">
+              <a:schemeClr val="lt1"/>
+            </a:fontRef>
+          </p:style>
+          <p:txBody>
+            <a:bodyPr rtlCol="0" anchor="ctr"/>
+            <a:lstStyle/>
+            <a:p>
+              <a:pPr algn="ctr"/>
+              <a:endParaRPr lang="en-GB"/>
+            </a:p>
+          </p:txBody>
+        </p:sp>
+        <p:sp>
+          <p:nvSpPr>
+            <p:cNvPr id="25" name="Pie 24"/>
+            <p:cNvSpPr/>
+            <p:nvPr/>
+          </p:nvSpPr>
+          <p:spPr>
+            <a:xfrm rot="10632034">
+              <a:off x="3831113" y="272658"/>
+              <a:ext cx="5857804" cy="5688335"/>
+            </a:xfrm>
+            <a:prstGeom prst="pie">
+              <a:avLst>
+                <a:gd name="adj1" fmla="val 0"/>
+                <a:gd name="adj2" fmla="val 4494618"/>
+              </a:avLst>
+            </a:prstGeom>
+            <a:solidFill>
+              <a:schemeClr val="accent6">
+                <a:lumMod val="40000"/>
+                <a:lumOff val="60000"/>
+              </a:schemeClr>
+            </a:solidFill>
+            <a:ln w="19050">
+              <a:prstDash val="lgDash"/>
+            </a:ln>
+          </p:spPr>
+          <p:style>
+            <a:lnRef idx="2">
+              <a:schemeClr val="accent1">
+                <a:shade val="50000"/>
+              </a:schemeClr>
+            </a:lnRef>
+            <a:fillRef idx="1">
+              <a:schemeClr val="accent1"/>
+            </a:fillRef>
+            <a:effectRef idx="0">
+              <a:schemeClr val="accent1"/>
+            </a:effectRef>
+            <a:fontRef idx="minor">
+              <a:schemeClr val="lt1"/>
+            </a:fontRef>
+          </p:style>
+          <p:txBody>
+            <a:bodyPr rtlCol="0" anchor="ctr"/>
+            <a:lstStyle/>
+            <a:p>
+              <a:pPr algn="ctr"/>
+              <a:endParaRPr lang="en-GB">
+                <a:solidFill>
+                  <a:schemeClr val="tx1"/>
+                </a:solidFill>
+              </a:endParaRPr>
+            </a:p>
+          </p:txBody>
+        </p:sp>
+        <p:sp>
+          <p:nvSpPr>
+            <p:cNvPr id="26" name="Pie 25"/>
+            <p:cNvSpPr/>
+            <p:nvPr/>
+          </p:nvSpPr>
+          <p:spPr>
+            <a:xfrm rot="10632034">
+              <a:off x="4184834" y="606763"/>
+              <a:ext cx="5127122" cy="5020124"/>
+            </a:xfrm>
+            <a:prstGeom prst="pie">
+              <a:avLst>
+                <a:gd name="adj1" fmla="val 20428"/>
+                <a:gd name="adj2" fmla="val 4494618"/>
+              </a:avLst>
+            </a:prstGeom>
+            <a:solidFill>
+              <a:schemeClr val="bg1"/>
+            </a:solidFill>
+            <a:ln w="19050">
+              <a:noFill/>
+              <a:prstDash val="lgDash"/>
+            </a:ln>
+          </p:spPr>
+          <p:style>
+            <a:lnRef idx="2">
+              <a:schemeClr val="accent1">
+                <a:shade val="50000"/>
+              </a:schemeClr>
+            </a:lnRef>
+            <a:fillRef idx="1">
+              <a:schemeClr val="accent1"/>
+            </a:fillRef>
+            <a:effectRef idx="0">
+              <a:schemeClr val="accent1"/>
+            </a:effectRef>
+            <a:fontRef idx="minor">
+              <a:schemeClr val="lt1"/>
+            </a:fontRef>
+          </p:style>
+          <p:txBody>
+            <a:bodyPr rtlCol="0" anchor="ctr"/>
+            <a:lstStyle/>
+            <a:p>
+              <a:pPr algn="ctr"/>
+              <a:endParaRPr lang="en-GB">
+                <a:solidFill>
+                  <a:schemeClr val="tx1"/>
+                </a:solidFill>
+              </a:endParaRPr>
+            </a:p>
+          </p:txBody>
+        </p:sp>
+        <p:grpSp>
+          <p:nvGrpSpPr>
+            <p:cNvPr id="27" name="Group 26"/>
+            <p:cNvGrpSpPr/>
+            <p:nvPr/>
+          </p:nvGrpSpPr>
+          <p:grpSpPr>
+            <a:xfrm>
+              <a:off x="4131211" y="2119085"/>
+              <a:ext cx="3505216" cy="1973525"/>
+              <a:chOff x="3579667" y="2409755"/>
+              <a:chExt cx="4875470" cy="2775613"/>
+            </a:xfrm>
+          </p:grpSpPr>
+          <p:sp>
+            <p:nvSpPr>
+              <p:cNvPr id="35" name="Rectangle 34"/>
+              <p:cNvSpPr/>
+              <p:nvPr/>
+            </p:nvSpPr>
+            <p:spPr>
+              <a:xfrm rot="2052924">
+                <a:off x="3579667" y="2409755"/>
+                <a:ext cx="3985147" cy="477672"/>
+              </a:xfrm>
+              <a:prstGeom prst="rect">
+                <a:avLst/>
+              </a:prstGeom>
+            </p:spPr>
+            <p:style>
+              <a:lnRef idx="2">
+                <a:schemeClr val="accent1">
+                  <a:shade val="50000"/>
+                </a:schemeClr>
+              </a:lnRef>
+              <a:fillRef idx="1">
+                <a:schemeClr val="accent1"/>
+              </a:fillRef>
+              <a:effectRef idx="0">
+                <a:schemeClr val="accent1"/>
+              </a:effectRef>
+              <a:fontRef idx="minor">
+                <a:schemeClr val="lt1"/>
+              </a:fontRef>
+            </p:style>
+            <p:txBody>
+              <a:bodyPr rtlCol="0" anchor="ctr"/>
+              <a:lstStyle/>
+              <a:p>
+                <a:pPr algn="ctr"/>
+                <a:endParaRPr lang="en-GB"/>
+              </a:p>
+            </p:txBody>
+          </p:sp>
+          <p:grpSp>
+            <p:nvGrpSpPr>
+              <p:cNvPr id="36" name="Group 35"/>
+              <p:cNvGrpSpPr/>
+              <p:nvPr/>
+            </p:nvGrpSpPr>
+            <p:grpSpPr>
+              <a:xfrm rot="18266766">
+                <a:off x="6728926" y="3459157"/>
+                <a:ext cx="2078240" cy="1374182"/>
+                <a:chOff x="6418647" y="4442016"/>
+                <a:chExt cx="2078240" cy="1374182"/>
+              </a:xfrm>
+            </p:grpSpPr>
+            <p:sp>
+              <p:nvSpPr>
+                <p:cNvPr id="37" name="Rectangle 36"/>
+                <p:cNvSpPr/>
+                <p:nvPr/>
+              </p:nvSpPr>
+              <p:spPr>
+                <a:xfrm>
+                  <a:off x="6432308" y="4445391"/>
+                  <a:ext cx="2064579" cy="45719"/>
+                </a:xfrm>
+                <a:prstGeom prst="rect">
+                  <a:avLst/>
+                </a:prstGeom>
+              </p:spPr>
+              <p:style>
+                <a:lnRef idx="2">
+                  <a:schemeClr val="accent1">
+                    <a:shade val="50000"/>
+                  </a:schemeClr>
+                </a:lnRef>
+                <a:fillRef idx="1">
+                  <a:schemeClr val="accent1"/>
+                </a:fillRef>
+                <a:effectRef idx="0">
+                  <a:schemeClr val="accent1"/>
+                </a:effectRef>
+                <a:fontRef idx="minor">
+                  <a:schemeClr val="lt1"/>
+                </a:fontRef>
+              </p:style>
+              <p:txBody>
+                <a:bodyPr rtlCol="0" anchor="ctr"/>
+                <a:lstStyle/>
+                <a:p>
+                  <a:pPr algn="ctr"/>
+                  <a:endParaRPr lang="en-GB"/>
+                </a:p>
+              </p:txBody>
+            </p:sp>
+            <p:sp>
+              <p:nvSpPr>
+                <p:cNvPr id="38" name="Rectangle 37"/>
+                <p:cNvSpPr/>
+                <p:nvPr/>
+              </p:nvSpPr>
+              <p:spPr>
+                <a:xfrm rot="5400000" flipV="1">
+                  <a:off x="5763706" y="5096957"/>
+                  <a:ext cx="1374182" cy="64300"/>
+                </a:xfrm>
+                <a:prstGeom prst="rect">
+                  <a:avLst/>
+                </a:prstGeom>
+              </p:spPr>
+              <p:style>
+                <a:lnRef idx="2">
+                  <a:schemeClr val="accent1">
+                    <a:shade val="50000"/>
+                  </a:schemeClr>
+                </a:lnRef>
+                <a:fillRef idx="1">
+                  <a:schemeClr val="accent1"/>
+                </a:fillRef>
+                <a:effectRef idx="0">
+                  <a:schemeClr val="accent1"/>
+                </a:effectRef>
+                <a:fontRef idx="minor">
+                  <a:schemeClr val="lt1"/>
+                </a:fontRef>
+              </p:style>
+              <p:txBody>
+                <a:bodyPr rtlCol="0" anchor="ctr"/>
+                <a:lstStyle/>
+                <a:p>
+                  <a:pPr algn="ctr"/>
+                  <a:endParaRPr lang="en-GB"/>
+                </a:p>
+              </p:txBody>
+            </p:sp>
+            <p:sp>
+              <p:nvSpPr>
+                <p:cNvPr id="39" name="Rectangle 38"/>
+                <p:cNvSpPr/>
+                <p:nvPr/>
+              </p:nvSpPr>
+              <p:spPr>
+                <a:xfrm rot="5400000" flipV="1">
+                  <a:off x="7810694" y="5106947"/>
+                  <a:ext cx="1295973" cy="64300"/>
+                </a:xfrm>
+                <a:prstGeom prst="rect">
+                  <a:avLst/>
+                </a:prstGeom>
+              </p:spPr>
+              <p:style>
+                <a:lnRef idx="2">
+                  <a:schemeClr val="accent1">
+                    <a:shade val="50000"/>
+                  </a:schemeClr>
+                </a:lnRef>
+                <a:fillRef idx="1">
+                  <a:schemeClr val="accent1"/>
+                </a:fillRef>
+                <a:effectRef idx="0">
+                  <a:schemeClr val="accent1"/>
+                </a:effectRef>
+                <a:fontRef idx="minor">
+                  <a:schemeClr val="lt1"/>
+                </a:fontRef>
+              </p:style>
+              <p:txBody>
+                <a:bodyPr rtlCol="0" anchor="ctr"/>
+                <a:lstStyle/>
+                <a:p>
+                  <a:pPr algn="ctr"/>
+                  <a:endParaRPr lang="en-GB"/>
+                </a:p>
+              </p:txBody>
+            </p:sp>
+          </p:grpSp>
+        </p:grpSp>
+        <p:sp>
+          <p:nvSpPr>
+            <p:cNvPr id="28" name="TextBox 27"/>
+            <p:cNvSpPr txBox="1"/>
+            <p:nvPr/>
+          </p:nvSpPr>
+          <p:spPr>
+            <a:xfrm>
+              <a:off x="7415131" y="2366200"/>
+              <a:ext cx="625492" cy="369332"/>
+            </a:xfrm>
+            <a:prstGeom prst="rect">
+              <a:avLst/>
+            </a:prstGeom>
+            <a:noFill/>
+          </p:spPr>
+          <p:txBody>
+            <a:bodyPr wrap="none" rtlCol="0">
+              <a:spAutoFit/>
+            </a:bodyPr>
+            <a:lstStyle/>
+            <a:p>
+              <a:r>
+                <a:rPr lang="en-GB" dirty="0" smtClean="0">
+                  <a:solidFill>
+                    <a:schemeClr val="accent5"/>
+                  </a:solidFill>
+                </a:rPr>
+                <a:t>Base</a:t>
+              </a:r>
+              <a:endParaRPr lang="en-GB" dirty="0">
+                <a:solidFill>
+                  <a:schemeClr val="accent5"/>
+                </a:solidFill>
+              </a:endParaRPr>
+            </a:p>
+          </p:txBody>
+        </p:sp>
+        <p:sp>
+          <p:nvSpPr>
+            <p:cNvPr id="29" name="TextBox 28"/>
+            <p:cNvSpPr txBox="1"/>
+            <p:nvPr/>
+          </p:nvSpPr>
+          <p:spPr>
+            <a:xfrm rot="1974035">
+              <a:off x="5350623" y="2156080"/>
+              <a:ext cx="582211" cy="369332"/>
+            </a:xfrm>
+            <a:prstGeom prst="rect">
+              <a:avLst/>
+            </a:prstGeom>
+            <a:noFill/>
+          </p:spPr>
+          <p:txBody>
+            <a:bodyPr wrap="none" rtlCol="0">
+              <a:spAutoFit/>
+            </a:bodyPr>
+            <a:lstStyle/>
+            <a:p>
+              <a:r>
+                <a:rPr lang="en-GB" dirty="0" smtClean="0">
+                  <a:solidFill>
+                    <a:schemeClr val="bg1"/>
+                  </a:solidFill>
+                </a:rPr>
+                <a:t>Arm</a:t>
+              </a:r>
+              <a:endParaRPr lang="en-GB" dirty="0">
+                <a:solidFill>
+                  <a:schemeClr val="bg1"/>
+                </a:solidFill>
+              </a:endParaRPr>
+            </a:p>
+          </p:txBody>
+        </p:sp>
+        <p:cxnSp>
+          <p:nvCxnSpPr>
+            <p:cNvPr id="31" name="Straight Connector 30"/>
+            <p:cNvCxnSpPr/>
+            <p:nvPr/>
+          </p:nvCxnSpPr>
+          <p:spPr>
+            <a:xfrm flipV="1">
+              <a:off x="2986280" y="3099743"/>
+              <a:ext cx="3767887" cy="1773396"/>
+            </a:xfrm>
+            <a:prstGeom prst="line">
+              <a:avLst/>
+            </a:prstGeom>
+            <a:ln w="3175">
+              <a:solidFill>
+                <a:schemeClr val="tx1"/>
+              </a:solidFill>
+              <a:prstDash val="sysDash"/>
+              <a:headEnd type="none" w="med" len="med"/>
+              <a:tailEnd type="oval" w="lg" len="lg"/>
+            </a:ln>
+          </p:spPr>
+          <p:style>
+            <a:lnRef idx="1">
+              <a:schemeClr val="accent1"/>
+            </a:lnRef>
+            <a:fillRef idx="0">
+              <a:schemeClr val="accent1"/>
+            </a:fillRef>
+            <a:effectRef idx="0">
+              <a:schemeClr val="accent1"/>
+            </a:effectRef>
+            <a:fontRef idx="minor">
+              <a:schemeClr val="tx1"/>
+            </a:fontRef>
+          </p:style>
+        </p:cxnSp>
+        <p:sp>
+          <p:nvSpPr>
+            <p:cNvPr id="33" name="TextBox 32"/>
+            <p:cNvSpPr txBox="1"/>
+            <p:nvPr/>
+          </p:nvSpPr>
+          <p:spPr>
+            <a:xfrm>
+              <a:off x="4035132" y="5876364"/>
+              <a:ext cx="6596838" cy="1015663"/>
+            </a:xfrm>
+            <a:prstGeom prst="rect">
+              <a:avLst/>
+            </a:prstGeom>
+            <a:noFill/>
+          </p:spPr>
+          <p:txBody>
+            <a:bodyPr wrap="square" rtlCol="0">
+              <a:spAutoFit/>
+            </a:bodyPr>
+            <a:lstStyle/>
+            <a:p>
+              <a:r>
+                <a:rPr lang="en-GB" sz="3000" dirty="0" smtClean="0">
+                  <a:solidFill>
+                    <a:schemeClr val="accent5"/>
+                  </a:solidFill>
+                </a:rPr>
+                <a:t>New equivalent shifted point, still disregarded</a:t>
+              </a:r>
+              <a:endParaRPr lang="en-GB" sz="3000" dirty="0">
+                <a:solidFill>
+                  <a:schemeClr val="accent5"/>
+                </a:solidFill>
+              </a:endParaRPr>
+            </a:p>
+          </p:txBody>
+        </p:sp>
+        <p:sp>
+          <p:nvSpPr>
+            <p:cNvPr id="34" name="Oval 33"/>
+            <p:cNvSpPr>
+              <a:spLocks noChangeAspect="1"/>
+            </p:cNvSpPr>
+            <p:nvPr/>
+          </p:nvSpPr>
+          <p:spPr>
+            <a:xfrm>
+              <a:off x="4039478" y="4247859"/>
+              <a:ext cx="177679" cy="177679"/>
+            </a:xfrm>
+            <a:prstGeom prst="ellipse">
+              <a:avLst/>
+            </a:prstGeom>
+            <a:solidFill>
+              <a:schemeClr val="accent2"/>
+            </a:solidFill>
+            <a:ln>
+              <a:solidFill>
+                <a:schemeClr val="accent2"/>
+              </a:solidFill>
+            </a:ln>
+          </p:spPr>
+          <p:style>
+            <a:lnRef idx="2">
+              <a:schemeClr val="accent1">
+                <a:shade val="50000"/>
+              </a:schemeClr>
+            </a:lnRef>
+            <a:fillRef idx="1">
+              <a:schemeClr val="accent1"/>
+            </a:fillRef>
+            <a:effectRef idx="0">
+              <a:schemeClr val="accent1"/>
+            </a:effectRef>
+            <a:fontRef idx="minor">
+              <a:schemeClr val="lt1"/>
+            </a:fontRef>
+          </p:style>
+          <p:txBody>
+            <a:bodyPr rtlCol="0" anchor="ctr"/>
+            <a:lstStyle/>
+            <a:p>
+              <a:pPr algn="ctr"/>
+              <a:endParaRPr lang="en-GB"/>
+            </a:p>
+          </p:txBody>
+        </p:sp>
+        <p:sp>
+          <p:nvSpPr>
+            <p:cNvPr id="68" name="Oval 67"/>
+            <p:cNvSpPr>
+              <a:spLocks noChangeAspect="1"/>
+            </p:cNvSpPr>
+            <p:nvPr/>
+          </p:nvSpPr>
+          <p:spPr>
+            <a:xfrm>
+              <a:off x="10934066" y="4279389"/>
+              <a:ext cx="177679" cy="177679"/>
+            </a:xfrm>
+            <a:prstGeom prst="ellipse">
+              <a:avLst/>
+            </a:prstGeom>
+            <a:solidFill>
+              <a:schemeClr val="accent2"/>
+            </a:solidFill>
+            <a:ln>
+              <a:solidFill>
+                <a:schemeClr val="accent2"/>
+              </a:solidFill>
+            </a:ln>
+          </p:spPr>
+          <p:style>
+            <a:lnRef idx="2">
+              <a:schemeClr val="accent1">
+                <a:shade val="50000"/>
+              </a:schemeClr>
+            </a:lnRef>
+            <a:fillRef idx="1">
+              <a:schemeClr val="accent1"/>
+            </a:fillRef>
+            <a:effectRef idx="0">
+              <a:schemeClr val="accent1"/>
+            </a:effectRef>
+            <a:fontRef idx="minor">
+              <a:schemeClr val="lt1"/>
+            </a:fontRef>
+          </p:style>
+          <p:txBody>
+            <a:bodyPr rtlCol="0" anchor="ctr"/>
+            <a:lstStyle/>
+            <a:p>
+              <a:pPr algn="ctr"/>
+              <a:endParaRPr lang="en-GB"/>
+            </a:p>
+          </p:txBody>
+        </p:sp>
+      </p:grpSp>
+      <p:sp>
+        <p:nvSpPr>
+          <p:cNvPr id="71" name="Rectangle 70"/>
+          <p:cNvSpPr/>
+          <p:nvPr/>
+        </p:nvSpPr>
+        <p:spPr>
+          <a:xfrm rot="18238242">
+            <a:off x="13077896" y="2921465"/>
+            <a:ext cx="1393074" cy="944196"/>
+          </a:xfrm>
+          <a:prstGeom prst="rect">
+            <a:avLst/>
+          </a:prstGeom>
+          <a:pattFill prst="wdUpDiag">
+            <a:fgClr>
+              <a:schemeClr val="accent1"/>
+            </a:fgClr>
+            <a:bgClr>
+              <a:schemeClr val="bg1"/>
+            </a:bgClr>
+          </a:pattFill>
+          <a:ln>
+            <a:noFill/>
+          </a:ln>
+        </p:spPr>
+        <p:style>
+          <a:lnRef idx="2">
+            <a:schemeClr val="accent1">
+              <a:shade val="50000"/>
+            </a:schemeClr>
+          </a:lnRef>
+          <a:fillRef idx="1">
+            <a:schemeClr val="accent1"/>
+          </a:fillRef>
+          <a:effectRef idx="0">
+            <a:schemeClr val="accent1"/>
+          </a:effectRef>
+          <a:fontRef idx="minor">
+            <a:schemeClr val="lt1"/>
+          </a:fontRef>
+        </p:style>
+        <p:txBody>
+          <a:bodyPr rtlCol="0" anchor="ctr"/>
+          <a:lstStyle/>
+          <a:p>
+            <a:pPr algn="ctr"/>
+            <a:endParaRPr lang="en-GB"/>
           </a:p>
         </p:txBody>
       </p:sp>

--- a/MSc Thesis/images/tipSphereExample.pptx
+++ b/MSc Thesis/images/tipSphereExample.pptx
@@ -2975,54 +2975,165 @@
       </p:grpSpPr>
       <p:grpSp>
         <p:nvGrpSpPr>
-          <p:cNvPr id="4" name="Group 3"/>
+          <p:cNvPr id="73" name="Group 72"/>
           <p:cNvGrpSpPr/>
           <p:nvPr/>
         </p:nvGrpSpPr>
         <p:grpSpPr>
           <a:xfrm>
             <a:off x="2877577" y="272658"/>
-            <a:ext cx="6811340" cy="6239086"/>
+            <a:ext cx="20450402" cy="6665534"/>
             <a:chOff x="2877577" y="272658"/>
-            <a:chExt cx="6811340" cy="6239086"/>
+            <a:chExt cx="20450402" cy="6665534"/>
           </a:xfrm>
         </p:grpSpPr>
         <p:grpSp>
           <p:nvGrpSpPr>
-            <p:cNvPr id="5" name="Group 4"/>
+            <p:cNvPr id="4" name="Group 3"/>
             <p:cNvGrpSpPr/>
             <p:nvPr/>
           </p:nvGrpSpPr>
           <p:grpSpPr>
             <a:xfrm>
-              <a:off x="3830633" y="312696"/>
-              <a:ext cx="5671389" cy="5566493"/>
-              <a:chOff x="6624633" y="1923288"/>
-              <a:chExt cx="5671389" cy="5566493"/>
+              <a:off x="2877577" y="272658"/>
+              <a:ext cx="6811340" cy="6239086"/>
+              <a:chOff x="2877577" y="272658"/>
+              <a:chExt cx="6811340" cy="6239086"/>
             </a:xfrm>
           </p:grpSpPr>
+          <p:grpSp>
+            <p:nvGrpSpPr>
+              <p:cNvPr id="5" name="Group 4"/>
+              <p:cNvGrpSpPr/>
+              <p:nvPr/>
+            </p:nvGrpSpPr>
+            <p:grpSpPr>
+              <a:xfrm>
+                <a:off x="3830633" y="312696"/>
+                <a:ext cx="5671389" cy="5566493"/>
+                <a:chOff x="6624633" y="1923288"/>
+                <a:chExt cx="5671389" cy="5566493"/>
+              </a:xfrm>
+            </p:grpSpPr>
+            <p:sp>
+              <p:nvSpPr>
+                <p:cNvPr id="20" name="Oval 19"/>
+                <p:cNvSpPr/>
+                <p:nvPr/>
+              </p:nvSpPr>
+              <p:spPr>
+                <a:xfrm>
+                  <a:off x="6624633" y="1923288"/>
+                  <a:ext cx="5671389" cy="5566493"/>
+                </a:xfrm>
+                <a:prstGeom prst="ellipse">
+                  <a:avLst/>
+                </a:prstGeom>
+                <a:solidFill>
+                  <a:schemeClr val="accent1">
+                    <a:lumMod val="40000"/>
+                    <a:lumOff val="60000"/>
+                  </a:schemeClr>
+                </a:solidFill>
+                <a:ln w="22225">
+                  <a:noFill/>
+                  <a:prstDash val="lgDash"/>
+                </a:ln>
+              </p:spPr>
+              <p:style>
+                <a:lnRef idx="2">
+                  <a:schemeClr val="accent1">
+                    <a:shade val="50000"/>
+                  </a:schemeClr>
+                </a:lnRef>
+                <a:fillRef idx="1">
+                  <a:schemeClr val="accent1"/>
+                </a:fillRef>
+                <a:effectRef idx="0">
+                  <a:schemeClr val="accent1"/>
+                </a:effectRef>
+                <a:fontRef idx="minor">
+                  <a:schemeClr val="lt1"/>
+                </a:fontRef>
+              </p:style>
+              <p:txBody>
+                <a:bodyPr rtlCol="0" anchor="ctr"/>
+                <a:lstStyle/>
+                <a:p>
+                  <a:pPr algn="ctr"/>
+                  <a:endParaRPr lang="en-GB"/>
+                </a:p>
+              </p:txBody>
+            </p:sp>
+            <p:sp>
+              <p:nvSpPr>
+                <p:cNvPr id="21" name="Oval 20"/>
+                <p:cNvSpPr>
+                  <a:spLocks noChangeAspect="1"/>
+                </p:cNvSpPr>
+                <p:nvPr/>
+              </p:nvSpPr>
+              <p:spPr>
+                <a:xfrm>
+                  <a:off x="6966194" y="2258534"/>
+                  <a:ext cx="4988268" cy="4896000"/>
+                </a:xfrm>
+                <a:prstGeom prst="ellipse">
+                  <a:avLst/>
+                </a:prstGeom>
+                <a:solidFill>
+                  <a:schemeClr val="bg1"/>
+                </a:solidFill>
+                <a:ln w="22225">
+                  <a:noFill/>
+                  <a:prstDash val="lgDash"/>
+                </a:ln>
+              </p:spPr>
+              <p:style>
+                <a:lnRef idx="2">
+                  <a:schemeClr val="accent1">
+                    <a:shade val="50000"/>
+                  </a:schemeClr>
+                </a:lnRef>
+                <a:fillRef idx="1">
+                  <a:schemeClr val="accent1"/>
+                </a:fillRef>
+                <a:effectRef idx="0">
+                  <a:schemeClr val="accent1"/>
+                </a:effectRef>
+                <a:fontRef idx="minor">
+                  <a:schemeClr val="lt1"/>
+                </a:fontRef>
+              </p:style>
+              <p:txBody>
+                <a:bodyPr rtlCol="0" anchor="ctr"/>
+                <a:lstStyle/>
+                <a:p>
+                  <a:pPr algn="ctr"/>
+                  <a:endParaRPr lang="en-GB"/>
+                </a:p>
+              </p:txBody>
+            </p:sp>
+          </p:grpSp>
           <p:sp>
             <p:nvSpPr>
-              <p:cNvPr id="20" name="Oval 19"/>
+              <p:cNvPr id="6" name="Oval 5"/>
               <p:cNvSpPr/>
               <p:nvPr/>
             </p:nvSpPr>
             <p:spPr>
               <a:xfrm>
-                <a:off x="6624633" y="1923288"/>
+                <a:off x="3835468" y="311794"/>
                 <a:ext cx="5671389" cy="5566493"/>
               </a:xfrm>
               <a:prstGeom prst="ellipse">
                 <a:avLst/>
               </a:prstGeom>
-              <a:solidFill>
-                <a:schemeClr val="accent1">
-                  <a:lumMod val="40000"/>
-                  <a:lumOff val="60000"/>
-                </a:schemeClr>
-              </a:solidFill>
+              <a:noFill/>
               <a:ln w="22225">
-                <a:noFill/>
+                <a:solidFill>
+                  <a:schemeClr val="accent6"/>
+                </a:solidFill>
                 <a:prstDash val="lgDash"/>
               </a:ln>
             </p:spPr>
@@ -3053,7 +3164,383 @@
           </p:sp>
           <p:sp>
             <p:nvSpPr>
-              <p:cNvPr id="21" name="Oval 20"/>
+              <p:cNvPr id="7" name="Pie 6"/>
+              <p:cNvSpPr/>
+              <p:nvPr/>
+            </p:nvSpPr>
+            <p:spPr>
+              <a:xfrm rot="10632034">
+                <a:off x="3831113" y="272658"/>
+                <a:ext cx="5857804" cy="5688335"/>
+              </a:xfrm>
+              <a:prstGeom prst="pie">
+                <a:avLst>
+                  <a:gd name="adj1" fmla="val 0"/>
+                  <a:gd name="adj2" fmla="val 4494618"/>
+                </a:avLst>
+              </a:prstGeom>
+              <a:solidFill>
+                <a:schemeClr val="accent6">
+                  <a:lumMod val="40000"/>
+                  <a:lumOff val="60000"/>
+                </a:schemeClr>
+              </a:solidFill>
+              <a:ln w="19050">
+                <a:prstDash val="lgDash"/>
+              </a:ln>
+            </p:spPr>
+            <p:style>
+              <a:lnRef idx="2">
+                <a:schemeClr val="accent1">
+                  <a:shade val="50000"/>
+                </a:schemeClr>
+              </a:lnRef>
+              <a:fillRef idx="1">
+                <a:schemeClr val="accent1"/>
+              </a:fillRef>
+              <a:effectRef idx="0">
+                <a:schemeClr val="accent1"/>
+              </a:effectRef>
+              <a:fontRef idx="minor">
+                <a:schemeClr val="lt1"/>
+              </a:fontRef>
+            </p:style>
+            <p:txBody>
+              <a:bodyPr rtlCol="0" anchor="ctr"/>
+              <a:lstStyle/>
+              <a:p>
+                <a:pPr algn="ctr"/>
+                <a:endParaRPr lang="en-GB">
+                  <a:solidFill>
+                    <a:schemeClr val="tx1"/>
+                  </a:solidFill>
+                </a:endParaRPr>
+              </a:p>
+            </p:txBody>
+          </p:sp>
+          <p:sp>
+            <p:nvSpPr>
+              <p:cNvPr id="8" name="Pie 7"/>
+              <p:cNvSpPr/>
+              <p:nvPr/>
+            </p:nvSpPr>
+            <p:spPr>
+              <a:xfrm rot="10632034">
+                <a:off x="4184834" y="606763"/>
+                <a:ext cx="5127122" cy="5020124"/>
+              </a:xfrm>
+              <a:prstGeom prst="pie">
+                <a:avLst>
+                  <a:gd name="adj1" fmla="val 20428"/>
+                  <a:gd name="adj2" fmla="val 4494618"/>
+                </a:avLst>
+              </a:prstGeom>
+              <a:solidFill>
+                <a:schemeClr val="bg1"/>
+              </a:solidFill>
+              <a:ln w="19050">
+                <a:noFill/>
+                <a:prstDash val="lgDash"/>
+              </a:ln>
+            </p:spPr>
+            <p:style>
+              <a:lnRef idx="2">
+                <a:schemeClr val="accent1">
+                  <a:shade val="50000"/>
+                </a:schemeClr>
+              </a:lnRef>
+              <a:fillRef idx="1">
+                <a:schemeClr val="accent1"/>
+              </a:fillRef>
+              <a:effectRef idx="0">
+                <a:schemeClr val="accent1"/>
+              </a:effectRef>
+              <a:fontRef idx="minor">
+                <a:schemeClr val="lt1"/>
+              </a:fontRef>
+            </p:style>
+            <p:txBody>
+              <a:bodyPr rtlCol="0" anchor="ctr"/>
+              <a:lstStyle/>
+              <a:p>
+                <a:pPr algn="ctr"/>
+                <a:endParaRPr lang="en-GB">
+                  <a:solidFill>
+                    <a:schemeClr val="tx1"/>
+                  </a:solidFill>
+                </a:endParaRPr>
+              </a:p>
+            </p:txBody>
+          </p:sp>
+          <p:grpSp>
+            <p:nvGrpSpPr>
+              <p:cNvPr id="9" name="Group 8"/>
+              <p:cNvGrpSpPr/>
+              <p:nvPr/>
+            </p:nvGrpSpPr>
+            <p:grpSpPr>
+              <a:xfrm>
+                <a:off x="4131211" y="2119085"/>
+                <a:ext cx="3485408" cy="1967453"/>
+                <a:chOff x="3579667" y="2409755"/>
+                <a:chExt cx="4847919" cy="2767073"/>
+              </a:xfrm>
+            </p:grpSpPr>
+            <p:sp>
+              <p:nvSpPr>
+                <p:cNvPr id="15" name="Rectangle 14"/>
+                <p:cNvSpPr/>
+                <p:nvPr/>
+              </p:nvSpPr>
+              <p:spPr>
+                <a:xfrm rot="2052924">
+                  <a:off x="3579667" y="2409755"/>
+                  <a:ext cx="3985147" cy="477672"/>
+                </a:xfrm>
+                <a:prstGeom prst="rect">
+                  <a:avLst/>
+                </a:prstGeom>
+              </p:spPr>
+              <p:style>
+                <a:lnRef idx="2">
+                  <a:schemeClr val="accent1">
+                    <a:shade val="50000"/>
+                  </a:schemeClr>
+                </a:lnRef>
+                <a:fillRef idx="1">
+                  <a:schemeClr val="accent1"/>
+                </a:fillRef>
+                <a:effectRef idx="0">
+                  <a:schemeClr val="accent1"/>
+                </a:effectRef>
+                <a:fontRef idx="minor">
+                  <a:schemeClr val="lt1"/>
+                </a:fontRef>
+              </p:style>
+              <p:txBody>
+                <a:bodyPr rtlCol="0" anchor="ctr"/>
+                <a:lstStyle/>
+                <a:p>
+                  <a:pPr algn="ctr"/>
+                  <a:endParaRPr lang="en-GB"/>
+                </a:p>
+              </p:txBody>
+            </p:sp>
+            <p:grpSp>
+              <p:nvGrpSpPr>
+                <p:cNvPr id="16" name="Group 15"/>
+                <p:cNvGrpSpPr/>
+                <p:nvPr/>
+              </p:nvGrpSpPr>
+              <p:grpSpPr>
+                <a:xfrm rot="18266766">
+                  <a:off x="6716474" y="3465715"/>
+                  <a:ext cx="2078240" cy="1343985"/>
+                  <a:chOff x="6418647" y="4442015"/>
+                  <a:chExt cx="2078240" cy="1343985"/>
+                </a:xfrm>
+              </p:grpSpPr>
+              <p:sp>
+                <p:nvSpPr>
+                  <p:cNvPr id="18" name="Rectangle 17"/>
+                  <p:cNvSpPr/>
+                  <p:nvPr/>
+                </p:nvSpPr>
+                <p:spPr>
+                  <a:xfrm rot="5400000" flipV="1">
+                    <a:off x="5778804" y="5081858"/>
+                    <a:ext cx="1343985" cy="64300"/>
+                  </a:xfrm>
+                  <a:prstGeom prst="rect">
+                    <a:avLst/>
+                  </a:prstGeom>
+                </p:spPr>
+                <p:style>
+                  <a:lnRef idx="2">
+                    <a:schemeClr val="accent1">
+                      <a:shade val="50000"/>
+                    </a:schemeClr>
+                  </a:lnRef>
+                  <a:fillRef idx="1">
+                    <a:schemeClr val="accent1"/>
+                  </a:fillRef>
+                  <a:effectRef idx="0">
+                    <a:schemeClr val="accent1"/>
+                  </a:effectRef>
+                  <a:fontRef idx="minor">
+                    <a:schemeClr val="lt1"/>
+                  </a:fontRef>
+                </p:style>
+                <p:txBody>
+                  <a:bodyPr rtlCol="0" anchor="ctr"/>
+                  <a:lstStyle/>
+                  <a:p>
+                    <a:pPr algn="ctr"/>
+                    <a:endParaRPr lang="en-GB"/>
+                  </a:p>
+                </p:txBody>
+              </p:sp>
+              <p:sp>
+                <p:nvSpPr>
+                  <p:cNvPr id="17" name="Rectangle 16"/>
+                  <p:cNvSpPr/>
+                  <p:nvPr/>
+                </p:nvSpPr>
+                <p:spPr>
+                  <a:xfrm>
+                    <a:off x="6432308" y="4445391"/>
+                    <a:ext cx="2064579" cy="45719"/>
+                  </a:xfrm>
+                  <a:prstGeom prst="rect">
+                    <a:avLst/>
+                  </a:prstGeom>
+                </p:spPr>
+                <p:style>
+                  <a:lnRef idx="2">
+                    <a:schemeClr val="accent1">
+                      <a:shade val="50000"/>
+                    </a:schemeClr>
+                  </a:lnRef>
+                  <a:fillRef idx="1">
+                    <a:schemeClr val="accent1"/>
+                  </a:fillRef>
+                  <a:effectRef idx="0">
+                    <a:schemeClr val="accent1"/>
+                  </a:effectRef>
+                  <a:fontRef idx="minor">
+                    <a:schemeClr val="lt1"/>
+                  </a:fontRef>
+                </p:style>
+                <p:txBody>
+                  <a:bodyPr rtlCol="0" anchor="ctr"/>
+                  <a:lstStyle/>
+                  <a:p>
+                    <a:pPr algn="ctr"/>
+                    <a:endParaRPr lang="en-GB"/>
+                  </a:p>
+                </p:txBody>
+              </p:sp>
+              <p:sp>
+                <p:nvSpPr>
+                  <p:cNvPr id="19" name="Rectangle 18"/>
+                  <p:cNvSpPr/>
+                  <p:nvPr/>
+                </p:nvSpPr>
+                <p:spPr>
+                  <a:xfrm rot="5400000" flipV="1">
+                    <a:off x="7816383" y="5101261"/>
+                    <a:ext cx="1284597" cy="64300"/>
+                  </a:xfrm>
+                  <a:prstGeom prst="rect">
+                    <a:avLst/>
+                  </a:prstGeom>
+                </p:spPr>
+                <p:style>
+                  <a:lnRef idx="2">
+                    <a:schemeClr val="accent1">
+                      <a:shade val="50000"/>
+                    </a:schemeClr>
+                  </a:lnRef>
+                  <a:fillRef idx="1">
+                    <a:schemeClr val="accent1"/>
+                  </a:fillRef>
+                  <a:effectRef idx="0">
+                    <a:schemeClr val="accent1"/>
+                  </a:effectRef>
+                  <a:fontRef idx="minor">
+                    <a:schemeClr val="lt1"/>
+                  </a:fontRef>
+                </p:style>
+                <p:txBody>
+                  <a:bodyPr rtlCol="0" anchor="ctr"/>
+                  <a:lstStyle/>
+                  <a:p>
+                    <a:pPr algn="ctr"/>
+                    <a:endParaRPr lang="en-GB"/>
+                  </a:p>
+                </p:txBody>
+              </p:sp>
+            </p:grpSp>
+          </p:grpSp>
+          <p:sp>
+            <p:nvSpPr>
+              <p:cNvPr id="10" name="TextBox 9"/>
+              <p:cNvSpPr txBox="1"/>
+              <p:nvPr/>
+            </p:nvSpPr>
+            <p:spPr>
+              <a:xfrm>
+                <a:off x="7415131" y="2366200"/>
+                <a:ext cx="625492" cy="369332"/>
+              </a:xfrm>
+              <a:prstGeom prst="rect">
+                <a:avLst/>
+              </a:prstGeom>
+              <a:noFill/>
+            </p:spPr>
+            <p:txBody>
+              <a:bodyPr wrap="none" rtlCol="0">
+                <a:spAutoFit/>
+              </a:bodyPr>
+              <a:lstStyle/>
+              <a:p>
+                <a:r>
+                  <a:rPr lang="en-GB" dirty="0" smtClean="0">
+                    <a:solidFill>
+                      <a:schemeClr val="accent5"/>
+                    </a:solidFill>
+                  </a:rPr>
+                  <a:t>Base</a:t>
+                </a:r>
+                <a:endParaRPr lang="en-GB" dirty="0">
+                  <a:solidFill>
+                    <a:schemeClr val="accent5"/>
+                  </a:solidFill>
+                </a:endParaRPr>
+              </a:p>
+            </p:txBody>
+          </p:sp>
+          <p:sp>
+            <p:nvSpPr>
+              <p:cNvPr id="11" name="TextBox 10"/>
+              <p:cNvSpPr txBox="1"/>
+              <p:nvPr/>
+            </p:nvSpPr>
+            <p:spPr>
+              <a:xfrm rot="1974035">
+                <a:off x="5350623" y="2156080"/>
+                <a:ext cx="582211" cy="369332"/>
+              </a:xfrm>
+              <a:prstGeom prst="rect">
+                <a:avLst/>
+              </a:prstGeom>
+              <a:noFill/>
+            </p:spPr>
+            <p:txBody>
+              <a:bodyPr wrap="none" rtlCol="0">
+                <a:spAutoFit/>
+              </a:bodyPr>
+              <a:lstStyle/>
+              <a:p>
+                <a:r>
+                  <a:rPr lang="en-GB" dirty="0" smtClean="0">
+                    <a:solidFill>
+                      <a:schemeClr val="bg1"/>
+                    </a:solidFill>
+                  </a:rPr>
+                  <a:t>Arm</a:t>
+                </a:r>
+                <a:endParaRPr lang="en-GB" dirty="0">
+                  <a:solidFill>
+                    <a:schemeClr val="bg1"/>
+                  </a:solidFill>
+                </a:endParaRPr>
+              </a:p>
+            </p:txBody>
+          </p:sp>
+          <p:sp>
+            <p:nvSpPr>
+              <p:cNvPr id="12" name="Oval 11"/>
               <p:cNvSpPr>
                 <a:spLocks noChangeAspect="1"/>
               </p:cNvSpPr>
@@ -3061,18 +3548,1968 @@
             </p:nvSpPr>
             <p:spPr>
               <a:xfrm>
-                <a:off x="6966194" y="2258534"/>
-                <a:ext cx="4988268" cy="4896000"/>
+                <a:off x="2877577" y="4758320"/>
+                <a:ext cx="213199" cy="213199"/>
               </a:xfrm>
               <a:prstGeom prst="ellipse">
                 <a:avLst/>
               </a:prstGeom>
               <a:solidFill>
+                <a:srgbClr val="FF0000"/>
+              </a:solidFill>
+              <a:ln>
+                <a:solidFill>
+                  <a:srgbClr val="FF0000"/>
+                </a:solidFill>
+              </a:ln>
+            </p:spPr>
+            <p:style>
+              <a:lnRef idx="2">
+                <a:schemeClr val="accent1">
+                  <a:shade val="50000"/>
+                </a:schemeClr>
+              </a:lnRef>
+              <a:fillRef idx="1">
+                <a:schemeClr val="accent1"/>
+              </a:fillRef>
+              <a:effectRef idx="0">
+                <a:schemeClr val="accent1"/>
+              </a:effectRef>
+              <a:fontRef idx="minor">
+                <a:schemeClr val="lt1"/>
+              </a:fontRef>
+            </p:style>
+            <p:txBody>
+              <a:bodyPr rtlCol="0" anchor="ctr"/>
+              <a:lstStyle/>
+              <a:p>
+                <a:pPr algn="ctr"/>
+                <a:endParaRPr lang="en-GB" sz="5400"/>
+              </a:p>
+            </p:txBody>
+          </p:sp>
+          <p:sp>
+            <p:nvSpPr>
+              <p:cNvPr id="14" name="TextBox 13"/>
+              <p:cNvSpPr txBox="1"/>
+              <p:nvPr/>
+            </p:nvSpPr>
+            <p:spPr>
+              <a:xfrm>
+                <a:off x="4010528" y="5957746"/>
+                <a:ext cx="5498974" cy="553998"/>
+              </a:xfrm>
+              <a:prstGeom prst="rect">
+                <a:avLst/>
+              </a:prstGeom>
+              <a:noFill/>
+            </p:spPr>
+            <p:txBody>
+              <a:bodyPr wrap="square" rtlCol="0">
+                <a:spAutoFit/>
+              </a:bodyPr>
+              <a:lstStyle/>
+              <a:p>
+                <a:r>
+                  <a:rPr lang="en-GB" sz="3000" dirty="0" smtClean="0">
+                    <a:solidFill>
+                      <a:schemeClr val="accent5"/>
+                    </a:solidFill>
+                  </a:rPr>
+                  <a:t>Immediately disregarded point</a:t>
+                </a:r>
+                <a:endParaRPr lang="en-GB" sz="3000" dirty="0">
+                  <a:solidFill>
+                    <a:schemeClr val="accent5"/>
+                  </a:solidFill>
+                </a:endParaRPr>
+              </a:p>
+            </p:txBody>
+          </p:sp>
+          <p:sp>
+            <p:nvSpPr>
+              <p:cNvPr id="66" name="Oval 65"/>
+              <p:cNvSpPr>
+                <a:spLocks noChangeAspect="1"/>
+              </p:cNvSpPr>
+              <p:nvPr/>
+            </p:nvSpPr>
+            <p:spPr>
+              <a:xfrm>
+                <a:off x="9416158" y="4844685"/>
+                <a:ext cx="213199" cy="213199"/>
+              </a:xfrm>
+              <a:prstGeom prst="ellipse">
+                <a:avLst/>
+              </a:prstGeom>
+              <a:solidFill>
+                <a:srgbClr val="FF0000"/>
+              </a:solidFill>
+              <a:ln>
+                <a:solidFill>
+                  <a:srgbClr val="FF0000"/>
+                </a:solidFill>
+              </a:ln>
+            </p:spPr>
+            <p:style>
+              <a:lnRef idx="2">
+                <a:schemeClr val="accent1">
+                  <a:shade val="50000"/>
+                </a:schemeClr>
+              </a:lnRef>
+              <a:fillRef idx="1">
+                <a:schemeClr val="accent1"/>
+              </a:fillRef>
+              <a:effectRef idx="0">
+                <a:schemeClr val="accent1"/>
+              </a:effectRef>
+              <a:fontRef idx="minor">
+                <a:schemeClr val="lt1"/>
+              </a:fontRef>
+            </p:style>
+            <p:txBody>
+              <a:bodyPr rtlCol="0" anchor="ctr"/>
+              <a:lstStyle/>
+              <a:p>
+                <a:pPr algn="ctr"/>
+                <a:endParaRPr lang="en-GB" sz="5400"/>
+              </a:p>
+            </p:txBody>
+          </p:sp>
+          <p:cxnSp>
+            <p:nvCxnSpPr>
+              <p:cNvPr id="13" name="Straight Connector 12"/>
+              <p:cNvCxnSpPr/>
+              <p:nvPr/>
+            </p:nvCxnSpPr>
+            <p:spPr>
+              <a:xfrm flipV="1">
+                <a:off x="3090776" y="3155961"/>
+                <a:ext cx="3590689" cy="1678685"/>
+              </a:xfrm>
+              <a:prstGeom prst="line">
+                <a:avLst/>
+              </a:prstGeom>
+              <a:ln w="12700">
+                <a:solidFill>
+                  <a:schemeClr val="tx1"/>
+                </a:solidFill>
+                <a:headEnd type="triangle" w="med" len="med"/>
+                <a:tailEnd type="oval" w="lg" len="lg"/>
+              </a:ln>
+            </p:spPr>
+            <p:style>
+              <a:lnRef idx="1">
+                <a:schemeClr val="accent1"/>
+              </a:lnRef>
+              <a:fillRef idx="0">
+                <a:schemeClr val="accent1"/>
+              </a:fillRef>
+              <a:effectRef idx="0">
+                <a:schemeClr val="accent1"/>
+              </a:effectRef>
+              <a:fontRef idx="minor">
+                <a:schemeClr val="tx1"/>
+              </a:fontRef>
+            </p:style>
+          </p:cxnSp>
+        </p:grpSp>
+        <p:grpSp>
+          <p:nvGrpSpPr>
+            <p:cNvPr id="42" name="Group 41"/>
+            <p:cNvGrpSpPr/>
+            <p:nvPr/>
+          </p:nvGrpSpPr>
+          <p:grpSpPr>
+            <a:xfrm>
+              <a:off x="16591730" y="350930"/>
+              <a:ext cx="6736249" cy="6587262"/>
+              <a:chOff x="3075381" y="272658"/>
+              <a:chExt cx="6736249" cy="6587262"/>
+            </a:xfrm>
+          </p:grpSpPr>
+          <p:grpSp>
+            <p:nvGrpSpPr>
+              <p:cNvPr id="43" name="Group 42"/>
+              <p:cNvGrpSpPr/>
+              <p:nvPr/>
+            </p:nvGrpSpPr>
+            <p:grpSpPr>
+              <a:xfrm>
+                <a:off x="3830633" y="312696"/>
+                <a:ext cx="5671389" cy="5566493"/>
+                <a:chOff x="6624633" y="1923288"/>
+                <a:chExt cx="5671389" cy="5566493"/>
+              </a:xfrm>
+            </p:grpSpPr>
+            <p:sp>
+              <p:nvSpPr>
+                <p:cNvPr id="61" name="Oval 60"/>
+                <p:cNvSpPr/>
+                <p:nvPr/>
+              </p:nvSpPr>
+              <p:spPr>
+                <a:xfrm>
+                  <a:off x="6624633" y="1923288"/>
+                  <a:ext cx="5671389" cy="5566493"/>
+                </a:xfrm>
+                <a:prstGeom prst="ellipse">
+                  <a:avLst/>
+                </a:prstGeom>
+                <a:solidFill>
+                  <a:schemeClr val="accent1">
+                    <a:lumMod val="40000"/>
+                    <a:lumOff val="60000"/>
+                  </a:schemeClr>
+                </a:solidFill>
+                <a:ln w="22225">
+                  <a:noFill/>
+                  <a:prstDash val="lgDash"/>
+                </a:ln>
+              </p:spPr>
+              <p:style>
+                <a:lnRef idx="2">
+                  <a:schemeClr val="accent1">
+                    <a:shade val="50000"/>
+                  </a:schemeClr>
+                </a:lnRef>
+                <a:fillRef idx="1">
+                  <a:schemeClr val="accent1"/>
+                </a:fillRef>
+                <a:effectRef idx="0">
+                  <a:schemeClr val="accent1"/>
+                </a:effectRef>
+                <a:fontRef idx="minor">
+                  <a:schemeClr val="lt1"/>
+                </a:fontRef>
+              </p:style>
+              <p:txBody>
+                <a:bodyPr rtlCol="0" anchor="ctr"/>
+                <a:lstStyle/>
+                <a:p>
+                  <a:pPr algn="ctr"/>
+                  <a:endParaRPr lang="en-GB"/>
+                </a:p>
+              </p:txBody>
+            </p:sp>
+            <p:sp>
+              <p:nvSpPr>
+                <p:cNvPr id="62" name="Oval 61"/>
+                <p:cNvSpPr>
+                  <a:spLocks noChangeAspect="1"/>
+                </p:cNvSpPr>
+                <p:nvPr/>
+              </p:nvSpPr>
+              <p:spPr>
+                <a:xfrm>
+                  <a:off x="6966194" y="2258534"/>
+                  <a:ext cx="4988268" cy="4896000"/>
+                </a:xfrm>
+                <a:prstGeom prst="ellipse">
+                  <a:avLst/>
+                </a:prstGeom>
+                <a:solidFill>
+                  <a:schemeClr val="bg1"/>
+                </a:solidFill>
+                <a:ln w="22225">
+                  <a:noFill/>
+                  <a:prstDash val="lgDash"/>
+                </a:ln>
+              </p:spPr>
+              <p:style>
+                <a:lnRef idx="2">
+                  <a:schemeClr val="accent1">
+                    <a:shade val="50000"/>
+                  </a:schemeClr>
+                </a:lnRef>
+                <a:fillRef idx="1">
+                  <a:schemeClr val="accent1"/>
+                </a:fillRef>
+                <a:effectRef idx="0">
+                  <a:schemeClr val="accent1"/>
+                </a:effectRef>
+                <a:fontRef idx="minor">
+                  <a:schemeClr val="lt1"/>
+                </a:fontRef>
+              </p:style>
+              <p:txBody>
+                <a:bodyPr rtlCol="0" anchor="ctr"/>
+                <a:lstStyle/>
+                <a:p>
+                  <a:pPr algn="ctr"/>
+                  <a:endParaRPr lang="en-GB"/>
+                </a:p>
+              </p:txBody>
+            </p:sp>
+          </p:grpSp>
+          <p:sp>
+            <p:nvSpPr>
+              <p:cNvPr id="44" name="Oval 43"/>
+              <p:cNvSpPr/>
+              <p:nvPr/>
+            </p:nvSpPr>
+            <p:spPr>
+              <a:xfrm>
+                <a:off x="3835468" y="311794"/>
+                <a:ext cx="5671389" cy="5566493"/>
+              </a:xfrm>
+              <a:prstGeom prst="ellipse">
+                <a:avLst/>
+              </a:prstGeom>
+              <a:noFill/>
+              <a:ln w="22225">
+                <a:solidFill>
+                  <a:schemeClr val="accent6"/>
+                </a:solidFill>
+                <a:prstDash val="lgDash"/>
+              </a:ln>
+            </p:spPr>
+            <p:style>
+              <a:lnRef idx="2">
+                <a:schemeClr val="accent1">
+                  <a:shade val="50000"/>
+                </a:schemeClr>
+              </a:lnRef>
+              <a:fillRef idx="1">
+                <a:schemeClr val="accent1"/>
+              </a:fillRef>
+              <a:effectRef idx="0">
+                <a:schemeClr val="accent1"/>
+              </a:effectRef>
+              <a:fontRef idx="minor">
+                <a:schemeClr val="lt1"/>
+              </a:fontRef>
+            </p:style>
+            <p:txBody>
+              <a:bodyPr rtlCol="0" anchor="ctr"/>
+              <a:lstStyle/>
+              <a:p>
+                <a:pPr algn="ctr"/>
+                <a:endParaRPr lang="en-GB"/>
+              </a:p>
+            </p:txBody>
+          </p:sp>
+          <p:sp>
+            <p:nvSpPr>
+              <p:cNvPr id="45" name="Pie 44"/>
+              <p:cNvSpPr/>
+              <p:nvPr/>
+            </p:nvSpPr>
+            <p:spPr>
+              <a:xfrm rot="10632034">
+                <a:off x="3831113" y="272658"/>
+                <a:ext cx="5857804" cy="5688335"/>
+              </a:xfrm>
+              <a:prstGeom prst="pie">
+                <a:avLst>
+                  <a:gd name="adj1" fmla="val 0"/>
+                  <a:gd name="adj2" fmla="val 4494618"/>
+                </a:avLst>
+              </a:prstGeom>
+              <a:solidFill>
+                <a:schemeClr val="accent6">
+                  <a:lumMod val="40000"/>
+                  <a:lumOff val="60000"/>
+                </a:schemeClr>
+              </a:solidFill>
+              <a:ln w="19050">
+                <a:prstDash val="lgDash"/>
+              </a:ln>
+            </p:spPr>
+            <p:style>
+              <a:lnRef idx="2">
+                <a:schemeClr val="accent1">
+                  <a:shade val="50000"/>
+                </a:schemeClr>
+              </a:lnRef>
+              <a:fillRef idx="1">
+                <a:schemeClr val="accent1"/>
+              </a:fillRef>
+              <a:effectRef idx="0">
+                <a:schemeClr val="accent1"/>
+              </a:effectRef>
+              <a:fontRef idx="minor">
+                <a:schemeClr val="lt1"/>
+              </a:fontRef>
+            </p:style>
+            <p:txBody>
+              <a:bodyPr rtlCol="0" anchor="ctr"/>
+              <a:lstStyle/>
+              <a:p>
+                <a:pPr algn="ctr"/>
+                <a:endParaRPr lang="en-GB">
+                  <a:solidFill>
+                    <a:schemeClr val="tx1"/>
+                  </a:solidFill>
+                </a:endParaRPr>
+              </a:p>
+            </p:txBody>
+          </p:sp>
+          <p:sp>
+            <p:nvSpPr>
+              <p:cNvPr id="46" name="Pie 45"/>
+              <p:cNvSpPr/>
+              <p:nvPr/>
+            </p:nvSpPr>
+            <p:spPr>
+              <a:xfrm rot="10632034">
+                <a:off x="4184834" y="606763"/>
+                <a:ext cx="5127122" cy="5020124"/>
+              </a:xfrm>
+              <a:prstGeom prst="pie">
+                <a:avLst>
+                  <a:gd name="adj1" fmla="val 20428"/>
+                  <a:gd name="adj2" fmla="val 4494618"/>
+                </a:avLst>
+              </a:prstGeom>
+              <a:solidFill>
                 <a:schemeClr val="bg1"/>
               </a:solidFill>
-              <a:ln w="22225">
+              <a:ln w="19050">
                 <a:noFill/>
                 <a:prstDash val="lgDash"/>
+              </a:ln>
+            </p:spPr>
+            <p:style>
+              <a:lnRef idx="2">
+                <a:schemeClr val="accent1">
+                  <a:shade val="50000"/>
+                </a:schemeClr>
+              </a:lnRef>
+              <a:fillRef idx="1">
+                <a:schemeClr val="accent1"/>
+              </a:fillRef>
+              <a:effectRef idx="0">
+                <a:schemeClr val="accent1"/>
+              </a:effectRef>
+              <a:fontRef idx="minor">
+                <a:schemeClr val="lt1"/>
+              </a:fontRef>
+            </p:style>
+            <p:txBody>
+              <a:bodyPr rtlCol="0" anchor="ctr"/>
+              <a:lstStyle/>
+              <a:p>
+                <a:pPr algn="ctr"/>
+                <a:endParaRPr lang="en-GB">
+                  <a:solidFill>
+                    <a:schemeClr val="tx1"/>
+                  </a:solidFill>
+                </a:endParaRPr>
+              </a:p>
+            </p:txBody>
+          </p:sp>
+          <p:grpSp>
+            <p:nvGrpSpPr>
+              <p:cNvPr id="47" name="Group 46"/>
+              <p:cNvGrpSpPr/>
+              <p:nvPr/>
+            </p:nvGrpSpPr>
+            <p:grpSpPr>
+              <a:xfrm>
+                <a:off x="4131211" y="2119085"/>
+                <a:ext cx="3482872" cy="1966674"/>
+                <a:chOff x="3579667" y="2409755"/>
+                <a:chExt cx="4844392" cy="2765978"/>
+              </a:xfrm>
+            </p:grpSpPr>
+            <p:sp>
+              <p:nvSpPr>
+                <p:cNvPr id="56" name="Rectangle 55"/>
+                <p:cNvSpPr/>
+                <p:nvPr/>
+              </p:nvSpPr>
+              <p:spPr>
+                <a:xfrm rot="2052924">
+                  <a:off x="3579667" y="2409755"/>
+                  <a:ext cx="3985147" cy="477672"/>
+                </a:xfrm>
+                <a:prstGeom prst="rect">
+                  <a:avLst/>
+                </a:prstGeom>
+              </p:spPr>
+              <p:style>
+                <a:lnRef idx="2">
+                  <a:schemeClr val="accent1">
+                    <a:shade val="50000"/>
+                  </a:schemeClr>
+                </a:lnRef>
+                <a:fillRef idx="1">
+                  <a:schemeClr val="accent1"/>
+                </a:fillRef>
+                <a:effectRef idx="0">
+                  <a:schemeClr val="accent1"/>
+                </a:effectRef>
+                <a:fontRef idx="minor">
+                  <a:schemeClr val="lt1"/>
+                </a:fontRef>
+              </p:style>
+              <p:txBody>
+                <a:bodyPr rtlCol="0" anchor="ctr"/>
+                <a:lstStyle/>
+                <a:p>
+                  <a:pPr algn="ctr"/>
+                  <a:endParaRPr lang="en-GB"/>
+                </a:p>
+              </p:txBody>
+            </p:sp>
+            <p:grpSp>
+              <p:nvGrpSpPr>
+                <p:cNvPr id="57" name="Group 56"/>
+                <p:cNvGrpSpPr/>
+                <p:nvPr/>
+              </p:nvGrpSpPr>
+              <p:grpSpPr>
+                <a:xfrm rot="18266766">
+                  <a:off x="6714882" y="3466555"/>
+                  <a:ext cx="2078238" cy="1340117"/>
+                  <a:chOff x="6418649" y="4442016"/>
+                  <a:chExt cx="2078238" cy="1340117"/>
+                </a:xfrm>
+              </p:grpSpPr>
+              <p:sp>
+                <p:nvSpPr>
+                  <p:cNvPr id="58" name="Rectangle 57"/>
+                  <p:cNvSpPr/>
+                  <p:nvPr/>
+                </p:nvSpPr>
+                <p:spPr>
+                  <a:xfrm>
+                    <a:off x="6432308" y="4445391"/>
+                    <a:ext cx="2064579" cy="45719"/>
+                  </a:xfrm>
+                  <a:prstGeom prst="rect">
+                    <a:avLst/>
+                  </a:prstGeom>
+                </p:spPr>
+                <p:style>
+                  <a:lnRef idx="2">
+                    <a:schemeClr val="accent1">
+                      <a:shade val="50000"/>
+                    </a:schemeClr>
+                  </a:lnRef>
+                  <a:fillRef idx="1">
+                    <a:schemeClr val="accent1"/>
+                  </a:fillRef>
+                  <a:effectRef idx="0">
+                    <a:schemeClr val="accent1"/>
+                  </a:effectRef>
+                  <a:fontRef idx="minor">
+                    <a:schemeClr val="lt1"/>
+                  </a:fontRef>
+                </p:style>
+                <p:txBody>
+                  <a:bodyPr rtlCol="0" anchor="ctr"/>
+                  <a:lstStyle/>
+                  <a:p>
+                    <a:pPr algn="ctr"/>
+                    <a:endParaRPr lang="en-GB"/>
+                  </a:p>
+                </p:txBody>
+              </p:sp>
+              <p:sp>
+                <p:nvSpPr>
+                  <p:cNvPr id="59" name="Rectangle 58"/>
+                  <p:cNvSpPr/>
+                  <p:nvPr/>
+                </p:nvSpPr>
+                <p:spPr>
+                  <a:xfrm rot="5400000" flipV="1">
+                    <a:off x="5780740" y="5079925"/>
+                    <a:ext cx="1340117" cy="64300"/>
+                  </a:xfrm>
+                  <a:prstGeom prst="rect">
+                    <a:avLst/>
+                  </a:prstGeom>
+                </p:spPr>
+                <p:style>
+                  <a:lnRef idx="2">
+                    <a:schemeClr val="accent1">
+                      <a:shade val="50000"/>
+                    </a:schemeClr>
+                  </a:lnRef>
+                  <a:fillRef idx="1">
+                    <a:schemeClr val="accent1"/>
+                  </a:fillRef>
+                  <a:effectRef idx="0">
+                    <a:schemeClr val="accent1"/>
+                  </a:effectRef>
+                  <a:fontRef idx="minor">
+                    <a:schemeClr val="lt1"/>
+                  </a:fontRef>
+                </p:style>
+                <p:txBody>
+                  <a:bodyPr rtlCol="0" anchor="ctr"/>
+                  <a:lstStyle/>
+                  <a:p>
+                    <a:pPr algn="ctr"/>
+                    <a:endParaRPr lang="en-GB"/>
+                  </a:p>
+                </p:txBody>
+              </p:sp>
+              <p:sp>
+                <p:nvSpPr>
+                  <p:cNvPr id="60" name="Rectangle 59"/>
+                  <p:cNvSpPr/>
+                  <p:nvPr/>
+                </p:nvSpPr>
+                <p:spPr>
+                  <a:xfrm rot="5400000" flipV="1">
+                    <a:off x="7813904" y="5103739"/>
+                    <a:ext cx="1289555" cy="64300"/>
+                  </a:xfrm>
+                  <a:prstGeom prst="rect">
+                    <a:avLst/>
+                  </a:prstGeom>
+                </p:spPr>
+                <p:style>
+                  <a:lnRef idx="2">
+                    <a:schemeClr val="accent1">
+                      <a:shade val="50000"/>
+                    </a:schemeClr>
+                  </a:lnRef>
+                  <a:fillRef idx="1">
+                    <a:schemeClr val="accent1"/>
+                  </a:fillRef>
+                  <a:effectRef idx="0">
+                    <a:schemeClr val="accent1"/>
+                  </a:effectRef>
+                  <a:fontRef idx="minor">
+                    <a:schemeClr val="lt1"/>
+                  </a:fontRef>
+                </p:style>
+                <p:txBody>
+                  <a:bodyPr rtlCol="0" anchor="ctr"/>
+                  <a:lstStyle/>
+                  <a:p>
+                    <a:pPr algn="ctr"/>
+                    <a:endParaRPr lang="en-GB"/>
+                  </a:p>
+                </p:txBody>
+              </p:sp>
+            </p:grpSp>
+          </p:grpSp>
+          <p:sp>
+            <p:nvSpPr>
+              <p:cNvPr id="48" name="TextBox 47"/>
+              <p:cNvSpPr txBox="1"/>
+              <p:nvPr/>
+            </p:nvSpPr>
+            <p:spPr>
+              <a:xfrm>
+                <a:off x="7415131" y="2366200"/>
+                <a:ext cx="625492" cy="369332"/>
+              </a:xfrm>
+              <a:prstGeom prst="rect">
+                <a:avLst/>
+              </a:prstGeom>
+              <a:noFill/>
+            </p:spPr>
+            <p:txBody>
+              <a:bodyPr wrap="none" rtlCol="0">
+                <a:spAutoFit/>
+              </a:bodyPr>
+              <a:lstStyle/>
+              <a:p>
+                <a:r>
+                  <a:rPr lang="en-GB" dirty="0" smtClean="0">
+                    <a:solidFill>
+                      <a:schemeClr val="accent5"/>
+                    </a:solidFill>
+                  </a:rPr>
+                  <a:t>Base</a:t>
+                </a:r>
+                <a:endParaRPr lang="en-GB" dirty="0">
+                  <a:solidFill>
+                    <a:schemeClr val="accent5"/>
+                  </a:solidFill>
+                </a:endParaRPr>
+              </a:p>
+            </p:txBody>
+          </p:sp>
+          <p:sp>
+            <p:nvSpPr>
+              <p:cNvPr id="49" name="TextBox 48"/>
+              <p:cNvSpPr txBox="1"/>
+              <p:nvPr/>
+            </p:nvSpPr>
+            <p:spPr>
+              <a:xfrm rot="1974035">
+                <a:off x="5350623" y="2156080"/>
+                <a:ext cx="582211" cy="369332"/>
+              </a:xfrm>
+              <a:prstGeom prst="rect">
+                <a:avLst/>
+              </a:prstGeom>
+              <a:noFill/>
+            </p:spPr>
+            <p:txBody>
+              <a:bodyPr wrap="none" rtlCol="0">
+                <a:spAutoFit/>
+              </a:bodyPr>
+              <a:lstStyle/>
+              <a:p>
+                <a:r>
+                  <a:rPr lang="en-GB" dirty="0" smtClean="0">
+                    <a:solidFill>
+                      <a:schemeClr val="bg1"/>
+                    </a:solidFill>
+                  </a:rPr>
+                  <a:t>Arm</a:t>
+                </a:r>
+                <a:endParaRPr lang="en-GB" dirty="0">
+                  <a:solidFill>
+                    <a:schemeClr val="bg1"/>
+                  </a:solidFill>
+                </a:endParaRPr>
+              </a:p>
+            </p:txBody>
+          </p:sp>
+          <p:sp>
+            <p:nvSpPr>
+              <p:cNvPr id="50" name="Oval 49"/>
+              <p:cNvSpPr>
+                <a:spLocks noChangeAspect="1"/>
+              </p:cNvSpPr>
+              <p:nvPr/>
+            </p:nvSpPr>
+            <p:spPr>
+              <a:xfrm>
+                <a:off x="4070163" y="4260171"/>
+                <a:ext cx="108000" cy="108000"/>
+              </a:xfrm>
+              <a:prstGeom prst="ellipse">
+                <a:avLst/>
+              </a:prstGeom>
+              <a:solidFill>
+                <a:schemeClr val="accent2"/>
+              </a:solidFill>
+              <a:ln>
+                <a:solidFill>
+                  <a:schemeClr val="accent2"/>
+                </a:solidFill>
+              </a:ln>
+            </p:spPr>
+            <p:style>
+              <a:lnRef idx="2">
+                <a:schemeClr val="accent1">
+                  <a:shade val="50000"/>
+                </a:schemeClr>
+              </a:lnRef>
+              <a:fillRef idx="1">
+                <a:schemeClr val="accent1"/>
+              </a:fillRef>
+              <a:effectRef idx="0">
+                <a:schemeClr val="accent1"/>
+              </a:effectRef>
+              <a:fontRef idx="minor">
+                <a:schemeClr val="lt1"/>
+              </a:fontRef>
+            </p:style>
+            <p:txBody>
+              <a:bodyPr rtlCol="0" anchor="ctr"/>
+              <a:lstStyle/>
+              <a:p>
+                <a:pPr algn="ctr"/>
+                <a:endParaRPr lang="en-GB"/>
+              </a:p>
+            </p:txBody>
+          </p:sp>
+          <p:sp>
+            <p:nvSpPr>
+              <p:cNvPr id="51" name="Oval 50"/>
+              <p:cNvSpPr>
+                <a:spLocks noChangeAspect="1"/>
+              </p:cNvSpPr>
+              <p:nvPr/>
+            </p:nvSpPr>
+            <p:spPr>
+              <a:xfrm>
+                <a:off x="3808535" y="3127755"/>
+                <a:ext cx="144000" cy="144000"/>
+              </a:xfrm>
+              <a:prstGeom prst="ellipse">
+                <a:avLst/>
+              </a:prstGeom>
+              <a:solidFill>
+                <a:schemeClr val="accent6">
+                  <a:lumMod val="75000"/>
+                </a:schemeClr>
+              </a:solidFill>
+              <a:ln>
+                <a:solidFill>
+                  <a:schemeClr val="accent6">
+                    <a:lumMod val="75000"/>
+                  </a:schemeClr>
+                </a:solidFill>
+              </a:ln>
+            </p:spPr>
+            <p:style>
+              <a:lnRef idx="2">
+                <a:schemeClr val="accent1">
+                  <a:shade val="50000"/>
+                </a:schemeClr>
+              </a:lnRef>
+              <a:fillRef idx="1">
+                <a:schemeClr val="accent1"/>
+              </a:fillRef>
+              <a:effectRef idx="0">
+                <a:schemeClr val="accent1"/>
+              </a:effectRef>
+              <a:fontRef idx="minor">
+                <a:schemeClr val="lt1"/>
+              </a:fontRef>
+            </p:style>
+            <p:txBody>
+              <a:bodyPr rtlCol="0" anchor="ctr"/>
+              <a:lstStyle/>
+              <a:p>
+                <a:pPr algn="ctr"/>
+                <a:endParaRPr lang="en-GB"/>
+              </a:p>
+            </p:txBody>
+          </p:sp>
+          <p:sp>
+            <p:nvSpPr>
+              <p:cNvPr id="52" name="Cross 51"/>
+              <p:cNvSpPr>
+                <a:spLocks noChangeAspect="1"/>
+              </p:cNvSpPr>
+              <p:nvPr/>
+            </p:nvSpPr>
+            <p:spPr>
+              <a:xfrm>
+                <a:off x="3736535" y="3055755"/>
+                <a:ext cx="288000" cy="288000"/>
+              </a:xfrm>
+              <a:prstGeom prst="plus">
+                <a:avLst>
+                  <a:gd name="adj" fmla="val 47222"/>
+                </a:avLst>
+              </a:prstGeom>
+              <a:solidFill>
+                <a:schemeClr val="accent6">
+                  <a:lumMod val="75000"/>
+                </a:schemeClr>
+              </a:solidFill>
+              <a:ln>
+                <a:solidFill>
+                  <a:schemeClr val="accent6">
+                    <a:lumMod val="75000"/>
+                  </a:schemeClr>
+                </a:solidFill>
+              </a:ln>
+            </p:spPr>
+            <p:style>
+              <a:lnRef idx="2">
+                <a:schemeClr val="accent1">
+                  <a:shade val="50000"/>
+                </a:schemeClr>
+              </a:lnRef>
+              <a:fillRef idx="1">
+                <a:schemeClr val="accent1"/>
+              </a:fillRef>
+              <a:effectRef idx="0">
+                <a:schemeClr val="accent1"/>
+              </a:effectRef>
+              <a:fontRef idx="minor">
+                <a:schemeClr val="lt1"/>
+              </a:fontRef>
+            </p:style>
+            <p:txBody>
+              <a:bodyPr rtlCol="0" anchor="ctr"/>
+              <a:lstStyle/>
+              <a:p>
+                <a:pPr algn="ctr"/>
+                <a:endParaRPr lang="en-GB"/>
+              </a:p>
+            </p:txBody>
+          </p:sp>
+          <p:cxnSp>
+            <p:nvCxnSpPr>
+              <p:cNvPr id="53" name="Straight Connector 52"/>
+              <p:cNvCxnSpPr>
+                <a:stCxn id="50" idx="0"/>
+              </p:cNvCxnSpPr>
+              <p:nvPr/>
+            </p:nvCxnSpPr>
+            <p:spPr>
+              <a:xfrm flipH="1" flipV="1">
+                <a:off x="3913447" y="3283241"/>
+                <a:ext cx="210716" cy="976930"/>
+              </a:xfrm>
+              <a:prstGeom prst="line">
+                <a:avLst/>
+              </a:prstGeom>
+              <a:ln w="19050">
+                <a:solidFill>
+                  <a:schemeClr val="accent1"/>
+                </a:solidFill>
+                <a:headEnd type="none"/>
+                <a:tailEnd type="triangle" w="lg" len="med"/>
+              </a:ln>
+            </p:spPr>
+            <p:style>
+              <a:lnRef idx="1">
+                <a:schemeClr val="accent1"/>
+              </a:lnRef>
+              <a:fillRef idx="0">
+                <a:schemeClr val="accent1"/>
+              </a:fillRef>
+              <a:effectRef idx="0">
+                <a:schemeClr val="accent1"/>
+              </a:effectRef>
+              <a:fontRef idx="minor">
+                <a:schemeClr val="tx1"/>
+              </a:fontRef>
+            </p:style>
+          </p:cxnSp>
+          <p:sp>
+            <p:nvSpPr>
+              <p:cNvPr id="54" name="TextBox 53"/>
+              <p:cNvSpPr txBox="1"/>
+              <p:nvPr/>
+            </p:nvSpPr>
+            <p:spPr>
+              <a:xfrm>
+                <a:off x="4108473" y="5844257"/>
+                <a:ext cx="5703157" cy="1015663"/>
+              </a:xfrm>
+              <a:prstGeom prst="rect">
+                <a:avLst/>
+              </a:prstGeom>
+              <a:noFill/>
+            </p:spPr>
+            <p:txBody>
+              <a:bodyPr wrap="square" rtlCol="0">
+                <a:spAutoFit/>
+              </a:bodyPr>
+              <a:lstStyle/>
+              <a:p>
+                <a:r>
+                  <a:rPr lang="en-GB" sz="3000" dirty="0" smtClean="0">
+                    <a:solidFill>
+                      <a:schemeClr val="accent5"/>
+                    </a:solidFill>
+                  </a:rPr>
+                  <a:t>Compromise, closest point, now achievable</a:t>
+                </a:r>
+                <a:endParaRPr lang="en-GB" sz="3000" dirty="0">
+                  <a:solidFill>
+                    <a:schemeClr val="accent5"/>
+                  </a:solidFill>
+                </a:endParaRPr>
+              </a:p>
+            </p:txBody>
+          </p:sp>
+          <p:pic>
+            <p:nvPicPr>
+              <p:cNvPr id="55" name="Picture 4" descr="http://www.clker.com/cliparts/2/k/n/l/C/Q/transparent-green-checkmark-hi.png"/>
+              <p:cNvPicPr>
+                <a:picLocks noChangeAspect="1" noChangeArrowheads="1"/>
+              </p:cNvPicPr>
+              <p:nvPr/>
+            </p:nvPicPr>
+            <p:blipFill>
+              <a:blip r:embed="rId2" cstate="print">
+                <a:extLst>
+                  <a:ext uri="{28A0092B-C50C-407E-A947-70E740481C1C}">
+                    <a14:useLocalDpi xmlns:a14="http://schemas.microsoft.com/office/drawing/2010/main" val="0"/>
+                  </a:ext>
+                </a:extLst>
+              </a:blip>
+              <a:srcRect/>
+              <a:stretch>
+                <a:fillRect/>
+              </a:stretch>
+            </p:blipFill>
+            <p:spPr bwMode="auto">
+              <a:xfrm>
+                <a:off x="3075381" y="2448963"/>
+                <a:ext cx="437778" cy="456210"/>
+              </a:xfrm>
+              <a:prstGeom prst="rect">
+                <a:avLst/>
+              </a:prstGeom>
+              <a:noFill/>
+              <a:extLst>
+                <a:ext uri="{909E8E84-426E-40DD-AFC4-6F175D3DCCD1}">
+                  <a14:hiddenFill xmlns:a14="http://schemas.microsoft.com/office/drawing/2010/main">
+                    <a:solidFill>
+                      <a:srgbClr val="FFFFFF"/>
+                    </a:solidFill>
+                  </a14:hiddenFill>
+                </a:ext>
+              </a:extLst>
+            </p:spPr>
+          </p:pic>
+        </p:grpSp>
+        <p:sp>
+          <p:nvSpPr>
+            <p:cNvPr id="70" name="Rectangle 69"/>
+            <p:cNvSpPr/>
+            <p:nvPr/>
+          </p:nvSpPr>
+          <p:spPr>
+            <a:xfrm rot="18238242">
+              <a:off x="6453221" y="2891021"/>
+              <a:ext cx="1384005" cy="930620"/>
+            </a:xfrm>
+            <a:prstGeom prst="rect">
+              <a:avLst/>
+            </a:prstGeom>
+            <a:pattFill prst="wdUpDiag">
+              <a:fgClr>
+                <a:schemeClr val="accent1"/>
+              </a:fgClr>
+              <a:bgClr>
+                <a:schemeClr val="bg1"/>
+              </a:bgClr>
+            </a:pattFill>
+            <a:ln>
+              <a:noFill/>
+            </a:ln>
+          </p:spPr>
+          <p:style>
+            <a:lnRef idx="2">
+              <a:schemeClr val="accent1">
+                <a:shade val="50000"/>
+              </a:schemeClr>
+            </a:lnRef>
+            <a:fillRef idx="1">
+              <a:schemeClr val="accent1"/>
+            </a:fillRef>
+            <a:effectRef idx="0">
+              <a:schemeClr val="accent1"/>
+            </a:effectRef>
+            <a:fontRef idx="minor">
+              <a:schemeClr val="lt1"/>
+            </a:fontRef>
+          </p:style>
+          <p:txBody>
+            <a:bodyPr rtlCol="0" anchor="ctr"/>
+            <a:lstStyle/>
+            <a:p>
+              <a:pPr algn="ctr"/>
+              <a:endParaRPr lang="en-GB"/>
+            </a:p>
+          </p:txBody>
+        </p:sp>
+        <p:sp>
+          <p:nvSpPr>
+            <p:cNvPr id="63" name="TextBox 62"/>
+            <p:cNvSpPr txBox="1"/>
+            <p:nvPr/>
+          </p:nvSpPr>
+          <p:spPr>
+            <a:xfrm>
+              <a:off x="4126481" y="445544"/>
+              <a:ext cx="580608" cy="707886"/>
+            </a:xfrm>
+            <a:prstGeom prst="rect">
+              <a:avLst/>
+            </a:prstGeom>
+            <a:noFill/>
+          </p:spPr>
+          <p:txBody>
+            <a:bodyPr wrap="none" rtlCol="0">
+              <a:spAutoFit/>
+            </a:bodyPr>
+            <a:lstStyle/>
+            <a:p>
+              <a:r>
+                <a:rPr lang="en-GB" sz="4000" b="1" dirty="0" smtClean="0">
+                  <a:solidFill>
+                    <a:schemeClr val="accent1"/>
+                  </a:solidFill>
+                </a:rPr>
+                <a:t>1.</a:t>
+              </a:r>
+              <a:endParaRPr lang="en-GB" sz="4000" b="1" dirty="0">
+                <a:solidFill>
+                  <a:schemeClr val="accent1"/>
+                </a:solidFill>
+              </a:endParaRPr>
+            </a:p>
+          </p:txBody>
+        </p:sp>
+        <p:sp>
+          <p:nvSpPr>
+            <p:cNvPr id="64" name="TextBox 63"/>
+            <p:cNvSpPr txBox="1"/>
+            <p:nvPr/>
+          </p:nvSpPr>
+          <p:spPr>
+            <a:xfrm>
+              <a:off x="10747905" y="478942"/>
+              <a:ext cx="580608" cy="707886"/>
+            </a:xfrm>
+            <a:prstGeom prst="rect">
+              <a:avLst/>
+            </a:prstGeom>
+            <a:noFill/>
+          </p:spPr>
+          <p:txBody>
+            <a:bodyPr wrap="none" rtlCol="0">
+              <a:spAutoFit/>
+            </a:bodyPr>
+            <a:lstStyle/>
+            <a:p>
+              <a:r>
+                <a:rPr lang="en-GB" sz="4000" b="1" dirty="0">
+                  <a:solidFill>
+                    <a:schemeClr val="accent1"/>
+                  </a:solidFill>
+                </a:rPr>
+                <a:t>2</a:t>
+              </a:r>
+              <a:r>
+                <a:rPr lang="en-GB" sz="4000" b="1" dirty="0" smtClean="0">
+                  <a:solidFill>
+                    <a:schemeClr val="accent1"/>
+                  </a:solidFill>
+                </a:rPr>
+                <a:t>.</a:t>
+              </a:r>
+              <a:endParaRPr lang="en-GB" sz="4000" b="1" dirty="0">
+                <a:solidFill>
+                  <a:schemeClr val="accent1"/>
+                </a:solidFill>
+              </a:endParaRPr>
+            </a:p>
+          </p:txBody>
+        </p:sp>
+        <p:sp>
+          <p:nvSpPr>
+            <p:cNvPr id="65" name="TextBox 64"/>
+            <p:cNvSpPr txBox="1"/>
+            <p:nvPr/>
+          </p:nvSpPr>
+          <p:spPr>
+            <a:xfrm>
+              <a:off x="17624822" y="445544"/>
+              <a:ext cx="580608" cy="707886"/>
+            </a:xfrm>
+            <a:prstGeom prst="rect">
+              <a:avLst/>
+            </a:prstGeom>
+            <a:noFill/>
+          </p:spPr>
+          <p:txBody>
+            <a:bodyPr wrap="none" rtlCol="0">
+              <a:spAutoFit/>
+            </a:bodyPr>
+            <a:lstStyle/>
+            <a:p>
+              <a:r>
+                <a:rPr lang="en-GB" sz="4000" b="1" dirty="0">
+                  <a:solidFill>
+                    <a:schemeClr val="accent1"/>
+                  </a:solidFill>
+                </a:rPr>
+                <a:t>3</a:t>
+              </a:r>
+              <a:r>
+                <a:rPr lang="en-GB" sz="4000" b="1" dirty="0" smtClean="0">
+                  <a:solidFill>
+                    <a:schemeClr val="accent1"/>
+                  </a:solidFill>
+                </a:rPr>
+                <a:t>.</a:t>
+              </a:r>
+              <a:endParaRPr lang="en-GB" sz="4000" b="1" dirty="0">
+                <a:solidFill>
+                  <a:schemeClr val="accent1"/>
+                </a:solidFill>
+              </a:endParaRPr>
+            </a:p>
+          </p:txBody>
+        </p:sp>
+        <p:sp>
+          <p:nvSpPr>
+            <p:cNvPr id="72" name="Rectangle 71"/>
+            <p:cNvSpPr/>
+            <p:nvPr/>
+          </p:nvSpPr>
+          <p:spPr>
+            <a:xfrm rot="18264910">
+              <a:off x="19974942" y="2976184"/>
+              <a:ext cx="1380575" cy="930620"/>
+            </a:xfrm>
+            <a:prstGeom prst="rect">
+              <a:avLst/>
+            </a:prstGeom>
+            <a:pattFill prst="wdUpDiag">
+              <a:fgClr>
+                <a:schemeClr val="accent1"/>
+              </a:fgClr>
+              <a:bgClr>
+                <a:schemeClr val="bg1"/>
+              </a:bgClr>
+            </a:pattFill>
+            <a:ln>
+              <a:noFill/>
+            </a:ln>
+          </p:spPr>
+          <p:style>
+            <a:lnRef idx="2">
+              <a:schemeClr val="accent1">
+                <a:shade val="50000"/>
+              </a:schemeClr>
+            </a:lnRef>
+            <a:fillRef idx="1">
+              <a:schemeClr val="accent1"/>
+            </a:fillRef>
+            <a:effectRef idx="0">
+              <a:schemeClr val="accent1"/>
+            </a:effectRef>
+            <a:fontRef idx="minor">
+              <a:schemeClr val="lt1"/>
+            </a:fontRef>
+          </p:style>
+          <p:txBody>
+            <a:bodyPr rtlCol="0" anchor="ctr"/>
+            <a:lstStyle/>
+            <a:p>
+              <a:pPr algn="ctr"/>
+              <a:endParaRPr lang="en-GB"/>
+            </a:p>
+          </p:txBody>
+        </p:sp>
+        <p:grpSp>
+          <p:nvGrpSpPr>
+            <p:cNvPr id="22" name="Group 21"/>
+            <p:cNvGrpSpPr/>
+            <p:nvPr/>
+          </p:nvGrpSpPr>
+          <p:grpSpPr>
+            <a:xfrm>
+              <a:off x="9600882" y="311794"/>
+              <a:ext cx="8134605" cy="6619369"/>
+              <a:chOff x="2977140" y="272658"/>
+              <a:chExt cx="8134605" cy="6619369"/>
+            </a:xfrm>
+          </p:grpSpPr>
+          <p:cxnSp>
+            <p:nvCxnSpPr>
+              <p:cNvPr id="32" name="Straight Connector 31"/>
+              <p:cNvCxnSpPr/>
+              <p:nvPr/>
+            </p:nvCxnSpPr>
+            <p:spPr>
+              <a:xfrm flipV="1">
+                <a:off x="2977140" y="4361498"/>
+                <a:ext cx="1088162" cy="511890"/>
+              </a:xfrm>
+              <a:prstGeom prst="line">
+                <a:avLst/>
+              </a:prstGeom>
+              <a:ln w="19050">
+                <a:headEnd type="none"/>
+                <a:tailEnd type="triangle" w="lg" len="med"/>
+              </a:ln>
+            </p:spPr>
+            <p:style>
+              <a:lnRef idx="1">
+                <a:schemeClr val="accent1"/>
+              </a:lnRef>
+              <a:fillRef idx="0">
+                <a:schemeClr val="accent1"/>
+              </a:fillRef>
+              <a:effectRef idx="0">
+                <a:schemeClr val="accent1"/>
+              </a:effectRef>
+              <a:fontRef idx="minor">
+                <a:schemeClr val="tx1"/>
+              </a:fontRef>
+            </p:style>
+          </p:cxnSp>
+          <p:grpSp>
+            <p:nvGrpSpPr>
+              <p:cNvPr id="23" name="Group 22"/>
+              <p:cNvGrpSpPr/>
+              <p:nvPr/>
+            </p:nvGrpSpPr>
+            <p:grpSpPr>
+              <a:xfrm>
+                <a:off x="3830633" y="312696"/>
+                <a:ext cx="5671389" cy="5566493"/>
+                <a:chOff x="6624633" y="1923288"/>
+                <a:chExt cx="5671389" cy="5566493"/>
+              </a:xfrm>
+            </p:grpSpPr>
+            <p:sp>
+              <p:nvSpPr>
+                <p:cNvPr id="40" name="Oval 39"/>
+                <p:cNvSpPr/>
+                <p:nvPr/>
+              </p:nvSpPr>
+              <p:spPr>
+                <a:xfrm>
+                  <a:off x="6624633" y="1923288"/>
+                  <a:ext cx="5671389" cy="5566493"/>
+                </a:xfrm>
+                <a:prstGeom prst="ellipse">
+                  <a:avLst/>
+                </a:prstGeom>
+                <a:solidFill>
+                  <a:schemeClr val="accent1">
+                    <a:lumMod val="40000"/>
+                    <a:lumOff val="60000"/>
+                  </a:schemeClr>
+                </a:solidFill>
+                <a:ln w="22225">
+                  <a:noFill/>
+                  <a:prstDash val="lgDash"/>
+                </a:ln>
+              </p:spPr>
+              <p:style>
+                <a:lnRef idx="2">
+                  <a:schemeClr val="accent1">
+                    <a:shade val="50000"/>
+                  </a:schemeClr>
+                </a:lnRef>
+                <a:fillRef idx="1">
+                  <a:schemeClr val="accent1"/>
+                </a:fillRef>
+                <a:effectRef idx="0">
+                  <a:schemeClr val="accent1"/>
+                </a:effectRef>
+                <a:fontRef idx="minor">
+                  <a:schemeClr val="lt1"/>
+                </a:fontRef>
+              </p:style>
+              <p:txBody>
+                <a:bodyPr rtlCol="0" anchor="ctr"/>
+                <a:lstStyle/>
+                <a:p>
+                  <a:pPr algn="ctr"/>
+                  <a:endParaRPr lang="en-GB"/>
+                </a:p>
+              </p:txBody>
+            </p:sp>
+            <p:sp>
+              <p:nvSpPr>
+                <p:cNvPr id="41" name="Oval 40"/>
+                <p:cNvSpPr>
+                  <a:spLocks noChangeAspect="1"/>
+                </p:cNvSpPr>
+                <p:nvPr/>
+              </p:nvSpPr>
+              <p:spPr>
+                <a:xfrm>
+                  <a:off x="6966194" y="2258534"/>
+                  <a:ext cx="4988268" cy="4896000"/>
+                </a:xfrm>
+                <a:prstGeom prst="ellipse">
+                  <a:avLst/>
+                </a:prstGeom>
+                <a:solidFill>
+                  <a:schemeClr val="bg1"/>
+                </a:solidFill>
+                <a:ln w="22225">
+                  <a:noFill/>
+                  <a:prstDash val="lgDash"/>
+                </a:ln>
+              </p:spPr>
+              <p:style>
+                <a:lnRef idx="2">
+                  <a:schemeClr val="accent1">
+                    <a:shade val="50000"/>
+                  </a:schemeClr>
+                </a:lnRef>
+                <a:fillRef idx="1">
+                  <a:schemeClr val="accent1"/>
+                </a:fillRef>
+                <a:effectRef idx="0">
+                  <a:schemeClr val="accent1"/>
+                </a:effectRef>
+                <a:fontRef idx="minor">
+                  <a:schemeClr val="lt1"/>
+                </a:fontRef>
+              </p:style>
+              <p:txBody>
+                <a:bodyPr rtlCol="0" anchor="ctr"/>
+                <a:lstStyle/>
+                <a:p>
+                  <a:pPr algn="ctr"/>
+                  <a:endParaRPr lang="en-GB"/>
+                </a:p>
+              </p:txBody>
+            </p:sp>
+          </p:grpSp>
+          <p:sp>
+            <p:nvSpPr>
+              <p:cNvPr id="24" name="Oval 23"/>
+              <p:cNvSpPr/>
+              <p:nvPr/>
+            </p:nvSpPr>
+            <p:spPr>
+              <a:xfrm>
+                <a:off x="3835468" y="311794"/>
+                <a:ext cx="5671389" cy="5566493"/>
+              </a:xfrm>
+              <a:prstGeom prst="ellipse">
+                <a:avLst/>
+              </a:prstGeom>
+              <a:noFill/>
+              <a:ln w="22225">
+                <a:solidFill>
+                  <a:schemeClr val="accent6"/>
+                </a:solidFill>
+                <a:prstDash val="lgDash"/>
+              </a:ln>
+            </p:spPr>
+            <p:style>
+              <a:lnRef idx="2">
+                <a:schemeClr val="accent1">
+                  <a:shade val="50000"/>
+                </a:schemeClr>
+              </a:lnRef>
+              <a:fillRef idx="1">
+                <a:schemeClr val="accent1"/>
+              </a:fillRef>
+              <a:effectRef idx="0">
+                <a:schemeClr val="accent1"/>
+              </a:effectRef>
+              <a:fontRef idx="minor">
+                <a:schemeClr val="lt1"/>
+              </a:fontRef>
+            </p:style>
+            <p:txBody>
+              <a:bodyPr rtlCol="0" anchor="ctr"/>
+              <a:lstStyle/>
+              <a:p>
+                <a:pPr algn="ctr"/>
+                <a:endParaRPr lang="en-GB"/>
+              </a:p>
+            </p:txBody>
+          </p:sp>
+          <p:sp>
+            <p:nvSpPr>
+              <p:cNvPr id="25" name="Pie 24"/>
+              <p:cNvSpPr/>
+              <p:nvPr/>
+            </p:nvSpPr>
+            <p:spPr>
+              <a:xfrm rot="10632034">
+                <a:off x="3831113" y="272658"/>
+                <a:ext cx="5857804" cy="5688335"/>
+              </a:xfrm>
+              <a:prstGeom prst="pie">
+                <a:avLst>
+                  <a:gd name="adj1" fmla="val 0"/>
+                  <a:gd name="adj2" fmla="val 4494618"/>
+                </a:avLst>
+              </a:prstGeom>
+              <a:solidFill>
+                <a:schemeClr val="accent6">
+                  <a:lumMod val="40000"/>
+                  <a:lumOff val="60000"/>
+                </a:schemeClr>
+              </a:solidFill>
+              <a:ln w="19050">
+                <a:prstDash val="lgDash"/>
+              </a:ln>
+            </p:spPr>
+            <p:style>
+              <a:lnRef idx="2">
+                <a:schemeClr val="accent1">
+                  <a:shade val="50000"/>
+                </a:schemeClr>
+              </a:lnRef>
+              <a:fillRef idx="1">
+                <a:schemeClr val="accent1"/>
+              </a:fillRef>
+              <a:effectRef idx="0">
+                <a:schemeClr val="accent1"/>
+              </a:effectRef>
+              <a:fontRef idx="minor">
+                <a:schemeClr val="lt1"/>
+              </a:fontRef>
+            </p:style>
+            <p:txBody>
+              <a:bodyPr rtlCol="0" anchor="ctr"/>
+              <a:lstStyle/>
+              <a:p>
+                <a:pPr algn="ctr"/>
+                <a:endParaRPr lang="en-GB">
+                  <a:solidFill>
+                    <a:schemeClr val="tx1"/>
+                  </a:solidFill>
+                </a:endParaRPr>
+              </a:p>
+            </p:txBody>
+          </p:sp>
+          <p:sp>
+            <p:nvSpPr>
+              <p:cNvPr id="26" name="Pie 25"/>
+              <p:cNvSpPr/>
+              <p:nvPr/>
+            </p:nvSpPr>
+            <p:spPr>
+              <a:xfrm rot="10632034">
+                <a:off x="4184834" y="606763"/>
+                <a:ext cx="5127122" cy="5020124"/>
+              </a:xfrm>
+              <a:prstGeom prst="pie">
+                <a:avLst>
+                  <a:gd name="adj1" fmla="val 20428"/>
+                  <a:gd name="adj2" fmla="val 4494618"/>
+                </a:avLst>
+              </a:prstGeom>
+              <a:solidFill>
+                <a:schemeClr val="bg1"/>
+              </a:solidFill>
+              <a:ln w="19050">
+                <a:noFill/>
+                <a:prstDash val="lgDash"/>
+              </a:ln>
+            </p:spPr>
+            <p:style>
+              <a:lnRef idx="2">
+                <a:schemeClr val="accent1">
+                  <a:shade val="50000"/>
+                </a:schemeClr>
+              </a:lnRef>
+              <a:fillRef idx="1">
+                <a:schemeClr val="accent1"/>
+              </a:fillRef>
+              <a:effectRef idx="0">
+                <a:schemeClr val="accent1"/>
+              </a:effectRef>
+              <a:fontRef idx="minor">
+                <a:schemeClr val="lt1"/>
+              </a:fontRef>
+            </p:style>
+            <p:txBody>
+              <a:bodyPr rtlCol="0" anchor="ctr"/>
+              <a:lstStyle/>
+              <a:p>
+                <a:pPr algn="ctr"/>
+                <a:endParaRPr lang="en-GB">
+                  <a:solidFill>
+                    <a:schemeClr val="tx1"/>
+                  </a:solidFill>
+                </a:endParaRPr>
+              </a:p>
+            </p:txBody>
+          </p:sp>
+          <p:grpSp>
+            <p:nvGrpSpPr>
+              <p:cNvPr id="27" name="Group 26"/>
+              <p:cNvGrpSpPr/>
+              <p:nvPr/>
+            </p:nvGrpSpPr>
+            <p:grpSpPr>
+              <a:xfrm>
+                <a:off x="4131211" y="2119085"/>
+                <a:ext cx="3505216" cy="1973525"/>
+                <a:chOff x="3579667" y="2409755"/>
+                <a:chExt cx="4875470" cy="2775613"/>
+              </a:xfrm>
+            </p:grpSpPr>
+            <p:sp>
+              <p:nvSpPr>
+                <p:cNvPr id="35" name="Rectangle 34"/>
+                <p:cNvSpPr/>
+                <p:nvPr/>
+              </p:nvSpPr>
+              <p:spPr>
+                <a:xfrm rot="2052924">
+                  <a:off x="3579667" y="2409755"/>
+                  <a:ext cx="3985147" cy="477672"/>
+                </a:xfrm>
+                <a:prstGeom prst="rect">
+                  <a:avLst/>
+                </a:prstGeom>
+              </p:spPr>
+              <p:style>
+                <a:lnRef idx="2">
+                  <a:schemeClr val="accent1">
+                    <a:shade val="50000"/>
+                  </a:schemeClr>
+                </a:lnRef>
+                <a:fillRef idx="1">
+                  <a:schemeClr val="accent1"/>
+                </a:fillRef>
+                <a:effectRef idx="0">
+                  <a:schemeClr val="accent1"/>
+                </a:effectRef>
+                <a:fontRef idx="minor">
+                  <a:schemeClr val="lt1"/>
+                </a:fontRef>
+              </p:style>
+              <p:txBody>
+                <a:bodyPr rtlCol="0" anchor="ctr"/>
+                <a:lstStyle/>
+                <a:p>
+                  <a:pPr algn="ctr"/>
+                  <a:endParaRPr lang="en-GB"/>
+                </a:p>
+              </p:txBody>
+            </p:sp>
+            <p:grpSp>
+              <p:nvGrpSpPr>
+                <p:cNvPr id="36" name="Group 35"/>
+                <p:cNvGrpSpPr/>
+                <p:nvPr/>
+              </p:nvGrpSpPr>
+              <p:grpSpPr>
+                <a:xfrm rot="18266766">
+                  <a:off x="6728926" y="3459157"/>
+                  <a:ext cx="2078240" cy="1374182"/>
+                  <a:chOff x="6418647" y="4442016"/>
+                  <a:chExt cx="2078240" cy="1374182"/>
+                </a:xfrm>
+              </p:grpSpPr>
+              <p:sp>
+                <p:nvSpPr>
+                  <p:cNvPr id="37" name="Rectangle 36"/>
+                  <p:cNvSpPr/>
+                  <p:nvPr/>
+                </p:nvSpPr>
+                <p:spPr>
+                  <a:xfrm>
+                    <a:off x="6432308" y="4445391"/>
+                    <a:ext cx="2064579" cy="45719"/>
+                  </a:xfrm>
+                  <a:prstGeom prst="rect">
+                    <a:avLst/>
+                  </a:prstGeom>
+                </p:spPr>
+                <p:style>
+                  <a:lnRef idx="2">
+                    <a:schemeClr val="accent1">
+                      <a:shade val="50000"/>
+                    </a:schemeClr>
+                  </a:lnRef>
+                  <a:fillRef idx="1">
+                    <a:schemeClr val="accent1"/>
+                  </a:fillRef>
+                  <a:effectRef idx="0">
+                    <a:schemeClr val="accent1"/>
+                  </a:effectRef>
+                  <a:fontRef idx="minor">
+                    <a:schemeClr val="lt1"/>
+                  </a:fontRef>
+                </p:style>
+                <p:txBody>
+                  <a:bodyPr rtlCol="0" anchor="ctr"/>
+                  <a:lstStyle/>
+                  <a:p>
+                    <a:pPr algn="ctr"/>
+                    <a:endParaRPr lang="en-GB"/>
+                  </a:p>
+                </p:txBody>
+              </p:sp>
+              <p:sp>
+                <p:nvSpPr>
+                  <p:cNvPr id="38" name="Rectangle 37"/>
+                  <p:cNvSpPr/>
+                  <p:nvPr/>
+                </p:nvSpPr>
+                <p:spPr>
+                  <a:xfrm rot="5400000" flipV="1">
+                    <a:off x="5763706" y="5096957"/>
+                    <a:ext cx="1374182" cy="64300"/>
+                  </a:xfrm>
+                  <a:prstGeom prst="rect">
+                    <a:avLst/>
+                  </a:prstGeom>
+                </p:spPr>
+                <p:style>
+                  <a:lnRef idx="2">
+                    <a:schemeClr val="accent1">
+                      <a:shade val="50000"/>
+                    </a:schemeClr>
+                  </a:lnRef>
+                  <a:fillRef idx="1">
+                    <a:schemeClr val="accent1"/>
+                  </a:fillRef>
+                  <a:effectRef idx="0">
+                    <a:schemeClr val="accent1"/>
+                  </a:effectRef>
+                  <a:fontRef idx="minor">
+                    <a:schemeClr val="lt1"/>
+                  </a:fontRef>
+                </p:style>
+                <p:txBody>
+                  <a:bodyPr rtlCol="0" anchor="ctr"/>
+                  <a:lstStyle/>
+                  <a:p>
+                    <a:pPr algn="ctr"/>
+                    <a:endParaRPr lang="en-GB"/>
+                  </a:p>
+                </p:txBody>
+              </p:sp>
+              <p:sp>
+                <p:nvSpPr>
+                  <p:cNvPr id="39" name="Rectangle 38"/>
+                  <p:cNvSpPr/>
+                  <p:nvPr/>
+                </p:nvSpPr>
+                <p:spPr>
+                  <a:xfrm rot="5400000" flipV="1">
+                    <a:off x="7810694" y="5106947"/>
+                    <a:ext cx="1295973" cy="64300"/>
+                  </a:xfrm>
+                  <a:prstGeom prst="rect">
+                    <a:avLst/>
+                  </a:prstGeom>
+                </p:spPr>
+                <p:style>
+                  <a:lnRef idx="2">
+                    <a:schemeClr val="accent1">
+                      <a:shade val="50000"/>
+                    </a:schemeClr>
+                  </a:lnRef>
+                  <a:fillRef idx="1">
+                    <a:schemeClr val="accent1"/>
+                  </a:fillRef>
+                  <a:effectRef idx="0">
+                    <a:schemeClr val="accent1"/>
+                  </a:effectRef>
+                  <a:fontRef idx="minor">
+                    <a:schemeClr val="lt1"/>
+                  </a:fontRef>
+                </p:style>
+                <p:txBody>
+                  <a:bodyPr rtlCol="0" anchor="ctr"/>
+                  <a:lstStyle/>
+                  <a:p>
+                    <a:pPr algn="ctr"/>
+                    <a:endParaRPr lang="en-GB"/>
+                  </a:p>
+                </p:txBody>
+              </p:sp>
+            </p:grpSp>
+          </p:grpSp>
+          <p:sp>
+            <p:nvSpPr>
+              <p:cNvPr id="28" name="TextBox 27"/>
+              <p:cNvSpPr txBox="1"/>
+              <p:nvPr/>
+            </p:nvSpPr>
+            <p:spPr>
+              <a:xfrm>
+                <a:off x="7415131" y="2366200"/>
+                <a:ext cx="625492" cy="369332"/>
+              </a:xfrm>
+              <a:prstGeom prst="rect">
+                <a:avLst/>
+              </a:prstGeom>
+              <a:noFill/>
+            </p:spPr>
+            <p:txBody>
+              <a:bodyPr wrap="none" rtlCol="0">
+                <a:spAutoFit/>
+              </a:bodyPr>
+              <a:lstStyle/>
+              <a:p>
+                <a:r>
+                  <a:rPr lang="en-GB" dirty="0" smtClean="0">
+                    <a:solidFill>
+                      <a:schemeClr val="accent5"/>
+                    </a:solidFill>
+                  </a:rPr>
+                  <a:t>Base</a:t>
+                </a:r>
+                <a:endParaRPr lang="en-GB" dirty="0">
+                  <a:solidFill>
+                    <a:schemeClr val="accent5"/>
+                  </a:solidFill>
+                </a:endParaRPr>
+              </a:p>
+            </p:txBody>
+          </p:sp>
+          <p:sp>
+            <p:nvSpPr>
+              <p:cNvPr id="29" name="TextBox 28"/>
+              <p:cNvSpPr txBox="1"/>
+              <p:nvPr/>
+            </p:nvSpPr>
+            <p:spPr>
+              <a:xfrm rot="1974035">
+                <a:off x="5350623" y="2156080"/>
+                <a:ext cx="582211" cy="369332"/>
+              </a:xfrm>
+              <a:prstGeom prst="rect">
+                <a:avLst/>
+              </a:prstGeom>
+              <a:noFill/>
+            </p:spPr>
+            <p:txBody>
+              <a:bodyPr wrap="none" rtlCol="0">
+                <a:spAutoFit/>
+              </a:bodyPr>
+              <a:lstStyle/>
+              <a:p>
+                <a:r>
+                  <a:rPr lang="en-GB" dirty="0" smtClean="0">
+                    <a:solidFill>
+                      <a:schemeClr val="bg1"/>
+                    </a:solidFill>
+                  </a:rPr>
+                  <a:t>Arm</a:t>
+                </a:r>
+                <a:endParaRPr lang="en-GB" dirty="0">
+                  <a:solidFill>
+                    <a:schemeClr val="bg1"/>
+                  </a:solidFill>
+                </a:endParaRPr>
+              </a:p>
+            </p:txBody>
+          </p:sp>
+          <p:cxnSp>
+            <p:nvCxnSpPr>
+              <p:cNvPr id="31" name="Straight Connector 30"/>
+              <p:cNvCxnSpPr/>
+              <p:nvPr/>
+            </p:nvCxnSpPr>
+            <p:spPr>
+              <a:xfrm flipV="1">
+                <a:off x="2986280" y="3099743"/>
+                <a:ext cx="3767887" cy="1773396"/>
+              </a:xfrm>
+              <a:prstGeom prst="line">
+                <a:avLst/>
+              </a:prstGeom>
+              <a:ln w="3175">
+                <a:solidFill>
+                  <a:schemeClr val="tx1"/>
+                </a:solidFill>
+                <a:prstDash val="sysDash"/>
+                <a:headEnd type="none" w="med" len="med"/>
+                <a:tailEnd type="oval" w="lg" len="lg"/>
+              </a:ln>
+            </p:spPr>
+            <p:style>
+              <a:lnRef idx="1">
+                <a:schemeClr val="accent1"/>
+              </a:lnRef>
+              <a:fillRef idx="0">
+                <a:schemeClr val="accent1"/>
+              </a:fillRef>
+              <a:effectRef idx="0">
+                <a:schemeClr val="accent1"/>
+              </a:effectRef>
+              <a:fontRef idx="minor">
+                <a:schemeClr val="tx1"/>
+              </a:fontRef>
+            </p:style>
+          </p:cxnSp>
+          <p:sp>
+            <p:nvSpPr>
+              <p:cNvPr id="33" name="TextBox 32"/>
+              <p:cNvSpPr txBox="1"/>
+              <p:nvPr/>
+            </p:nvSpPr>
+            <p:spPr>
+              <a:xfrm>
+                <a:off x="4035132" y="5876364"/>
+                <a:ext cx="6596838" cy="1015663"/>
+              </a:xfrm>
+              <a:prstGeom prst="rect">
+                <a:avLst/>
+              </a:prstGeom>
+              <a:noFill/>
+            </p:spPr>
+            <p:txBody>
+              <a:bodyPr wrap="square" rtlCol="0">
+                <a:spAutoFit/>
+              </a:bodyPr>
+              <a:lstStyle/>
+              <a:p>
+                <a:r>
+                  <a:rPr lang="en-GB" sz="3000" dirty="0" smtClean="0">
+                    <a:solidFill>
+                      <a:schemeClr val="accent5"/>
+                    </a:solidFill>
+                  </a:rPr>
+                  <a:t>New equivalent shifted point, still disregarded</a:t>
+                </a:r>
+                <a:endParaRPr lang="en-GB" sz="3000" dirty="0">
+                  <a:solidFill>
+                    <a:schemeClr val="accent5"/>
+                  </a:solidFill>
+                </a:endParaRPr>
+              </a:p>
+            </p:txBody>
+          </p:sp>
+          <p:sp>
+            <p:nvSpPr>
+              <p:cNvPr id="34" name="Oval 33"/>
+              <p:cNvSpPr>
+                <a:spLocks noChangeAspect="1"/>
+              </p:cNvSpPr>
+              <p:nvPr/>
+            </p:nvSpPr>
+            <p:spPr>
+              <a:xfrm>
+                <a:off x="4039478" y="4247859"/>
+                <a:ext cx="177679" cy="177679"/>
+              </a:xfrm>
+              <a:prstGeom prst="ellipse">
+                <a:avLst/>
+              </a:prstGeom>
+              <a:solidFill>
+                <a:schemeClr val="accent2"/>
+              </a:solidFill>
+              <a:ln>
+                <a:solidFill>
+                  <a:schemeClr val="accent2"/>
+                </a:solidFill>
+              </a:ln>
+            </p:spPr>
+            <p:style>
+              <a:lnRef idx="2">
+                <a:schemeClr val="accent1">
+                  <a:shade val="50000"/>
+                </a:schemeClr>
+              </a:lnRef>
+              <a:fillRef idx="1">
+                <a:schemeClr val="accent1"/>
+              </a:fillRef>
+              <a:effectRef idx="0">
+                <a:schemeClr val="accent1"/>
+              </a:effectRef>
+              <a:fontRef idx="minor">
+                <a:schemeClr val="lt1"/>
+              </a:fontRef>
+            </p:style>
+            <p:txBody>
+              <a:bodyPr rtlCol="0" anchor="ctr"/>
+              <a:lstStyle/>
+              <a:p>
+                <a:pPr algn="ctr"/>
+                <a:endParaRPr lang="en-GB"/>
+              </a:p>
+            </p:txBody>
+          </p:sp>
+          <p:sp>
+            <p:nvSpPr>
+              <p:cNvPr id="68" name="Oval 67"/>
+              <p:cNvSpPr>
+                <a:spLocks noChangeAspect="1"/>
+              </p:cNvSpPr>
+              <p:nvPr/>
+            </p:nvSpPr>
+            <p:spPr>
+              <a:xfrm>
+                <a:off x="10934066" y="4279389"/>
+                <a:ext cx="177679" cy="177679"/>
+              </a:xfrm>
+              <a:prstGeom prst="ellipse">
+                <a:avLst/>
+              </a:prstGeom>
+              <a:solidFill>
+                <a:schemeClr val="accent2"/>
+              </a:solidFill>
+              <a:ln>
+                <a:solidFill>
+                  <a:schemeClr val="accent2"/>
+                </a:solidFill>
               </a:ln>
             </p:spPr>
             <p:style>
@@ -3103,2399 +5540,28 @@
         </p:grpSp>
         <p:sp>
           <p:nvSpPr>
-            <p:cNvPr id="6" name="Oval 5"/>
+            <p:cNvPr id="71" name="Rectangle 70"/>
             <p:cNvSpPr/>
             <p:nvPr/>
           </p:nvSpPr>
           <p:spPr>
-            <a:xfrm>
-              <a:off x="3835468" y="311794"/>
-              <a:ext cx="5671389" cy="5566493"/>
-            </a:xfrm>
-            <a:prstGeom prst="ellipse">
-              <a:avLst/>
-            </a:prstGeom>
-            <a:noFill/>
-            <a:ln w="22225">
-              <a:solidFill>
-                <a:schemeClr val="accent6"/>
-              </a:solidFill>
-              <a:prstDash val="lgDash"/>
-            </a:ln>
-          </p:spPr>
-          <p:style>
-            <a:lnRef idx="2">
-              <a:schemeClr val="accent1">
-                <a:shade val="50000"/>
-              </a:schemeClr>
-            </a:lnRef>
-            <a:fillRef idx="1">
-              <a:schemeClr val="accent1"/>
-            </a:fillRef>
-            <a:effectRef idx="0">
-              <a:schemeClr val="accent1"/>
-            </a:effectRef>
-            <a:fontRef idx="minor">
-              <a:schemeClr val="lt1"/>
-            </a:fontRef>
-          </p:style>
-          <p:txBody>
-            <a:bodyPr rtlCol="0" anchor="ctr"/>
-            <a:lstStyle/>
-            <a:p>
-              <a:pPr algn="ctr"/>
-              <a:endParaRPr lang="en-GB"/>
-            </a:p>
-          </p:txBody>
-        </p:sp>
-        <p:sp>
-          <p:nvSpPr>
-            <p:cNvPr id="7" name="Pie 6"/>
-            <p:cNvSpPr/>
-            <p:nvPr/>
-          </p:nvSpPr>
-          <p:spPr>
-            <a:xfrm rot="10632034">
-              <a:off x="3831113" y="272658"/>
-              <a:ext cx="5857804" cy="5688335"/>
-            </a:xfrm>
-            <a:prstGeom prst="pie">
-              <a:avLst>
-                <a:gd name="adj1" fmla="val 0"/>
-                <a:gd name="adj2" fmla="val 4494618"/>
-              </a:avLst>
-            </a:prstGeom>
-            <a:solidFill>
-              <a:schemeClr val="accent6">
-                <a:lumMod val="40000"/>
-                <a:lumOff val="60000"/>
-              </a:schemeClr>
-            </a:solidFill>
-            <a:ln w="19050">
-              <a:prstDash val="lgDash"/>
-            </a:ln>
-          </p:spPr>
-          <p:style>
-            <a:lnRef idx="2">
-              <a:schemeClr val="accent1">
-                <a:shade val="50000"/>
-              </a:schemeClr>
-            </a:lnRef>
-            <a:fillRef idx="1">
-              <a:schemeClr val="accent1"/>
-            </a:fillRef>
-            <a:effectRef idx="0">
-              <a:schemeClr val="accent1"/>
-            </a:effectRef>
-            <a:fontRef idx="minor">
-              <a:schemeClr val="lt1"/>
-            </a:fontRef>
-          </p:style>
-          <p:txBody>
-            <a:bodyPr rtlCol="0" anchor="ctr"/>
-            <a:lstStyle/>
-            <a:p>
-              <a:pPr algn="ctr"/>
-              <a:endParaRPr lang="en-GB">
-                <a:solidFill>
-                  <a:schemeClr val="tx1"/>
-                </a:solidFill>
-              </a:endParaRPr>
-            </a:p>
-          </p:txBody>
-        </p:sp>
-        <p:sp>
-          <p:nvSpPr>
-            <p:cNvPr id="8" name="Pie 7"/>
-            <p:cNvSpPr/>
-            <p:nvPr/>
-          </p:nvSpPr>
-          <p:spPr>
-            <a:xfrm rot="10632034">
-              <a:off x="4184834" y="606763"/>
-              <a:ext cx="5127122" cy="5020124"/>
-            </a:xfrm>
-            <a:prstGeom prst="pie">
-              <a:avLst>
-                <a:gd name="adj1" fmla="val 20428"/>
-                <a:gd name="adj2" fmla="val 4494618"/>
-              </a:avLst>
-            </a:prstGeom>
-            <a:solidFill>
-              <a:schemeClr val="bg1"/>
-            </a:solidFill>
-            <a:ln w="19050">
-              <a:noFill/>
-              <a:prstDash val="lgDash"/>
-            </a:ln>
-          </p:spPr>
-          <p:style>
-            <a:lnRef idx="2">
-              <a:schemeClr val="accent1">
-                <a:shade val="50000"/>
-              </a:schemeClr>
-            </a:lnRef>
-            <a:fillRef idx="1">
-              <a:schemeClr val="accent1"/>
-            </a:fillRef>
-            <a:effectRef idx="0">
-              <a:schemeClr val="accent1"/>
-            </a:effectRef>
-            <a:fontRef idx="minor">
-              <a:schemeClr val="lt1"/>
-            </a:fontRef>
-          </p:style>
-          <p:txBody>
-            <a:bodyPr rtlCol="0" anchor="ctr"/>
-            <a:lstStyle/>
-            <a:p>
-              <a:pPr algn="ctr"/>
-              <a:endParaRPr lang="en-GB">
-                <a:solidFill>
-                  <a:schemeClr val="tx1"/>
-                </a:solidFill>
-              </a:endParaRPr>
-            </a:p>
-          </p:txBody>
-        </p:sp>
-        <p:grpSp>
-          <p:nvGrpSpPr>
-            <p:cNvPr id="9" name="Group 8"/>
-            <p:cNvGrpSpPr/>
-            <p:nvPr/>
-          </p:nvGrpSpPr>
-          <p:grpSpPr>
-            <a:xfrm>
-              <a:off x="4131211" y="2119085"/>
-              <a:ext cx="3485408" cy="1967453"/>
-              <a:chOff x="3579667" y="2409755"/>
-              <a:chExt cx="4847919" cy="2767073"/>
-            </a:xfrm>
-          </p:grpSpPr>
-          <p:sp>
-            <p:nvSpPr>
-              <p:cNvPr id="15" name="Rectangle 14"/>
-              <p:cNvSpPr/>
-              <p:nvPr/>
-            </p:nvSpPr>
-            <p:spPr>
-              <a:xfrm rot="2052924">
-                <a:off x="3579667" y="2409755"/>
-                <a:ext cx="3985147" cy="477672"/>
-              </a:xfrm>
-              <a:prstGeom prst="rect">
-                <a:avLst/>
-              </a:prstGeom>
-            </p:spPr>
-            <p:style>
-              <a:lnRef idx="2">
-                <a:schemeClr val="accent1">
-                  <a:shade val="50000"/>
-                </a:schemeClr>
-              </a:lnRef>
-              <a:fillRef idx="1">
-                <a:schemeClr val="accent1"/>
-              </a:fillRef>
-              <a:effectRef idx="0">
-                <a:schemeClr val="accent1"/>
-              </a:effectRef>
-              <a:fontRef idx="minor">
-                <a:schemeClr val="lt1"/>
-              </a:fontRef>
-            </p:style>
-            <p:txBody>
-              <a:bodyPr rtlCol="0" anchor="ctr"/>
-              <a:lstStyle/>
-              <a:p>
-                <a:pPr algn="ctr"/>
-                <a:endParaRPr lang="en-GB"/>
-              </a:p>
-            </p:txBody>
-          </p:sp>
-          <p:grpSp>
-            <p:nvGrpSpPr>
-              <p:cNvPr id="16" name="Group 15"/>
-              <p:cNvGrpSpPr/>
-              <p:nvPr/>
-            </p:nvGrpSpPr>
-            <p:grpSpPr>
-              <a:xfrm rot="18266766">
-                <a:off x="6716474" y="3465715"/>
-                <a:ext cx="2078240" cy="1343985"/>
-                <a:chOff x="6418647" y="4442015"/>
-                <a:chExt cx="2078240" cy="1343985"/>
-              </a:xfrm>
-            </p:grpSpPr>
-            <p:sp>
-              <p:nvSpPr>
-                <p:cNvPr id="18" name="Rectangle 17"/>
-                <p:cNvSpPr/>
-                <p:nvPr/>
-              </p:nvSpPr>
-              <p:spPr>
-                <a:xfrm rot="5400000" flipV="1">
-                  <a:off x="5778804" y="5081858"/>
-                  <a:ext cx="1343985" cy="64300"/>
-                </a:xfrm>
-                <a:prstGeom prst="rect">
-                  <a:avLst/>
-                </a:prstGeom>
-              </p:spPr>
-              <p:style>
-                <a:lnRef idx="2">
-                  <a:schemeClr val="accent1">
-                    <a:shade val="50000"/>
-                  </a:schemeClr>
-                </a:lnRef>
-                <a:fillRef idx="1">
-                  <a:schemeClr val="accent1"/>
-                </a:fillRef>
-                <a:effectRef idx="0">
-                  <a:schemeClr val="accent1"/>
-                </a:effectRef>
-                <a:fontRef idx="minor">
-                  <a:schemeClr val="lt1"/>
-                </a:fontRef>
-              </p:style>
-              <p:txBody>
-                <a:bodyPr rtlCol="0" anchor="ctr"/>
-                <a:lstStyle/>
-                <a:p>
-                  <a:pPr algn="ctr"/>
-                  <a:endParaRPr lang="en-GB"/>
-                </a:p>
-              </p:txBody>
-            </p:sp>
-            <p:sp>
-              <p:nvSpPr>
-                <p:cNvPr id="17" name="Rectangle 16"/>
-                <p:cNvSpPr/>
-                <p:nvPr/>
-              </p:nvSpPr>
-              <p:spPr>
-                <a:xfrm>
-                  <a:off x="6432308" y="4445391"/>
-                  <a:ext cx="2064579" cy="45719"/>
-                </a:xfrm>
-                <a:prstGeom prst="rect">
-                  <a:avLst/>
-                </a:prstGeom>
-              </p:spPr>
-              <p:style>
-                <a:lnRef idx="2">
-                  <a:schemeClr val="accent1">
-                    <a:shade val="50000"/>
-                  </a:schemeClr>
-                </a:lnRef>
-                <a:fillRef idx="1">
-                  <a:schemeClr val="accent1"/>
-                </a:fillRef>
-                <a:effectRef idx="0">
-                  <a:schemeClr val="accent1"/>
-                </a:effectRef>
-                <a:fontRef idx="minor">
-                  <a:schemeClr val="lt1"/>
-                </a:fontRef>
-              </p:style>
-              <p:txBody>
-                <a:bodyPr rtlCol="0" anchor="ctr"/>
-                <a:lstStyle/>
-                <a:p>
-                  <a:pPr algn="ctr"/>
-                  <a:endParaRPr lang="en-GB"/>
-                </a:p>
-              </p:txBody>
-            </p:sp>
-            <p:sp>
-              <p:nvSpPr>
-                <p:cNvPr id="19" name="Rectangle 18"/>
-                <p:cNvSpPr/>
-                <p:nvPr/>
-              </p:nvSpPr>
-              <p:spPr>
-                <a:xfrm rot="5400000" flipV="1">
-                  <a:off x="7816383" y="5101261"/>
-                  <a:ext cx="1284597" cy="64300"/>
-                </a:xfrm>
-                <a:prstGeom prst="rect">
-                  <a:avLst/>
-                </a:prstGeom>
-              </p:spPr>
-              <p:style>
-                <a:lnRef idx="2">
-                  <a:schemeClr val="accent1">
-                    <a:shade val="50000"/>
-                  </a:schemeClr>
-                </a:lnRef>
-                <a:fillRef idx="1">
-                  <a:schemeClr val="accent1"/>
-                </a:fillRef>
-                <a:effectRef idx="0">
-                  <a:schemeClr val="accent1"/>
-                </a:effectRef>
-                <a:fontRef idx="minor">
-                  <a:schemeClr val="lt1"/>
-                </a:fontRef>
-              </p:style>
-              <p:txBody>
-                <a:bodyPr rtlCol="0" anchor="ctr"/>
-                <a:lstStyle/>
-                <a:p>
-                  <a:pPr algn="ctr"/>
-                  <a:endParaRPr lang="en-GB"/>
-                </a:p>
-              </p:txBody>
-            </p:sp>
-          </p:grpSp>
-        </p:grpSp>
-        <p:sp>
-          <p:nvSpPr>
-            <p:cNvPr id="10" name="TextBox 9"/>
-            <p:cNvSpPr txBox="1"/>
-            <p:nvPr/>
-          </p:nvSpPr>
-          <p:spPr>
-            <a:xfrm>
-              <a:off x="7415131" y="2366200"/>
-              <a:ext cx="625492" cy="369332"/>
+            <a:xfrm rot="18238242">
+              <a:off x="13077896" y="2921465"/>
+              <a:ext cx="1393074" cy="944196"/>
             </a:xfrm>
             <a:prstGeom prst="rect">
               <a:avLst/>
             </a:prstGeom>
-            <a:noFill/>
-          </p:spPr>
-          <p:txBody>
-            <a:bodyPr wrap="none" rtlCol="0">
-              <a:spAutoFit/>
-            </a:bodyPr>
-            <a:lstStyle/>
-            <a:p>
-              <a:r>
-                <a:rPr lang="en-GB" dirty="0" smtClean="0">
-                  <a:solidFill>
-                    <a:schemeClr val="accent5"/>
-                  </a:solidFill>
-                </a:rPr>
-                <a:t>Base</a:t>
-              </a:r>
-              <a:endParaRPr lang="en-GB" dirty="0">
-                <a:solidFill>
-                  <a:schemeClr val="accent5"/>
-                </a:solidFill>
-              </a:endParaRPr>
-            </a:p>
-          </p:txBody>
-        </p:sp>
-        <p:sp>
-          <p:nvSpPr>
-            <p:cNvPr id="11" name="TextBox 10"/>
-            <p:cNvSpPr txBox="1"/>
-            <p:nvPr/>
-          </p:nvSpPr>
-          <p:spPr>
-            <a:xfrm rot="1974035">
-              <a:off x="5350623" y="2156080"/>
-              <a:ext cx="582211" cy="369332"/>
-            </a:xfrm>
-            <a:prstGeom prst="rect">
-              <a:avLst/>
-            </a:prstGeom>
-            <a:noFill/>
-          </p:spPr>
-          <p:txBody>
-            <a:bodyPr wrap="none" rtlCol="0">
-              <a:spAutoFit/>
-            </a:bodyPr>
-            <a:lstStyle/>
-            <a:p>
-              <a:r>
-                <a:rPr lang="en-GB" dirty="0" smtClean="0">
-                  <a:solidFill>
-                    <a:schemeClr val="bg1"/>
-                  </a:solidFill>
-                </a:rPr>
-                <a:t>Arm</a:t>
-              </a:r>
-              <a:endParaRPr lang="en-GB" dirty="0">
-                <a:solidFill>
-                  <a:schemeClr val="bg1"/>
-                </a:solidFill>
-              </a:endParaRPr>
-            </a:p>
-          </p:txBody>
-        </p:sp>
-        <p:sp>
-          <p:nvSpPr>
-            <p:cNvPr id="12" name="Oval 11"/>
-            <p:cNvSpPr>
-              <a:spLocks noChangeAspect="1"/>
-            </p:cNvSpPr>
-            <p:nvPr/>
-          </p:nvSpPr>
-          <p:spPr>
-            <a:xfrm>
-              <a:off x="2877577" y="4758320"/>
-              <a:ext cx="213199" cy="213199"/>
-            </a:xfrm>
-            <a:prstGeom prst="ellipse">
-              <a:avLst/>
-            </a:prstGeom>
-            <a:solidFill>
-              <a:srgbClr val="FF0000"/>
-            </a:solidFill>
+            <a:pattFill prst="wdUpDiag">
+              <a:fgClr>
+                <a:schemeClr val="accent1"/>
+              </a:fgClr>
+              <a:bgClr>
+                <a:schemeClr val="bg1"/>
+              </a:bgClr>
+            </a:pattFill>
             <a:ln>
-              <a:solidFill>
-                <a:srgbClr val="FF0000"/>
-              </a:solidFill>
-            </a:ln>
-          </p:spPr>
-          <p:style>
-            <a:lnRef idx="2">
-              <a:schemeClr val="accent1">
-                <a:shade val="50000"/>
-              </a:schemeClr>
-            </a:lnRef>
-            <a:fillRef idx="1">
-              <a:schemeClr val="accent1"/>
-            </a:fillRef>
-            <a:effectRef idx="0">
-              <a:schemeClr val="accent1"/>
-            </a:effectRef>
-            <a:fontRef idx="minor">
-              <a:schemeClr val="lt1"/>
-            </a:fontRef>
-          </p:style>
-          <p:txBody>
-            <a:bodyPr rtlCol="0" anchor="ctr"/>
-            <a:lstStyle/>
-            <a:p>
-              <a:pPr algn="ctr"/>
-              <a:endParaRPr lang="en-GB" sz="5400"/>
-            </a:p>
-          </p:txBody>
-        </p:sp>
-        <p:sp>
-          <p:nvSpPr>
-            <p:cNvPr id="14" name="TextBox 13"/>
-            <p:cNvSpPr txBox="1"/>
-            <p:nvPr/>
-          </p:nvSpPr>
-          <p:spPr>
-            <a:xfrm>
-              <a:off x="4010528" y="5957746"/>
-              <a:ext cx="5498974" cy="553998"/>
-            </a:xfrm>
-            <a:prstGeom prst="rect">
-              <a:avLst/>
-            </a:prstGeom>
-            <a:noFill/>
-          </p:spPr>
-          <p:txBody>
-            <a:bodyPr wrap="square" rtlCol="0">
-              <a:spAutoFit/>
-            </a:bodyPr>
-            <a:lstStyle/>
-            <a:p>
-              <a:r>
-                <a:rPr lang="en-GB" sz="3000" dirty="0" smtClean="0">
-                  <a:solidFill>
-                    <a:schemeClr val="accent5"/>
-                  </a:solidFill>
-                </a:rPr>
-                <a:t>Immediately disregarded point</a:t>
-              </a:r>
-              <a:endParaRPr lang="en-GB" sz="3000" dirty="0">
-                <a:solidFill>
-                  <a:schemeClr val="accent5"/>
-                </a:solidFill>
-              </a:endParaRPr>
-            </a:p>
-          </p:txBody>
-        </p:sp>
-        <p:sp>
-          <p:nvSpPr>
-            <p:cNvPr id="66" name="Oval 65"/>
-            <p:cNvSpPr>
-              <a:spLocks noChangeAspect="1"/>
-            </p:cNvSpPr>
-            <p:nvPr/>
-          </p:nvSpPr>
-          <p:spPr>
-            <a:xfrm>
-              <a:off x="9416158" y="4844685"/>
-              <a:ext cx="213199" cy="213199"/>
-            </a:xfrm>
-            <a:prstGeom prst="ellipse">
-              <a:avLst/>
-            </a:prstGeom>
-            <a:solidFill>
-              <a:srgbClr val="FF0000"/>
-            </a:solidFill>
-            <a:ln>
-              <a:solidFill>
-                <a:srgbClr val="FF0000"/>
-              </a:solidFill>
-            </a:ln>
-          </p:spPr>
-          <p:style>
-            <a:lnRef idx="2">
-              <a:schemeClr val="accent1">
-                <a:shade val="50000"/>
-              </a:schemeClr>
-            </a:lnRef>
-            <a:fillRef idx="1">
-              <a:schemeClr val="accent1"/>
-            </a:fillRef>
-            <a:effectRef idx="0">
-              <a:schemeClr val="accent1"/>
-            </a:effectRef>
-            <a:fontRef idx="minor">
-              <a:schemeClr val="lt1"/>
-            </a:fontRef>
-          </p:style>
-          <p:txBody>
-            <a:bodyPr rtlCol="0" anchor="ctr"/>
-            <a:lstStyle/>
-            <a:p>
-              <a:pPr algn="ctr"/>
-              <a:endParaRPr lang="en-GB" sz="5400"/>
-            </a:p>
-          </p:txBody>
-        </p:sp>
-        <p:cxnSp>
-          <p:nvCxnSpPr>
-            <p:cNvPr id="13" name="Straight Connector 12"/>
-            <p:cNvCxnSpPr/>
-            <p:nvPr/>
-          </p:nvCxnSpPr>
-          <p:spPr>
-            <a:xfrm flipV="1">
-              <a:off x="3090776" y="3155961"/>
-              <a:ext cx="3590689" cy="1678685"/>
-            </a:xfrm>
-            <a:prstGeom prst="line">
-              <a:avLst/>
-            </a:prstGeom>
-            <a:ln w="12700">
-              <a:solidFill>
-                <a:schemeClr val="tx1"/>
-              </a:solidFill>
-              <a:headEnd type="triangle" w="med" len="med"/>
-              <a:tailEnd type="oval" w="lg" len="lg"/>
-            </a:ln>
-          </p:spPr>
-          <p:style>
-            <a:lnRef idx="1">
-              <a:schemeClr val="accent1"/>
-            </a:lnRef>
-            <a:fillRef idx="0">
-              <a:schemeClr val="accent1"/>
-            </a:fillRef>
-            <a:effectRef idx="0">
-              <a:schemeClr val="accent1"/>
-            </a:effectRef>
-            <a:fontRef idx="minor">
-              <a:schemeClr val="tx1"/>
-            </a:fontRef>
-          </p:style>
-        </p:cxnSp>
-      </p:grpSp>
-      <p:grpSp>
-        <p:nvGrpSpPr>
-          <p:cNvPr id="42" name="Group 41"/>
-          <p:cNvGrpSpPr/>
-          <p:nvPr/>
-        </p:nvGrpSpPr>
-        <p:grpSpPr>
-          <a:xfrm>
-            <a:off x="16591730" y="350930"/>
-            <a:ext cx="6736249" cy="6587262"/>
-            <a:chOff x="3075381" y="272658"/>
-            <a:chExt cx="6736249" cy="6587262"/>
-          </a:xfrm>
-        </p:grpSpPr>
-        <p:grpSp>
-          <p:nvGrpSpPr>
-            <p:cNvPr id="43" name="Group 42"/>
-            <p:cNvGrpSpPr/>
-            <p:nvPr/>
-          </p:nvGrpSpPr>
-          <p:grpSpPr>
-            <a:xfrm>
-              <a:off x="3830633" y="312696"/>
-              <a:ext cx="5671389" cy="5566493"/>
-              <a:chOff x="6624633" y="1923288"/>
-              <a:chExt cx="5671389" cy="5566493"/>
-            </a:xfrm>
-          </p:grpSpPr>
-          <p:sp>
-            <p:nvSpPr>
-              <p:cNvPr id="61" name="Oval 60"/>
-              <p:cNvSpPr/>
-              <p:nvPr/>
-            </p:nvSpPr>
-            <p:spPr>
-              <a:xfrm>
-                <a:off x="6624633" y="1923288"/>
-                <a:ext cx="5671389" cy="5566493"/>
-              </a:xfrm>
-              <a:prstGeom prst="ellipse">
-                <a:avLst/>
-              </a:prstGeom>
-              <a:solidFill>
-                <a:schemeClr val="accent1">
-                  <a:lumMod val="40000"/>
-                  <a:lumOff val="60000"/>
-                </a:schemeClr>
-              </a:solidFill>
-              <a:ln w="22225">
-                <a:noFill/>
-                <a:prstDash val="lgDash"/>
-              </a:ln>
-            </p:spPr>
-            <p:style>
-              <a:lnRef idx="2">
-                <a:schemeClr val="accent1">
-                  <a:shade val="50000"/>
-                </a:schemeClr>
-              </a:lnRef>
-              <a:fillRef idx="1">
-                <a:schemeClr val="accent1"/>
-              </a:fillRef>
-              <a:effectRef idx="0">
-                <a:schemeClr val="accent1"/>
-              </a:effectRef>
-              <a:fontRef idx="minor">
-                <a:schemeClr val="lt1"/>
-              </a:fontRef>
-            </p:style>
-            <p:txBody>
-              <a:bodyPr rtlCol="0" anchor="ctr"/>
-              <a:lstStyle/>
-              <a:p>
-                <a:pPr algn="ctr"/>
-                <a:endParaRPr lang="en-GB"/>
-              </a:p>
-            </p:txBody>
-          </p:sp>
-          <p:sp>
-            <p:nvSpPr>
-              <p:cNvPr id="62" name="Oval 61"/>
-              <p:cNvSpPr>
-                <a:spLocks noChangeAspect="1"/>
-              </p:cNvSpPr>
-              <p:nvPr/>
-            </p:nvSpPr>
-            <p:spPr>
-              <a:xfrm>
-                <a:off x="6966194" y="2258534"/>
-                <a:ext cx="4988268" cy="4896000"/>
-              </a:xfrm>
-              <a:prstGeom prst="ellipse">
-                <a:avLst/>
-              </a:prstGeom>
-              <a:solidFill>
-                <a:schemeClr val="bg1"/>
-              </a:solidFill>
-              <a:ln w="22225">
-                <a:noFill/>
-                <a:prstDash val="lgDash"/>
-              </a:ln>
-            </p:spPr>
-            <p:style>
-              <a:lnRef idx="2">
-                <a:schemeClr val="accent1">
-                  <a:shade val="50000"/>
-                </a:schemeClr>
-              </a:lnRef>
-              <a:fillRef idx="1">
-                <a:schemeClr val="accent1"/>
-              </a:fillRef>
-              <a:effectRef idx="0">
-                <a:schemeClr val="accent1"/>
-              </a:effectRef>
-              <a:fontRef idx="minor">
-                <a:schemeClr val="lt1"/>
-              </a:fontRef>
-            </p:style>
-            <p:txBody>
-              <a:bodyPr rtlCol="0" anchor="ctr"/>
-              <a:lstStyle/>
-              <a:p>
-                <a:pPr algn="ctr"/>
-                <a:endParaRPr lang="en-GB"/>
-              </a:p>
-            </p:txBody>
-          </p:sp>
-        </p:grpSp>
-        <p:sp>
-          <p:nvSpPr>
-            <p:cNvPr id="44" name="Oval 43"/>
-            <p:cNvSpPr/>
-            <p:nvPr/>
-          </p:nvSpPr>
-          <p:spPr>
-            <a:xfrm>
-              <a:off x="3835468" y="311794"/>
-              <a:ext cx="5671389" cy="5566493"/>
-            </a:xfrm>
-            <a:prstGeom prst="ellipse">
-              <a:avLst/>
-            </a:prstGeom>
-            <a:noFill/>
-            <a:ln w="22225">
-              <a:solidFill>
-                <a:schemeClr val="accent6"/>
-              </a:solidFill>
-              <a:prstDash val="lgDash"/>
-            </a:ln>
-          </p:spPr>
-          <p:style>
-            <a:lnRef idx="2">
-              <a:schemeClr val="accent1">
-                <a:shade val="50000"/>
-              </a:schemeClr>
-            </a:lnRef>
-            <a:fillRef idx="1">
-              <a:schemeClr val="accent1"/>
-            </a:fillRef>
-            <a:effectRef idx="0">
-              <a:schemeClr val="accent1"/>
-            </a:effectRef>
-            <a:fontRef idx="minor">
-              <a:schemeClr val="lt1"/>
-            </a:fontRef>
-          </p:style>
-          <p:txBody>
-            <a:bodyPr rtlCol="0" anchor="ctr"/>
-            <a:lstStyle/>
-            <a:p>
-              <a:pPr algn="ctr"/>
-              <a:endParaRPr lang="en-GB"/>
-            </a:p>
-          </p:txBody>
-        </p:sp>
-        <p:sp>
-          <p:nvSpPr>
-            <p:cNvPr id="45" name="Pie 44"/>
-            <p:cNvSpPr/>
-            <p:nvPr/>
-          </p:nvSpPr>
-          <p:spPr>
-            <a:xfrm rot="10632034">
-              <a:off x="3831113" y="272658"/>
-              <a:ext cx="5857804" cy="5688335"/>
-            </a:xfrm>
-            <a:prstGeom prst="pie">
-              <a:avLst>
-                <a:gd name="adj1" fmla="val 0"/>
-                <a:gd name="adj2" fmla="val 4494618"/>
-              </a:avLst>
-            </a:prstGeom>
-            <a:solidFill>
-              <a:schemeClr val="accent6">
-                <a:lumMod val="40000"/>
-                <a:lumOff val="60000"/>
-              </a:schemeClr>
-            </a:solidFill>
-            <a:ln w="19050">
-              <a:prstDash val="lgDash"/>
-            </a:ln>
-          </p:spPr>
-          <p:style>
-            <a:lnRef idx="2">
-              <a:schemeClr val="accent1">
-                <a:shade val="50000"/>
-              </a:schemeClr>
-            </a:lnRef>
-            <a:fillRef idx="1">
-              <a:schemeClr val="accent1"/>
-            </a:fillRef>
-            <a:effectRef idx="0">
-              <a:schemeClr val="accent1"/>
-            </a:effectRef>
-            <a:fontRef idx="minor">
-              <a:schemeClr val="lt1"/>
-            </a:fontRef>
-          </p:style>
-          <p:txBody>
-            <a:bodyPr rtlCol="0" anchor="ctr"/>
-            <a:lstStyle/>
-            <a:p>
-              <a:pPr algn="ctr"/>
-              <a:endParaRPr lang="en-GB">
-                <a:solidFill>
-                  <a:schemeClr val="tx1"/>
-                </a:solidFill>
-              </a:endParaRPr>
-            </a:p>
-          </p:txBody>
-        </p:sp>
-        <p:sp>
-          <p:nvSpPr>
-            <p:cNvPr id="46" name="Pie 45"/>
-            <p:cNvSpPr/>
-            <p:nvPr/>
-          </p:nvSpPr>
-          <p:spPr>
-            <a:xfrm rot="10632034">
-              <a:off x="4184834" y="606763"/>
-              <a:ext cx="5127122" cy="5020124"/>
-            </a:xfrm>
-            <a:prstGeom prst="pie">
-              <a:avLst>
-                <a:gd name="adj1" fmla="val 20428"/>
-                <a:gd name="adj2" fmla="val 4494618"/>
-              </a:avLst>
-            </a:prstGeom>
-            <a:solidFill>
-              <a:schemeClr val="bg1"/>
-            </a:solidFill>
-            <a:ln w="19050">
               <a:noFill/>
-              <a:prstDash val="lgDash"/>
-            </a:ln>
-          </p:spPr>
-          <p:style>
-            <a:lnRef idx="2">
-              <a:schemeClr val="accent1">
-                <a:shade val="50000"/>
-              </a:schemeClr>
-            </a:lnRef>
-            <a:fillRef idx="1">
-              <a:schemeClr val="accent1"/>
-            </a:fillRef>
-            <a:effectRef idx="0">
-              <a:schemeClr val="accent1"/>
-            </a:effectRef>
-            <a:fontRef idx="minor">
-              <a:schemeClr val="lt1"/>
-            </a:fontRef>
-          </p:style>
-          <p:txBody>
-            <a:bodyPr rtlCol="0" anchor="ctr"/>
-            <a:lstStyle/>
-            <a:p>
-              <a:pPr algn="ctr"/>
-              <a:endParaRPr lang="en-GB">
-                <a:solidFill>
-                  <a:schemeClr val="tx1"/>
-                </a:solidFill>
-              </a:endParaRPr>
-            </a:p>
-          </p:txBody>
-        </p:sp>
-        <p:grpSp>
-          <p:nvGrpSpPr>
-            <p:cNvPr id="47" name="Group 46"/>
-            <p:cNvGrpSpPr/>
-            <p:nvPr/>
-          </p:nvGrpSpPr>
-          <p:grpSpPr>
-            <a:xfrm>
-              <a:off x="4131211" y="2119085"/>
-              <a:ext cx="3482872" cy="1966674"/>
-              <a:chOff x="3579667" y="2409755"/>
-              <a:chExt cx="4844392" cy="2765978"/>
-            </a:xfrm>
-          </p:grpSpPr>
-          <p:sp>
-            <p:nvSpPr>
-              <p:cNvPr id="56" name="Rectangle 55"/>
-              <p:cNvSpPr/>
-              <p:nvPr/>
-            </p:nvSpPr>
-            <p:spPr>
-              <a:xfrm rot="2052924">
-                <a:off x="3579667" y="2409755"/>
-                <a:ext cx="3985147" cy="477672"/>
-              </a:xfrm>
-              <a:prstGeom prst="rect">
-                <a:avLst/>
-              </a:prstGeom>
-            </p:spPr>
-            <p:style>
-              <a:lnRef idx="2">
-                <a:schemeClr val="accent1">
-                  <a:shade val="50000"/>
-                </a:schemeClr>
-              </a:lnRef>
-              <a:fillRef idx="1">
-                <a:schemeClr val="accent1"/>
-              </a:fillRef>
-              <a:effectRef idx="0">
-                <a:schemeClr val="accent1"/>
-              </a:effectRef>
-              <a:fontRef idx="minor">
-                <a:schemeClr val="lt1"/>
-              </a:fontRef>
-            </p:style>
-            <p:txBody>
-              <a:bodyPr rtlCol="0" anchor="ctr"/>
-              <a:lstStyle/>
-              <a:p>
-                <a:pPr algn="ctr"/>
-                <a:endParaRPr lang="en-GB"/>
-              </a:p>
-            </p:txBody>
-          </p:sp>
-          <p:grpSp>
-            <p:nvGrpSpPr>
-              <p:cNvPr id="57" name="Group 56"/>
-              <p:cNvGrpSpPr/>
-              <p:nvPr/>
-            </p:nvGrpSpPr>
-            <p:grpSpPr>
-              <a:xfrm rot="18266766">
-                <a:off x="6714882" y="3466555"/>
-                <a:ext cx="2078238" cy="1340117"/>
-                <a:chOff x="6418649" y="4442016"/>
-                <a:chExt cx="2078238" cy="1340117"/>
-              </a:xfrm>
-            </p:grpSpPr>
-            <p:sp>
-              <p:nvSpPr>
-                <p:cNvPr id="58" name="Rectangle 57"/>
-                <p:cNvSpPr/>
-                <p:nvPr/>
-              </p:nvSpPr>
-              <p:spPr>
-                <a:xfrm>
-                  <a:off x="6432308" y="4445391"/>
-                  <a:ext cx="2064579" cy="45719"/>
-                </a:xfrm>
-                <a:prstGeom prst="rect">
-                  <a:avLst/>
-                </a:prstGeom>
-              </p:spPr>
-              <p:style>
-                <a:lnRef idx="2">
-                  <a:schemeClr val="accent1">
-                    <a:shade val="50000"/>
-                  </a:schemeClr>
-                </a:lnRef>
-                <a:fillRef idx="1">
-                  <a:schemeClr val="accent1"/>
-                </a:fillRef>
-                <a:effectRef idx="0">
-                  <a:schemeClr val="accent1"/>
-                </a:effectRef>
-                <a:fontRef idx="minor">
-                  <a:schemeClr val="lt1"/>
-                </a:fontRef>
-              </p:style>
-              <p:txBody>
-                <a:bodyPr rtlCol="0" anchor="ctr"/>
-                <a:lstStyle/>
-                <a:p>
-                  <a:pPr algn="ctr"/>
-                  <a:endParaRPr lang="en-GB"/>
-                </a:p>
-              </p:txBody>
-            </p:sp>
-            <p:sp>
-              <p:nvSpPr>
-                <p:cNvPr id="59" name="Rectangle 58"/>
-                <p:cNvSpPr/>
-                <p:nvPr/>
-              </p:nvSpPr>
-              <p:spPr>
-                <a:xfrm rot="5400000" flipV="1">
-                  <a:off x="5780740" y="5079925"/>
-                  <a:ext cx="1340117" cy="64300"/>
-                </a:xfrm>
-                <a:prstGeom prst="rect">
-                  <a:avLst/>
-                </a:prstGeom>
-              </p:spPr>
-              <p:style>
-                <a:lnRef idx="2">
-                  <a:schemeClr val="accent1">
-                    <a:shade val="50000"/>
-                  </a:schemeClr>
-                </a:lnRef>
-                <a:fillRef idx="1">
-                  <a:schemeClr val="accent1"/>
-                </a:fillRef>
-                <a:effectRef idx="0">
-                  <a:schemeClr val="accent1"/>
-                </a:effectRef>
-                <a:fontRef idx="minor">
-                  <a:schemeClr val="lt1"/>
-                </a:fontRef>
-              </p:style>
-              <p:txBody>
-                <a:bodyPr rtlCol="0" anchor="ctr"/>
-                <a:lstStyle/>
-                <a:p>
-                  <a:pPr algn="ctr"/>
-                  <a:endParaRPr lang="en-GB"/>
-                </a:p>
-              </p:txBody>
-            </p:sp>
-            <p:sp>
-              <p:nvSpPr>
-                <p:cNvPr id="60" name="Rectangle 59"/>
-                <p:cNvSpPr/>
-                <p:nvPr/>
-              </p:nvSpPr>
-              <p:spPr>
-                <a:xfrm rot="5400000" flipV="1">
-                  <a:off x="7813904" y="5103739"/>
-                  <a:ext cx="1289555" cy="64300"/>
-                </a:xfrm>
-                <a:prstGeom prst="rect">
-                  <a:avLst/>
-                </a:prstGeom>
-              </p:spPr>
-              <p:style>
-                <a:lnRef idx="2">
-                  <a:schemeClr val="accent1">
-                    <a:shade val="50000"/>
-                  </a:schemeClr>
-                </a:lnRef>
-                <a:fillRef idx="1">
-                  <a:schemeClr val="accent1"/>
-                </a:fillRef>
-                <a:effectRef idx="0">
-                  <a:schemeClr val="accent1"/>
-                </a:effectRef>
-                <a:fontRef idx="minor">
-                  <a:schemeClr val="lt1"/>
-                </a:fontRef>
-              </p:style>
-              <p:txBody>
-                <a:bodyPr rtlCol="0" anchor="ctr"/>
-                <a:lstStyle/>
-                <a:p>
-                  <a:pPr algn="ctr"/>
-                  <a:endParaRPr lang="en-GB"/>
-                </a:p>
-              </p:txBody>
-            </p:sp>
-          </p:grpSp>
-        </p:grpSp>
-        <p:sp>
-          <p:nvSpPr>
-            <p:cNvPr id="48" name="TextBox 47"/>
-            <p:cNvSpPr txBox="1"/>
-            <p:nvPr/>
-          </p:nvSpPr>
-          <p:spPr>
-            <a:xfrm>
-              <a:off x="7415131" y="2366200"/>
-              <a:ext cx="625492" cy="369332"/>
-            </a:xfrm>
-            <a:prstGeom prst="rect">
-              <a:avLst/>
-            </a:prstGeom>
-            <a:noFill/>
-          </p:spPr>
-          <p:txBody>
-            <a:bodyPr wrap="none" rtlCol="0">
-              <a:spAutoFit/>
-            </a:bodyPr>
-            <a:lstStyle/>
-            <a:p>
-              <a:r>
-                <a:rPr lang="en-GB" dirty="0" smtClean="0">
-                  <a:solidFill>
-                    <a:schemeClr val="accent5"/>
-                  </a:solidFill>
-                </a:rPr>
-                <a:t>Base</a:t>
-              </a:r>
-              <a:endParaRPr lang="en-GB" dirty="0">
-                <a:solidFill>
-                  <a:schemeClr val="accent5"/>
-                </a:solidFill>
-              </a:endParaRPr>
-            </a:p>
-          </p:txBody>
-        </p:sp>
-        <p:sp>
-          <p:nvSpPr>
-            <p:cNvPr id="49" name="TextBox 48"/>
-            <p:cNvSpPr txBox="1"/>
-            <p:nvPr/>
-          </p:nvSpPr>
-          <p:spPr>
-            <a:xfrm rot="1974035">
-              <a:off x="5350623" y="2156080"/>
-              <a:ext cx="582211" cy="369332"/>
-            </a:xfrm>
-            <a:prstGeom prst="rect">
-              <a:avLst/>
-            </a:prstGeom>
-            <a:noFill/>
-          </p:spPr>
-          <p:txBody>
-            <a:bodyPr wrap="none" rtlCol="0">
-              <a:spAutoFit/>
-            </a:bodyPr>
-            <a:lstStyle/>
-            <a:p>
-              <a:r>
-                <a:rPr lang="en-GB" dirty="0" smtClean="0">
-                  <a:solidFill>
-                    <a:schemeClr val="bg1"/>
-                  </a:solidFill>
-                </a:rPr>
-                <a:t>Arm</a:t>
-              </a:r>
-              <a:endParaRPr lang="en-GB" dirty="0">
-                <a:solidFill>
-                  <a:schemeClr val="bg1"/>
-                </a:solidFill>
-              </a:endParaRPr>
-            </a:p>
-          </p:txBody>
-        </p:sp>
-        <p:sp>
-          <p:nvSpPr>
-            <p:cNvPr id="50" name="Oval 49"/>
-            <p:cNvSpPr>
-              <a:spLocks noChangeAspect="1"/>
-            </p:cNvSpPr>
-            <p:nvPr/>
-          </p:nvSpPr>
-          <p:spPr>
-            <a:xfrm>
-              <a:off x="4070163" y="4260171"/>
-              <a:ext cx="108000" cy="108000"/>
-            </a:xfrm>
-            <a:prstGeom prst="ellipse">
-              <a:avLst/>
-            </a:prstGeom>
-            <a:solidFill>
-              <a:schemeClr val="accent2"/>
-            </a:solidFill>
-            <a:ln>
-              <a:solidFill>
-                <a:schemeClr val="accent2"/>
-              </a:solidFill>
-            </a:ln>
-          </p:spPr>
-          <p:style>
-            <a:lnRef idx="2">
-              <a:schemeClr val="accent1">
-                <a:shade val="50000"/>
-              </a:schemeClr>
-            </a:lnRef>
-            <a:fillRef idx="1">
-              <a:schemeClr val="accent1"/>
-            </a:fillRef>
-            <a:effectRef idx="0">
-              <a:schemeClr val="accent1"/>
-            </a:effectRef>
-            <a:fontRef idx="minor">
-              <a:schemeClr val="lt1"/>
-            </a:fontRef>
-          </p:style>
-          <p:txBody>
-            <a:bodyPr rtlCol="0" anchor="ctr"/>
-            <a:lstStyle/>
-            <a:p>
-              <a:pPr algn="ctr"/>
-              <a:endParaRPr lang="en-GB"/>
-            </a:p>
-          </p:txBody>
-        </p:sp>
-        <p:sp>
-          <p:nvSpPr>
-            <p:cNvPr id="51" name="Oval 50"/>
-            <p:cNvSpPr>
-              <a:spLocks noChangeAspect="1"/>
-            </p:cNvSpPr>
-            <p:nvPr/>
-          </p:nvSpPr>
-          <p:spPr>
-            <a:xfrm>
-              <a:off x="3808535" y="3127755"/>
-              <a:ext cx="144000" cy="144000"/>
-            </a:xfrm>
-            <a:prstGeom prst="ellipse">
-              <a:avLst/>
-            </a:prstGeom>
-            <a:solidFill>
-              <a:schemeClr val="accent6">
-                <a:lumMod val="75000"/>
-              </a:schemeClr>
-            </a:solidFill>
-            <a:ln>
-              <a:solidFill>
-                <a:schemeClr val="accent6">
-                  <a:lumMod val="75000"/>
-                </a:schemeClr>
-              </a:solidFill>
-            </a:ln>
-          </p:spPr>
-          <p:style>
-            <a:lnRef idx="2">
-              <a:schemeClr val="accent1">
-                <a:shade val="50000"/>
-              </a:schemeClr>
-            </a:lnRef>
-            <a:fillRef idx="1">
-              <a:schemeClr val="accent1"/>
-            </a:fillRef>
-            <a:effectRef idx="0">
-              <a:schemeClr val="accent1"/>
-            </a:effectRef>
-            <a:fontRef idx="minor">
-              <a:schemeClr val="lt1"/>
-            </a:fontRef>
-          </p:style>
-          <p:txBody>
-            <a:bodyPr rtlCol="0" anchor="ctr"/>
-            <a:lstStyle/>
-            <a:p>
-              <a:pPr algn="ctr"/>
-              <a:endParaRPr lang="en-GB"/>
-            </a:p>
-          </p:txBody>
-        </p:sp>
-        <p:sp>
-          <p:nvSpPr>
-            <p:cNvPr id="52" name="Cross 51"/>
-            <p:cNvSpPr>
-              <a:spLocks noChangeAspect="1"/>
-            </p:cNvSpPr>
-            <p:nvPr/>
-          </p:nvSpPr>
-          <p:spPr>
-            <a:xfrm>
-              <a:off x="3736535" y="3055755"/>
-              <a:ext cx="288000" cy="288000"/>
-            </a:xfrm>
-            <a:prstGeom prst="plus">
-              <a:avLst>
-                <a:gd name="adj" fmla="val 47222"/>
-              </a:avLst>
-            </a:prstGeom>
-            <a:solidFill>
-              <a:schemeClr val="accent6">
-                <a:lumMod val="75000"/>
-              </a:schemeClr>
-            </a:solidFill>
-            <a:ln>
-              <a:solidFill>
-                <a:schemeClr val="accent6">
-                  <a:lumMod val="75000"/>
-                </a:schemeClr>
-              </a:solidFill>
-            </a:ln>
-          </p:spPr>
-          <p:style>
-            <a:lnRef idx="2">
-              <a:schemeClr val="accent1">
-                <a:shade val="50000"/>
-              </a:schemeClr>
-            </a:lnRef>
-            <a:fillRef idx="1">
-              <a:schemeClr val="accent1"/>
-            </a:fillRef>
-            <a:effectRef idx="0">
-              <a:schemeClr val="accent1"/>
-            </a:effectRef>
-            <a:fontRef idx="minor">
-              <a:schemeClr val="lt1"/>
-            </a:fontRef>
-          </p:style>
-          <p:txBody>
-            <a:bodyPr rtlCol="0" anchor="ctr"/>
-            <a:lstStyle/>
-            <a:p>
-              <a:pPr algn="ctr"/>
-              <a:endParaRPr lang="en-GB"/>
-            </a:p>
-          </p:txBody>
-        </p:sp>
-        <p:cxnSp>
-          <p:nvCxnSpPr>
-            <p:cNvPr id="53" name="Straight Connector 52"/>
-            <p:cNvCxnSpPr>
-              <a:stCxn id="50" idx="0"/>
-            </p:cNvCxnSpPr>
-            <p:nvPr/>
-          </p:nvCxnSpPr>
-          <p:spPr>
-            <a:xfrm flipH="1" flipV="1">
-              <a:off x="3913447" y="3283241"/>
-              <a:ext cx="210716" cy="976930"/>
-            </a:xfrm>
-            <a:prstGeom prst="line">
-              <a:avLst/>
-            </a:prstGeom>
-            <a:ln w="19050">
-              <a:solidFill>
-                <a:schemeClr val="accent1"/>
-              </a:solidFill>
-              <a:headEnd type="none"/>
-              <a:tailEnd type="triangle" w="lg" len="med"/>
-            </a:ln>
-          </p:spPr>
-          <p:style>
-            <a:lnRef idx="1">
-              <a:schemeClr val="accent1"/>
-            </a:lnRef>
-            <a:fillRef idx="0">
-              <a:schemeClr val="accent1"/>
-            </a:fillRef>
-            <a:effectRef idx="0">
-              <a:schemeClr val="accent1"/>
-            </a:effectRef>
-            <a:fontRef idx="minor">
-              <a:schemeClr val="tx1"/>
-            </a:fontRef>
-          </p:style>
-        </p:cxnSp>
-        <p:sp>
-          <p:nvSpPr>
-            <p:cNvPr id="54" name="TextBox 53"/>
-            <p:cNvSpPr txBox="1"/>
-            <p:nvPr/>
-          </p:nvSpPr>
-          <p:spPr>
-            <a:xfrm>
-              <a:off x="4108473" y="5844257"/>
-              <a:ext cx="5703157" cy="1015663"/>
-            </a:xfrm>
-            <a:prstGeom prst="rect">
-              <a:avLst/>
-            </a:prstGeom>
-            <a:noFill/>
-          </p:spPr>
-          <p:txBody>
-            <a:bodyPr wrap="square" rtlCol="0">
-              <a:spAutoFit/>
-            </a:bodyPr>
-            <a:lstStyle/>
-            <a:p>
-              <a:r>
-                <a:rPr lang="en-GB" sz="3000" dirty="0" smtClean="0">
-                  <a:solidFill>
-                    <a:schemeClr val="accent5"/>
-                  </a:solidFill>
-                </a:rPr>
-                <a:t>Compromise, closest point, now achievable</a:t>
-              </a:r>
-              <a:endParaRPr lang="en-GB" sz="3000" dirty="0">
-                <a:solidFill>
-                  <a:schemeClr val="accent5"/>
-                </a:solidFill>
-              </a:endParaRPr>
-            </a:p>
-          </p:txBody>
-        </p:sp>
-        <p:pic>
-          <p:nvPicPr>
-            <p:cNvPr id="55" name="Picture 4" descr="http://www.clker.com/cliparts/2/k/n/l/C/Q/transparent-green-checkmark-hi.png"/>
-            <p:cNvPicPr>
-              <a:picLocks noChangeAspect="1" noChangeArrowheads="1"/>
-            </p:cNvPicPr>
-            <p:nvPr/>
-          </p:nvPicPr>
-          <p:blipFill>
-            <a:blip r:embed="rId2" cstate="print">
-              <a:extLst>
-                <a:ext uri="{28A0092B-C50C-407E-A947-70E740481C1C}">
-                  <a14:useLocalDpi xmlns:a14="http://schemas.microsoft.com/office/drawing/2010/main" val="0"/>
-                </a:ext>
-              </a:extLst>
-            </a:blip>
-            <a:srcRect/>
-            <a:stretch>
-              <a:fillRect/>
-            </a:stretch>
-          </p:blipFill>
-          <p:spPr bwMode="auto">
-            <a:xfrm>
-              <a:off x="3075381" y="2448963"/>
-              <a:ext cx="437778" cy="456210"/>
-            </a:xfrm>
-            <a:prstGeom prst="rect">
-              <a:avLst/>
-            </a:prstGeom>
-            <a:noFill/>
-            <a:extLst>
-              <a:ext uri="{909E8E84-426E-40DD-AFC4-6F175D3DCCD1}">
-                <a14:hiddenFill xmlns:a14="http://schemas.microsoft.com/office/drawing/2010/main">
-                  <a:solidFill>
-                    <a:srgbClr val="FFFFFF"/>
-                  </a:solidFill>
-                </a14:hiddenFill>
-              </a:ext>
-            </a:extLst>
-          </p:spPr>
-        </p:pic>
-      </p:grpSp>
-      <p:sp>
-        <p:nvSpPr>
-          <p:cNvPr id="70" name="Rectangle 69"/>
-          <p:cNvSpPr/>
-          <p:nvPr/>
-        </p:nvSpPr>
-        <p:spPr>
-          <a:xfrm rot="18238242">
-            <a:off x="6453221" y="2891021"/>
-            <a:ext cx="1384005" cy="930620"/>
-          </a:xfrm>
-          <a:prstGeom prst="rect">
-            <a:avLst/>
-          </a:prstGeom>
-          <a:pattFill prst="wdUpDiag">
-            <a:fgClr>
-              <a:schemeClr val="accent1"/>
-            </a:fgClr>
-            <a:bgClr>
-              <a:schemeClr val="bg1"/>
-            </a:bgClr>
-          </a:pattFill>
-          <a:ln>
-            <a:noFill/>
-          </a:ln>
-        </p:spPr>
-        <p:style>
-          <a:lnRef idx="2">
-            <a:schemeClr val="accent1">
-              <a:shade val="50000"/>
-            </a:schemeClr>
-          </a:lnRef>
-          <a:fillRef idx="1">
-            <a:schemeClr val="accent1"/>
-          </a:fillRef>
-          <a:effectRef idx="0">
-            <a:schemeClr val="accent1"/>
-          </a:effectRef>
-          <a:fontRef idx="minor">
-            <a:schemeClr val="lt1"/>
-          </a:fontRef>
-        </p:style>
-        <p:txBody>
-          <a:bodyPr rtlCol="0" anchor="ctr"/>
-          <a:lstStyle/>
-          <a:p>
-            <a:pPr algn="ctr"/>
-            <a:endParaRPr lang="en-GB"/>
-          </a:p>
-        </p:txBody>
-      </p:sp>
-      <p:sp>
-        <p:nvSpPr>
-          <p:cNvPr id="63" name="TextBox 62"/>
-          <p:cNvSpPr txBox="1"/>
-          <p:nvPr/>
-        </p:nvSpPr>
-        <p:spPr>
-          <a:xfrm>
-            <a:off x="4126481" y="445544"/>
-            <a:ext cx="580608" cy="707886"/>
-          </a:xfrm>
-          <a:prstGeom prst="rect">
-            <a:avLst/>
-          </a:prstGeom>
-          <a:noFill/>
-        </p:spPr>
-        <p:txBody>
-          <a:bodyPr wrap="none" rtlCol="0">
-            <a:spAutoFit/>
-          </a:bodyPr>
-          <a:lstStyle/>
-          <a:p>
-            <a:r>
-              <a:rPr lang="en-GB" sz="4000" b="1" dirty="0" smtClean="0">
-                <a:solidFill>
-                  <a:schemeClr val="accent1"/>
-                </a:solidFill>
-              </a:rPr>
-              <a:t>1.</a:t>
-            </a:r>
-            <a:endParaRPr lang="en-GB" sz="4000" b="1" dirty="0">
-              <a:solidFill>
-                <a:schemeClr val="accent1"/>
-              </a:solidFill>
-            </a:endParaRPr>
-          </a:p>
-        </p:txBody>
-      </p:sp>
-      <p:sp>
-        <p:nvSpPr>
-          <p:cNvPr id="64" name="TextBox 63"/>
-          <p:cNvSpPr txBox="1"/>
-          <p:nvPr/>
-        </p:nvSpPr>
-        <p:spPr>
-          <a:xfrm>
-            <a:off x="10747905" y="478942"/>
-            <a:ext cx="580608" cy="707886"/>
-          </a:xfrm>
-          <a:prstGeom prst="rect">
-            <a:avLst/>
-          </a:prstGeom>
-          <a:noFill/>
-        </p:spPr>
-        <p:txBody>
-          <a:bodyPr wrap="none" rtlCol="0">
-            <a:spAutoFit/>
-          </a:bodyPr>
-          <a:lstStyle/>
-          <a:p>
-            <a:r>
-              <a:rPr lang="en-GB" sz="4000" b="1" dirty="0">
-                <a:solidFill>
-                  <a:schemeClr val="accent1"/>
-                </a:solidFill>
-              </a:rPr>
-              <a:t>2</a:t>
-            </a:r>
-            <a:r>
-              <a:rPr lang="en-GB" sz="4000" b="1" dirty="0" smtClean="0">
-                <a:solidFill>
-                  <a:schemeClr val="accent1"/>
-                </a:solidFill>
-              </a:rPr>
-              <a:t>.</a:t>
-            </a:r>
-            <a:endParaRPr lang="en-GB" sz="4000" b="1" dirty="0">
-              <a:solidFill>
-                <a:schemeClr val="accent1"/>
-              </a:solidFill>
-            </a:endParaRPr>
-          </a:p>
-        </p:txBody>
-      </p:sp>
-      <p:sp>
-        <p:nvSpPr>
-          <p:cNvPr id="65" name="TextBox 64"/>
-          <p:cNvSpPr txBox="1"/>
-          <p:nvPr/>
-        </p:nvSpPr>
-        <p:spPr>
-          <a:xfrm>
-            <a:off x="17624822" y="445544"/>
-            <a:ext cx="580608" cy="707886"/>
-          </a:xfrm>
-          <a:prstGeom prst="rect">
-            <a:avLst/>
-          </a:prstGeom>
-          <a:noFill/>
-        </p:spPr>
-        <p:txBody>
-          <a:bodyPr wrap="none" rtlCol="0">
-            <a:spAutoFit/>
-          </a:bodyPr>
-          <a:lstStyle/>
-          <a:p>
-            <a:r>
-              <a:rPr lang="en-GB" sz="4000" b="1" dirty="0">
-                <a:solidFill>
-                  <a:schemeClr val="accent1"/>
-                </a:solidFill>
-              </a:rPr>
-              <a:t>3</a:t>
-            </a:r>
-            <a:r>
-              <a:rPr lang="en-GB" sz="4000" b="1" dirty="0" smtClean="0">
-                <a:solidFill>
-                  <a:schemeClr val="accent1"/>
-                </a:solidFill>
-              </a:rPr>
-              <a:t>.</a:t>
-            </a:r>
-            <a:endParaRPr lang="en-GB" sz="4000" b="1" dirty="0">
-              <a:solidFill>
-                <a:schemeClr val="accent1"/>
-              </a:solidFill>
-            </a:endParaRPr>
-          </a:p>
-        </p:txBody>
-      </p:sp>
-      <p:sp>
-        <p:nvSpPr>
-          <p:cNvPr id="72" name="Rectangle 71"/>
-          <p:cNvSpPr/>
-          <p:nvPr/>
-        </p:nvSpPr>
-        <p:spPr>
-          <a:xfrm rot="18264910">
-            <a:off x="19974942" y="2976184"/>
-            <a:ext cx="1380575" cy="930620"/>
-          </a:xfrm>
-          <a:prstGeom prst="rect">
-            <a:avLst/>
-          </a:prstGeom>
-          <a:pattFill prst="wdUpDiag">
-            <a:fgClr>
-              <a:schemeClr val="accent1"/>
-            </a:fgClr>
-            <a:bgClr>
-              <a:schemeClr val="bg1"/>
-            </a:bgClr>
-          </a:pattFill>
-          <a:ln>
-            <a:noFill/>
-          </a:ln>
-        </p:spPr>
-        <p:style>
-          <a:lnRef idx="2">
-            <a:schemeClr val="accent1">
-              <a:shade val="50000"/>
-            </a:schemeClr>
-          </a:lnRef>
-          <a:fillRef idx="1">
-            <a:schemeClr val="accent1"/>
-          </a:fillRef>
-          <a:effectRef idx="0">
-            <a:schemeClr val="accent1"/>
-          </a:effectRef>
-          <a:fontRef idx="minor">
-            <a:schemeClr val="lt1"/>
-          </a:fontRef>
-        </p:style>
-        <p:txBody>
-          <a:bodyPr rtlCol="0" anchor="ctr"/>
-          <a:lstStyle/>
-          <a:p>
-            <a:pPr algn="ctr"/>
-            <a:endParaRPr lang="en-GB"/>
-          </a:p>
-        </p:txBody>
-      </p:sp>
-      <p:grpSp>
-        <p:nvGrpSpPr>
-          <p:cNvPr id="22" name="Group 21"/>
-          <p:cNvGrpSpPr/>
-          <p:nvPr/>
-        </p:nvGrpSpPr>
-        <p:grpSpPr>
-          <a:xfrm>
-            <a:off x="9600882" y="311794"/>
-            <a:ext cx="8134605" cy="6619369"/>
-            <a:chOff x="2977140" y="272658"/>
-            <a:chExt cx="8134605" cy="6619369"/>
-          </a:xfrm>
-        </p:grpSpPr>
-        <p:cxnSp>
-          <p:nvCxnSpPr>
-            <p:cNvPr id="32" name="Straight Connector 31"/>
-            <p:cNvCxnSpPr/>
-            <p:nvPr/>
-          </p:nvCxnSpPr>
-          <p:spPr>
-            <a:xfrm flipV="1">
-              <a:off x="2977140" y="4361498"/>
-              <a:ext cx="1088162" cy="511890"/>
-            </a:xfrm>
-            <a:prstGeom prst="line">
-              <a:avLst/>
-            </a:prstGeom>
-            <a:ln w="19050">
-              <a:headEnd type="none"/>
-              <a:tailEnd type="triangle" w="lg" len="med"/>
-            </a:ln>
-          </p:spPr>
-          <p:style>
-            <a:lnRef idx="1">
-              <a:schemeClr val="accent1"/>
-            </a:lnRef>
-            <a:fillRef idx="0">
-              <a:schemeClr val="accent1"/>
-            </a:fillRef>
-            <a:effectRef idx="0">
-              <a:schemeClr val="accent1"/>
-            </a:effectRef>
-            <a:fontRef idx="minor">
-              <a:schemeClr val="tx1"/>
-            </a:fontRef>
-          </p:style>
-        </p:cxnSp>
-        <p:grpSp>
-          <p:nvGrpSpPr>
-            <p:cNvPr id="23" name="Group 22"/>
-            <p:cNvGrpSpPr/>
-            <p:nvPr/>
-          </p:nvGrpSpPr>
-          <p:grpSpPr>
-            <a:xfrm>
-              <a:off x="3830633" y="312696"/>
-              <a:ext cx="5671389" cy="5566493"/>
-              <a:chOff x="6624633" y="1923288"/>
-              <a:chExt cx="5671389" cy="5566493"/>
-            </a:xfrm>
-          </p:grpSpPr>
-          <p:sp>
-            <p:nvSpPr>
-              <p:cNvPr id="40" name="Oval 39"/>
-              <p:cNvSpPr/>
-              <p:nvPr/>
-            </p:nvSpPr>
-            <p:spPr>
-              <a:xfrm>
-                <a:off x="6624633" y="1923288"/>
-                <a:ext cx="5671389" cy="5566493"/>
-              </a:xfrm>
-              <a:prstGeom prst="ellipse">
-                <a:avLst/>
-              </a:prstGeom>
-              <a:solidFill>
-                <a:schemeClr val="accent1">
-                  <a:lumMod val="40000"/>
-                  <a:lumOff val="60000"/>
-                </a:schemeClr>
-              </a:solidFill>
-              <a:ln w="22225">
-                <a:noFill/>
-                <a:prstDash val="lgDash"/>
-              </a:ln>
-            </p:spPr>
-            <p:style>
-              <a:lnRef idx="2">
-                <a:schemeClr val="accent1">
-                  <a:shade val="50000"/>
-                </a:schemeClr>
-              </a:lnRef>
-              <a:fillRef idx="1">
-                <a:schemeClr val="accent1"/>
-              </a:fillRef>
-              <a:effectRef idx="0">
-                <a:schemeClr val="accent1"/>
-              </a:effectRef>
-              <a:fontRef idx="minor">
-                <a:schemeClr val="lt1"/>
-              </a:fontRef>
-            </p:style>
-            <p:txBody>
-              <a:bodyPr rtlCol="0" anchor="ctr"/>
-              <a:lstStyle/>
-              <a:p>
-                <a:pPr algn="ctr"/>
-                <a:endParaRPr lang="en-GB"/>
-              </a:p>
-            </p:txBody>
-          </p:sp>
-          <p:sp>
-            <p:nvSpPr>
-              <p:cNvPr id="41" name="Oval 40"/>
-              <p:cNvSpPr>
-                <a:spLocks noChangeAspect="1"/>
-              </p:cNvSpPr>
-              <p:nvPr/>
-            </p:nvSpPr>
-            <p:spPr>
-              <a:xfrm>
-                <a:off x="6966194" y="2258534"/>
-                <a:ext cx="4988268" cy="4896000"/>
-              </a:xfrm>
-              <a:prstGeom prst="ellipse">
-                <a:avLst/>
-              </a:prstGeom>
-              <a:solidFill>
-                <a:schemeClr val="bg1"/>
-              </a:solidFill>
-              <a:ln w="22225">
-                <a:noFill/>
-                <a:prstDash val="lgDash"/>
-              </a:ln>
-            </p:spPr>
-            <p:style>
-              <a:lnRef idx="2">
-                <a:schemeClr val="accent1">
-                  <a:shade val="50000"/>
-                </a:schemeClr>
-              </a:lnRef>
-              <a:fillRef idx="1">
-                <a:schemeClr val="accent1"/>
-              </a:fillRef>
-              <a:effectRef idx="0">
-                <a:schemeClr val="accent1"/>
-              </a:effectRef>
-              <a:fontRef idx="minor">
-                <a:schemeClr val="lt1"/>
-              </a:fontRef>
-            </p:style>
-            <p:txBody>
-              <a:bodyPr rtlCol="0" anchor="ctr"/>
-              <a:lstStyle/>
-              <a:p>
-                <a:pPr algn="ctr"/>
-                <a:endParaRPr lang="en-GB"/>
-              </a:p>
-            </p:txBody>
-          </p:sp>
-        </p:grpSp>
-        <p:sp>
-          <p:nvSpPr>
-            <p:cNvPr id="24" name="Oval 23"/>
-            <p:cNvSpPr/>
-            <p:nvPr/>
-          </p:nvSpPr>
-          <p:spPr>
-            <a:xfrm>
-              <a:off x="3835468" y="311794"/>
-              <a:ext cx="5671389" cy="5566493"/>
-            </a:xfrm>
-            <a:prstGeom prst="ellipse">
-              <a:avLst/>
-            </a:prstGeom>
-            <a:noFill/>
-            <a:ln w="22225">
-              <a:solidFill>
-                <a:schemeClr val="accent6"/>
-              </a:solidFill>
-              <a:prstDash val="lgDash"/>
-            </a:ln>
-          </p:spPr>
-          <p:style>
-            <a:lnRef idx="2">
-              <a:schemeClr val="accent1">
-                <a:shade val="50000"/>
-              </a:schemeClr>
-            </a:lnRef>
-            <a:fillRef idx="1">
-              <a:schemeClr val="accent1"/>
-            </a:fillRef>
-            <a:effectRef idx="0">
-              <a:schemeClr val="accent1"/>
-            </a:effectRef>
-            <a:fontRef idx="minor">
-              <a:schemeClr val="lt1"/>
-            </a:fontRef>
-          </p:style>
-          <p:txBody>
-            <a:bodyPr rtlCol="0" anchor="ctr"/>
-            <a:lstStyle/>
-            <a:p>
-              <a:pPr algn="ctr"/>
-              <a:endParaRPr lang="en-GB"/>
-            </a:p>
-          </p:txBody>
-        </p:sp>
-        <p:sp>
-          <p:nvSpPr>
-            <p:cNvPr id="25" name="Pie 24"/>
-            <p:cNvSpPr/>
-            <p:nvPr/>
-          </p:nvSpPr>
-          <p:spPr>
-            <a:xfrm rot="10632034">
-              <a:off x="3831113" y="272658"/>
-              <a:ext cx="5857804" cy="5688335"/>
-            </a:xfrm>
-            <a:prstGeom prst="pie">
-              <a:avLst>
-                <a:gd name="adj1" fmla="val 0"/>
-                <a:gd name="adj2" fmla="val 4494618"/>
-              </a:avLst>
-            </a:prstGeom>
-            <a:solidFill>
-              <a:schemeClr val="accent6">
-                <a:lumMod val="40000"/>
-                <a:lumOff val="60000"/>
-              </a:schemeClr>
-            </a:solidFill>
-            <a:ln w="19050">
-              <a:prstDash val="lgDash"/>
-            </a:ln>
-          </p:spPr>
-          <p:style>
-            <a:lnRef idx="2">
-              <a:schemeClr val="accent1">
-                <a:shade val="50000"/>
-              </a:schemeClr>
-            </a:lnRef>
-            <a:fillRef idx="1">
-              <a:schemeClr val="accent1"/>
-            </a:fillRef>
-            <a:effectRef idx="0">
-              <a:schemeClr val="accent1"/>
-            </a:effectRef>
-            <a:fontRef idx="minor">
-              <a:schemeClr val="lt1"/>
-            </a:fontRef>
-          </p:style>
-          <p:txBody>
-            <a:bodyPr rtlCol="0" anchor="ctr"/>
-            <a:lstStyle/>
-            <a:p>
-              <a:pPr algn="ctr"/>
-              <a:endParaRPr lang="en-GB">
-                <a:solidFill>
-                  <a:schemeClr val="tx1"/>
-                </a:solidFill>
-              </a:endParaRPr>
-            </a:p>
-          </p:txBody>
-        </p:sp>
-        <p:sp>
-          <p:nvSpPr>
-            <p:cNvPr id="26" name="Pie 25"/>
-            <p:cNvSpPr/>
-            <p:nvPr/>
-          </p:nvSpPr>
-          <p:spPr>
-            <a:xfrm rot="10632034">
-              <a:off x="4184834" y="606763"/>
-              <a:ext cx="5127122" cy="5020124"/>
-            </a:xfrm>
-            <a:prstGeom prst="pie">
-              <a:avLst>
-                <a:gd name="adj1" fmla="val 20428"/>
-                <a:gd name="adj2" fmla="val 4494618"/>
-              </a:avLst>
-            </a:prstGeom>
-            <a:solidFill>
-              <a:schemeClr val="bg1"/>
-            </a:solidFill>
-            <a:ln w="19050">
-              <a:noFill/>
-              <a:prstDash val="lgDash"/>
-            </a:ln>
-          </p:spPr>
-          <p:style>
-            <a:lnRef idx="2">
-              <a:schemeClr val="accent1">
-                <a:shade val="50000"/>
-              </a:schemeClr>
-            </a:lnRef>
-            <a:fillRef idx="1">
-              <a:schemeClr val="accent1"/>
-            </a:fillRef>
-            <a:effectRef idx="0">
-              <a:schemeClr val="accent1"/>
-            </a:effectRef>
-            <a:fontRef idx="minor">
-              <a:schemeClr val="lt1"/>
-            </a:fontRef>
-          </p:style>
-          <p:txBody>
-            <a:bodyPr rtlCol="0" anchor="ctr"/>
-            <a:lstStyle/>
-            <a:p>
-              <a:pPr algn="ctr"/>
-              <a:endParaRPr lang="en-GB">
-                <a:solidFill>
-                  <a:schemeClr val="tx1"/>
-                </a:solidFill>
-              </a:endParaRPr>
-            </a:p>
-          </p:txBody>
-        </p:sp>
-        <p:grpSp>
-          <p:nvGrpSpPr>
-            <p:cNvPr id="27" name="Group 26"/>
-            <p:cNvGrpSpPr/>
-            <p:nvPr/>
-          </p:nvGrpSpPr>
-          <p:grpSpPr>
-            <a:xfrm>
-              <a:off x="4131211" y="2119085"/>
-              <a:ext cx="3505216" cy="1973525"/>
-              <a:chOff x="3579667" y="2409755"/>
-              <a:chExt cx="4875470" cy="2775613"/>
-            </a:xfrm>
-          </p:grpSpPr>
-          <p:sp>
-            <p:nvSpPr>
-              <p:cNvPr id="35" name="Rectangle 34"/>
-              <p:cNvSpPr/>
-              <p:nvPr/>
-            </p:nvSpPr>
-            <p:spPr>
-              <a:xfrm rot="2052924">
-                <a:off x="3579667" y="2409755"/>
-                <a:ext cx="3985147" cy="477672"/>
-              </a:xfrm>
-              <a:prstGeom prst="rect">
-                <a:avLst/>
-              </a:prstGeom>
-            </p:spPr>
-            <p:style>
-              <a:lnRef idx="2">
-                <a:schemeClr val="accent1">
-                  <a:shade val="50000"/>
-                </a:schemeClr>
-              </a:lnRef>
-              <a:fillRef idx="1">
-                <a:schemeClr val="accent1"/>
-              </a:fillRef>
-              <a:effectRef idx="0">
-                <a:schemeClr val="accent1"/>
-              </a:effectRef>
-              <a:fontRef idx="minor">
-                <a:schemeClr val="lt1"/>
-              </a:fontRef>
-            </p:style>
-            <p:txBody>
-              <a:bodyPr rtlCol="0" anchor="ctr"/>
-              <a:lstStyle/>
-              <a:p>
-                <a:pPr algn="ctr"/>
-                <a:endParaRPr lang="en-GB"/>
-              </a:p>
-            </p:txBody>
-          </p:sp>
-          <p:grpSp>
-            <p:nvGrpSpPr>
-              <p:cNvPr id="36" name="Group 35"/>
-              <p:cNvGrpSpPr/>
-              <p:nvPr/>
-            </p:nvGrpSpPr>
-            <p:grpSpPr>
-              <a:xfrm rot="18266766">
-                <a:off x="6728926" y="3459157"/>
-                <a:ext cx="2078240" cy="1374182"/>
-                <a:chOff x="6418647" y="4442016"/>
-                <a:chExt cx="2078240" cy="1374182"/>
-              </a:xfrm>
-            </p:grpSpPr>
-            <p:sp>
-              <p:nvSpPr>
-                <p:cNvPr id="37" name="Rectangle 36"/>
-                <p:cNvSpPr/>
-                <p:nvPr/>
-              </p:nvSpPr>
-              <p:spPr>
-                <a:xfrm>
-                  <a:off x="6432308" y="4445391"/>
-                  <a:ext cx="2064579" cy="45719"/>
-                </a:xfrm>
-                <a:prstGeom prst="rect">
-                  <a:avLst/>
-                </a:prstGeom>
-              </p:spPr>
-              <p:style>
-                <a:lnRef idx="2">
-                  <a:schemeClr val="accent1">
-                    <a:shade val="50000"/>
-                  </a:schemeClr>
-                </a:lnRef>
-                <a:fillRef idx="1">
-                  <a:schemeClr val="accent1"/>
-                </a:fillRef>
-                <a:effectRef idx="0">
-                  <a:schemeClr val="accent1"/>
-                </a:effectRef>
-                <a:fontRef idx="minor">
-                  <a:schemeClr val="lt1"/>
-                </a:fontRef>
-              </p:style>
-              <p:txBody>
-                <a:bodyPr rtlCol="0" anchor="ctr"/>
-                <a:lstStyle/>
-                <a:p>
-                  <a:pPr algn="ctr"/>
-                  <a:endParaRPr lang="en-GB"/>
-                </a:p>
-              </p:txBody>
-            </p:sp>
-            <p:sp>
-              <p:nvSpPr>
-                <p:cNvPr id="38" name="Rectangle 37"/>
-                <p:cNvSpPr/>
-                <p:nvPr/>
-              </p:nvSpPr>
-              <p:spPr>
-                <a:xfrm rot="5400000" flipV="1">
-                  <a:off x="5763706" y="5096957"/>
-                  <a:ext cx="1374182" cy="64300"/>
-                </a:xfrm>
-                <a:prstGeom prst="rect">
-                  <a:avLst/>
-                </a:prstGeom>
-              </p:spPr>
-              <p:style>
-                <a:lnRef idx="2">
-                  <a:schemeClr val="accent1">
-                    <a:shade val="50000"/>
-                  </a:schemeClr>
-                </a:lnRef>
-                <a:fillRef idx="1">
-                  <a:schemeClr val="accent1"/>
-                </a:fillRef>
-                <a:effectRef idx="0">
-                  <a:schemeClr val="accent1"/>
-                </a:effectRef>
-                <a:fontRef idx="minor">
-                  <a:schemeClr val="lt1"/>
-                </a:fontRef>
-              </p:style>
-              <p:txBody>
-                <a:bodyPr rtlCol="0" anchor="ctr"/>
-                <a:lstStyle/>
-                <a:p>
-                  <a:pPr algn="ctr"/>
-                  <a:endParaRPr lang="en-GB"/>
-                </a:p>
-              </p:txBody>
-            </p:sp>
-            <p:sp>
-              <p:nvSpPr>
-                <p:cNvPr id="39" name="Rectangle 38"/>
-                <p:cNvSpPr/>
-                <p:nvPr/>
-              </p:nvSpPr>
-              <p:spPr>
-                <a:xfrm rot="5400000" flipV="1">
-                  <a:off x="7810694" y="5106947"/>
-                  <a:ext cx="1295973" cy="64300"/>
-                </a:xfrm>
-                <a:prstGeom prst="rect">
-                  <a:avLst/>
-                </a:prstGeom>
-              </p:spPr>
-              <p:style>
-                <a:lnRef idx="2">
-                  <a:schemeClr val="accent1">
-                    <a:shade val="50000"/>
-                  </a:schemeClr>
-                </a:lnRef>
-                <a:fillRef idx="1">
-                  <a:schemeClr val="accent1"/>
-                </a:fillRef>
-                <a:effectRef idx="0">
-                  <a:schemeClr val="accent1"/>
-                </a:effectRef>
-                <a:fontRef idx="minor">
-                  <a:schemeClr val="lt1"/>
-                </a:fontRef>
-              </p:style>
-              <p:txBody>
-                <a:bodyPr rtlCol="0" anchor="ctr"/>
-                <a:lstStyle/>
-                <a:p>
-                  <a:pPr algn="ctr"/>
-                  <a:endParaRPr lang="en-GB"/>
-                </a:p>
-              </p:txBody>
-            </p:sp>
-          </p:grpSp>
-        </p:grpSp>
-        <p:sp>
-          <p:nvSpPr>
-            <p:cNvPr id="28" name="TextBox 27"/>
-            <p:cNvSpPr txBox="1"/>
-            <p:nvPr/>
-          </p:nvSpPr>
-          <p:spPr>
-            <a:xfrm>
-              <a:off x="7415131" y="2366200"/>
-              <a:ext cx="625492" cy="369332"/>
-            </a:xfrm>
-            <a:prstGeom prst="rect">
-              <a:avLst/>
-            </a:prstGeom>
-            <a:noFill/>
-          </p:spPr>
-          <p:txBody>
-            <a:bodyPr wrap="none" rtlCol="0">
-              <a:spAutoFit/>
-            </a:bodyPr>
-            <a:lstStyle/>
-            <a:p>
-              <a:r>
-                <a:rPr lang="en-GB" dirty="0" smtClean="0">
-                  <a:solidFill>
-                    <a:schemeClr val="accent5"/>
-                  </a:solidFill>
-                </a:rPr>
-                <a:t>Base</a:t>
-              </a:r>
-              <a:endParaRPr lang="en-GB" dirty="0">
-                <a:solidFill>
-                  <a:schemeClr val="accent5"/>
-                </a:solidFill>
-              </a:endParaRPr>
-            </a:p>
-          </p:txBody>
-        </p:sp>
-        <p:sp>
-          <p:nvSpPr>
-            <p:cNvPr id="29" name="TextBox 28"/>
-            <p:cNvSpPr txBox="1"/>
-            <p:nvPr/>
-          </p:nvSpPr>
-          <p:spPr>
-            <a:xfrm rot="1974035">
-              <a:off x="5350623" y="2156080"/>
-              <a:ext cx="582211" cy="369332"/>
-            </a:xfrm>
-            <a:prstGeom prst="rect">
-              <a:avLst/>
-            </a:prstGeom>
-            <a:noFill/>
-          </p:spPr>
-          <p:txBody>
-            <a:bodyPr wrap="none" rtlCol="0">
-              <a:spAutoFit/>
-            </a:bodyPr>
-            <a:lstStyle/>
-            <a:p>
-              <a:r>
-                <a:rPr lang="en-GB" dirty="0" smtClean="0">
-                  <a:solidFill>
-                    <a:schemeClr val="bg1"/>
-                  </a:solidFill>
-                </a:rPr>
-                <a:t>Arm</a:t>
-              </a:r>
-              <a:endParaRPr lang="en-GB" dirty="0">
-                <a:solidFill>
-                  <a:schemeClr val="bg1"/>
-                </a:solidFill>
-              </a:endParaRPr>
-            </a:p>
-          </p:txBody>
-        </p:sp>
-        <p:cxnSp>
-          <p:nvCxnSpPr>
-            <p:cNvPr id="31" name="Straight Connector 30"/>
-            <p:cNvCxnSpPr/>
-            <p:nvPr/>
-          </p:nvCxnSpPr>
-          <p:spPr>
-            <a:xfrm flipV="1">
-              <a:off x="2986280" y="3099743"/>
-              <a:ext cx="3767887" cy="1773396"/>
-            </a:xfrm>
-            <a:prstGeom prst="line">
-              <a:avLst/>
-            </a:prstGeom>
-            <a:ln w="3175">
-              <a:solidFill>
-                <a:schemeClr val="tx1"/>
-              </a:solidFill>
-              <a:prstDash val="sysDash"/>
-              <a:headEnd type="none" w="med" len="med"/>
-              <a:tailEnd type="oval" w="lg" len="lg"/>
-            </a:ln>
-          </p:spPr>
-          <p:style>
-            <a:lnRef idx="1">
-              <a:schemeClr val="accent1"/>
-            </a:lnRef>
-            <a:fillRef idx="0">
-              <a:schemeClr val="accent1"/>
-            </a:fillRef>
-            <a:effectRef idx="0">
-              <a:schemeClr val="accent1"/>
-            </a:effectRef>
-            <a:fontRef idx="minor">
-              <a:schemeClr val="tx1"/>
-            </a:fontRef>
-          </p:style>
-        </p:cxnSp>
-        <p:sp>
-          <p:nvSpPr>
-            <p:cNvPr id="33" name="TextBox 32"/>
-            <p:cNvSpPr txBox="1"/>
-            <p:nvPr/>
-          </p:nvSpPr>
-          <p:spPr>
-            <a:xfrm>
-              <a:off x="4035132" y="5876364"/>
-              <a:ext cx="6596838" cy="1015663"/>
-            </a:xfrm>
-            <a:prstGeom prst="rect">
-              <a:avLst/>
-            </a:prstGeom>
-            <a:noFill/>
-          </p:spPr>
-          <p:txBody>
-            <a:bodyPr wrap="square" rtlCol="0">
-              <a:spAutoFit/>
-            </a:bodyPr>
-            <a:lstStyle/>
-            <a:p>
-              <a:r>
-                <a:rPr lang="en-GB" sz="3000" dirty="0" smtClean="0">
-                  <a:solidFill>
-                    <a:schemeClr val="accent5"/>
-                  </a:solidFill>
-                </a:rPr>
-                <a:t>New equivalent shifted point, still disregarded</a:t>
-              </a:r>
-              <a:endParaRPr lang="en-GB" sz="3000" dirty="0">
-                <a:solidFill>
-                  <a:schemeClr val="accent5"/>
-                </a:solidFill>
-              </a:endParaRPr>
-            </a:p>
-          </p:txBody>
-        </p:sp>
-        <p:sp>
-          <p:nvSpPr>
-            <p:cNvPr id="34" name="Oval 33"/>
-            <p:cNvSpPr>
-              <a:spLocks noChangeAspect="1"/>
-            </p:cNvSpPr>
-            <p:nvPr/>
-          </p:nvSpPr>
-          <p:spPr>
-            <a:xfrm>
-              <a:off x="4039478" y="4247859"/>
-              <a:ext cx="177679" cy="177679"/>
-            </a:xfrm>
-            <a:prstGeom prst="ellipse">
-              <a:avLst/>
-            </a:prstGeom>
-            <a:solidFill>
-              <a:schemeClr val="accent2"/>
-            </a:solidFill>
-            <a:ln>
-              <a:solidFill>
-                <a:schemeClr val="accent2"/>
-              </a:solidFill>
-            </a:ln>
-          </p:spPr>
-          <p:style>
-            <a:lnRef idx="2">
-              <a:schemeClr val="accent1">
-                <a:shade val="50000"/>
-              </a:schemeClr>
-            </a:lnRef>
-            <a:fillRef idx="1">
-              <a:schemeClr val="accent1"/>
-            </a:fillRef>
-            <a:effectRef idx="0">
-              <a:schemeClr val="accent1"/>
-            </a:effectRef>
-            <a:fontRef idx="minor">
-              <a:schemeClr val="lt1"/>
-            </a:fontRef>
-          </p:style>
-          <p:txBody>
-            <a:bodyPr rtlCol="0" anchor="ctr"/>
-            <a:lstStyle/>
-            <a:p>
-              <a:pPr algn="ctr"/>
-              <a:endParaRPr lang="en-GB"/>
-            </a:p>
-          </p:txBody>
-        </p:sp>
-        <p:sp>
-          <p:nvSpPr>
-            <p:cNvPr id="68" name="Oval 67"/>
-            <p:cNvSpPr>
-              <a:spLocks noChangeAspect="1"/>
-            </p:cNvSpPr>
-            <p:nvPr/>
-          </p:nvSpPr>
-          <p:spPr>
-            <a:xfrm>
-              <a:off x="10934066" y="4279389"/>
-              <a:ext cx="177679" cy="177679"/>
-            </a:xfrm>
-            <a:prstGeom prst="ellipse">
-              <a:avLst/>
-            </a:prstGeom>
-            <a:solidFill>
-              <a:schemeClr val="accent2"/>
-            </a:solidFill>
-            <a:ln>
-              <a:solidFill>
-                <a:schemeClr val="accent2"/>
-              </a:solidFill>
             </a:ln>
           </p:spPr>
           <p:style>
@@ -5524,57 +5590,6 @@
           </p:txBody>
         </p:sp>
       </p:grpSp>
-      <p:sp>
-        <p:nvSpPr>
-          <p:cNvPr id="71" name="Rectangle 70"/>
-          <p:cNvSpPr/>
-          <p:nvPr/>
-        </p:nvSpPr>
-        <p:spPr>
-          <a:xfrm rot="18238242">
-            <a:off x="13077896" y="2921465"/>
-            <a:ext cx="1393074" cy="944196"/>
-          </a:xfrm>
-          <a:prstGeom prst="rect">
-            <a:avLst/>
-          </a:prstGeom>
-          <a:pattFill prst="wdUpDiag">
-            <a:fgClr>
-              <a:schemeClr val="accent1"/>
-            </a:fgClr>
-            <a:bgClr>
-              <a:schemeClr val="bg1"/>
-            </a:bgClr>
-          </a:pattFill>
-          <a:ln>
-            <a:noFill/>
-          </a:ln>
-        </p:spPr>
-        <p:style>
-          <a:lnRef idx="2">
-            <a:schemeClr val="accent1">
-              <a:shade val="50000"/>
-            </a:schemeClr>
-          </a:lnRef>
-          <a:fillRef idx="1">
-            <a:schemeClr val="accent1"/>
-          </a:fillRef>
-          <a:effectRef idx="0">
-            <a:schemeClr val="accent1"/>
-          </a:effectRef>
-          <a:fontRef idx="minor">
-            <a:schemeClr val="lt1"/>
-          </a:fontRef>
-        </p:style>
-        <p:txBody>
-          <a:bodyPr rtlCol="0" anchor="ctr"/>
-          <a:lstStyle/>
-          <a:p>
-            <a:pPr algn="ctr"/>
-            <a:endParaRPr lang="en-GB"/>
-          </a:p>
-        </p:txBody>
-      </p:sp>
     </p:spTree>
     <p:extLst>
       <p:ext uri="{BB962C8B-B14F-4D97-AF65-F5344CB8AC3E}">
